--- a/MSLT/structure/PMSLTframeworkV2.pptx
+++ b/MSLT/structure/PMSLTframeworkV2.pptx
@@ -5,26 +5,27 @@
     <p:sldMasterId id="2147483648" r:id="rId1"/>
   </p:sldMasterIdLst>
   <p:notesMasterIdLst>
-    <p:notesMasterId r:id="rId19"/>
+    <p:notesMasterId r:id="rId20"/>
   </p:notesMasterIdLst>
   <p:sldIdLst>
     <p:sldId id="261" r:id="rId2"/>
     <p:sldId id="270" r:id="rId3"/>
     <p:sldId id="268" r:id="rId4"/>
     <p:sldId id="266" r:id="rId5"/>
-    <p:sldId id="260" r:id="rId6"/>
-    <p:sldId id="267" r:id="rId7"/>
-    <p:sldId id="274" r:id="rId8"/>
-    <p:sldId id="273" r:id="rId9"/>
-    <p:sldId id="263" r:id="rId10"/>
-    <p:sldId id="277" r:id="rId11"/>
-    <p:sldId id="276" r:id="rId12"/>
-    <p:sldId id="256" r:id="rId13"/>
-    <p:sldId id="278" r:id="rId14"/>
-    <p:sldId id="262" r:id="rId15"/>
-    <p:sldId id="264" r:id="rId16"/>
-    <p:sldId id="269" r:id="rId17"/>
-    <p:sldId id="279" r:id="rId18"/>
+    <p:sldId id="280" r:id="rId6"/>
+    <p:sldId id="260" r:id="rId7"/>
+    <p:sldId id="267" r:id="rId8"/>
+    <p:sldId id="274" r:id="rId9"/>
+    <p:sldId id="273" r:id="rId10"/>
+    <p:sldId id="263" r:id="rId11"/>
+    <p:sldId id="277" r:id="rId12"/>
+    <p:sldId id="276" r:id="rId13"/>
+    <p:sldId id="256" r:id="rId14"/>
+    <p:sldId id="278" r:id="rId15"/>
+    <p:sldId id="262" r:id="rId16"/>
+    <p:sldId id="264" r:id="rId17"/>
+    <p:sldId id="269" r:id="rId18"/>
+    <p:sldId id="279" r:id="rId19"/>
   </p:sldIdLst>
   <p:sldSz cx="12192000" cy="6858000"/>
   <p:notesSz cx="6858000" cy="9144000"/>
@@ -213,7 +214,7 @@
           <a:p>
             <a:fld id="{B8A87EDB-1A2C-4B2E-83A8-5842A14D9950}" type="datetimeFigureOut">
               <a:rPr lang="en-GB" smtClean="0"/>
-              <a:t>27/03/2018</a:t>
+              <a:t>25/04/2018</a:t>
             </a:fld>
             <a:endParaRPr lang="en-GB"/>
           </a:p>
@@ -642,7 +643,7 @@
     </p:spTree>
     <p:extLst>
       <p:ext uri="{BB962C8B-B14F-4D97-AF65-F5344CB8AC3E}">
-        <p14:creationId xmlns:p14="http://schemas.microsoft.com/office/powerpoint/2010/main" val="2730642217"/>
+        <p14:creationId xmlns:p14="http://schemas.microsoft.com/office/powerpoint/2010/main" val="3316595095"/>
       </p:ext>
     </p:extLst>
   </p:cSld>
@@ -698,15 +699,7 @@
           <a:p>
             <a:r>
               <a:rPr lang="en-GB" baseline="0" dirty="0" smtClean="0"/>
-              <a:t>Alternative </a:t>
-            </a:r>
-            <a:r>
-              <a:rPr lang="en-GB" baseline="0" smtClean="0"/>
-              <a:t>data inputs </a:t>
-            </a:r>
-            <a:r>
-              <a:rPr lang="en-GB" baseline="0" dirty="0" smtClean="0"/>
-              <a:t>to be discussed. </a:t>
+              <a:t>Alternative data inputs to be discussed. </a:t>
             </a:r>
           </a:p>
         </p:txBody>
@@ -737,7 +730,7 @@
     </p:spTree>
     <p:extLst>
       <p:ext uri="{BB962C8B-B14F-4D97-AF65-F5344CB8AC3E}">
-        <p14:creationId xmlns:p14="http://schemas.microsoft.com/office/powerpoint/2010/main" val="1010032613"/>
+        <p14:creationId xmlns:p14="http://schemas.microsoft.com/office/powerpoint/2010/main" val="2730642217"/>
       </p:ext>
     </p:extLst>
   </p:cSld>
@@ -791,7 +784,18 @@
           <a:bodyPr/>
           <a:lstStyle/>
           <a:p>
-            <a:endParaRPr lang="en-GB" baseline="0" dirty="0" smtClean="0"/>
+            <a:r>
+              <a:rPr lang="en-GB" baseline="0" dirty="0" smtClean="0"/>
+              <a:t>Alternative </a:t>
+            </a:r>
+            <a:r>
+              <a:rPr lang="en-GB" baseline="0" smtClean="0"/>
+              <a:t>data inputs </a:t>
+            </a:r>
+            <a:r>
+              <a:rPr lang="en-GB" baseline="0" dirty="0" smtClean="0"/>
+              <a:t>to be discussed. </a:t>
+            </a:r>
           </a:p>
         </p:txBody>
       </p:sp>
@@ -821,7 +825,7 @@
     </p:spTree>
     <p:extLst>
       <p:ext uri="{BB962C8B-B14F-4D97-AF65-F5344CB8AC3E}">
-        <p14:creationId xmlns:p14="http://schemas.microsoft.com/office/powerpoint/2010/main" val="4139423473"/>
+        <p14:creationId xmlns:p14="http://schemas.microsoft.com/office/powerpoint/2010/main" val="1010032613"/>
       </p:ext>
     </p:extLst>
   </p:cSld>
@@ -875,10 +879,7 @@
           <a:bodyPr/>
           <a:lstStyle/>
           <a:p>
-            <a:r>
-              <a:rPr lang="en-GB" baseline="0" dirty="0" smtClean="0"/>
-              <a:t>I am only writing equations out of the table when these are too long to fit in. </a:t>
-            </a:r>
+            <a:endParaRPr lang="en-GB" baseline="0" dirty="0" smtClean="0"/>
           </a:p>
         </p:txBody>
       </p:sp>
@@ -908,7 +909,7 @@
     </p:spTree>
     <p:extLst>
       <p:ext uri="{BB962C8B-B14F-4D97-AF65-F5344CB8AC3E}">
-        <p14:creationId xmlns:p14="http://schemas.microsoft.com/office/powerpoint/2010/main" val="1018370668"/>
+        <p14:creationId xmlns:p14="http://schemas.microsoft.com/office/powerpoint/2010/main" val="4139423473"/>
       </p:ext>
     </p:extLst>
   </p:cSld>
@@ -962,7 +963,10 @@
           <a:bodyPr/>
           <a:lstStyle/>
           <a:p>
-            <a:endParaRPr lang="en-GB" baseline="0" dirty="0" smtClean="0"/>
+            <a:r>
+              <a:rPr lang="en-GB" baseline="0" dirty="0" smtClean="0"/>
+              <a:t>I am only writing equations out of the table when these are too long to fit in. </a:t>
+            </a:r>
           </a:p>
         </p:txBody>
       </p:sp>
@@ -983,7 +987,7 @@
           <a:p>
             <a:fld id="{E9A7C338-4380-4862-9BB2-E14908266303}" type="slidenum">
               <a:rPr lang="en-GB" smtClean="0"/>
-              <a:t>15</a:t>
+              <a:t>14</a:t>
             </a:fld>
             <a:endParaRPr lang="en-GB"/>
           </a:p>
@@ -992,7 +996,7 @@
     </p:spTree>
     <p:extLst>
       <p:ext uri="{BB962C8B-B14F-4D97-AF65-F5344CB8AC3E}">
-        <p14:creationId xmlns:p14="http://schemas.microsoft.com/office/powerpoint/2010/main" val="310234715"/>
+        <p14:creationId xmlns:p14="http://schemas.microsoft.com/office/powerpoint/2010/main" val="1018370668"/>
       </p:ext>
     </p:extLst>
   </p:cSld>
@@ -1046,132 +1050,7 @@
           <a:bodyPr/>
           <a:lstStyle/>
           <a:p>
-            <a:r>
-              <a:rPr lang="en-GB" b="1" dirty="0" smtClean="0"/>
-              <a:t>Time</a:t>
-            </a:r>
-            <a:r>
-              <a:rPr lang="en-GB" b="1" baseline="0" dirty="0" smtClean="0"/>
-              <a:t> dimension:</a:t>
-            </a:r>
-          </a:p>
-          <a:p>
-            <a:r>
-              <a:rPr lang="en-GB" baseline="0" dirty="0" smtClean="0"/>
-              <a:t>-period in years assumed between the moment of cessation of exposure and the moment the lowest relative risk for ex-exposed, the remnant RR is reached (called </a:t>
-            </a:r>
-            <a:r>
-              <a:rPr lang="en-GB" b="1" baseline="0" dirty="0" smtClean="0"/>
-              <a:t>LAG</a:t>
-            </a:r>
-            <a:r>
-              <a:rPr lang="en-GB" baseline="0" dirty="0" smtClean="0"/>
-              <a:t> in PREVENT). The introduction of this dimension necessitates an adjustment of the equation used for the calculation of PIF as well as an additional dimension of the input data on prevalence and RRs.  This means that the ultimate PIF is not reached immediately after the intervention but only after LAG years. </a:t>
-            </a:r>
-          </a:p>
-          <a:p>
-            <a:r>
-              <a:rPr lang="en-GB" dirty="0" smtClean="0"/>
-              <a:t>-The time</a:t>
-            </a:r>
-            <a:r>
-              <a:rPr lang="en-GB" baseline="0" dirty="0" smtClean="0"/>
-              <a:t> dimension also means, that past changes in risk factor prevalence, whatever their cause, may continue to affect disease incidence in the future. This change in disease specific incidence should be ascribed to the intervention. To incorporate the proportional effect of such past (and possibly also of future) “autonomous trends” in risk factor prevalence, PREVENT calculates Trend Impact Fractions (TIFs,) in a manner similar to the PIF’s. </a:t>
-            </a:r>
-          </a:p>
-          <a:p>
             <a:endParaRPr lang="en-GB" baseline="0" dirty="0" smtClean="0"/>
-          </a:p>
-          <a:p>
-            <a:r>
-              <a:rPr lang="en-GB" baseline="0" dirty="0" smtClean="0"/>
-              <a:t>The </a:t>
-            </a:r>
-            <a:r>
-              <a:rPr lang="en-GB" b="1" baseline="0" dirty="0" smtClean="0"/>
-              <a:t>LAG</a:t>
-            </a:r>
-            <a:r>
-              <a:rPr lang="en-GB" baseline="0" dirty="0" smtClean="0"/>
-              <a:t> seems to function as a proportional change in the PIF over the years. </a:t>
-            </a:r>
-          </a:p>
-          <a:p>
-            <a:endParaRPr lang="en-GB" baseline="0" dirty="0" smtClean="0"/>
-          </a:p>
-          <a:p>
-            <a:r>
-              <a:rPr lang="en-GB" baseline="0" dirty="0" smtClean="0"/>
-              <a:t>How are demographic changes modelled?</a:t>
-            </a:r>
-          </a:p>
-          <a:p>
-            <a:endParaRPr lang="en-GB" baseline="0" dirty="0" smtClean="0"/>
-          </a:p>
-          <a:p>
-            <a:r>
-              <a:rPr lang="en-GB" baseline="0" dirty="0" smtClean="0"/>
-              <a:t>“The effect of the absolute numbers, the health benefits, will of course also depend three other factors: on the proportional </a:t>
-            </a:r>
-            <a:r>
-              <a:rPr lang="en-GB" b="1" baseline="0" dirty="0" smtClean="0"/>
-              <a:t>changes</a:t>
-            </a:r>
-            <a:r>
-              <a:rPr lang="en-GB" baseline="0" dirty="0" smtClean="0"/>
-              <a:t> in diseases specific </a:t>
-            </a:r>
-            <a:r>
-              <a:rPr lang="en-GB" b="1" baseline="0" dirty="0" smtClean="0"/>
-              <a:t>incidence</a:t>
-            </a:r>
-            <a:r>
-              <a:rPr lang="en-GB" baseline="0" dirty="0" smtClean="0"/>
-              <a:t> over the same period </a:t>
-            </a:r>
-            <a:r>
-              <a:rPr lang="en-GB" b="1" baseline="0" dirty="0" smtClean="0"/>
-              <a:t>caused by autonomous trend (the TIF’s), </a:t>
-            </a:r>
-            <a:r>
-              <a:rPr lang="en-GB" baseline="0" dirty="0" smtClean="0"/>
-              <a:t>the relative contribution of the diseases, influenced by that specific risk factor, on total mortality and the </a:t>
-            </a:r>
-            <a:r>
-              <a:rPr lang="en-GB" b="1" baseline="0" dirty="0" smtClean="0"/>
-              <a:t>demographic changes </a:t>
-            </a:r>
-            <a:r>
-              <a:rPr lang="en-GB" baseline="0" dirty="0" smtClean="0"/>
-              <a:t>in the population over those LAG years.”</a:t>
-            </a:r>
-          </a:p>
-          <a:p>
-            <a:endParaRPr lang="en-GB" baseline="0" dirty="0" smtClean="0"/>
-          </a:p>
-          <a:p>
-            <a:r>
-              <a:rPr lang="en-GB" baseline="0" dirty="0" smtClean="0"/>
-              <a:t>“The assumption is that the proportional changes in incidence from the first part of the model, the PIF’s and TIF’s, are translated into the same proportional changes in disease specific mortality after a certain latency period, LAT”. </a:t>
-            </a:r>
-          </a:p>
-          <a:p>
-            <a:endParaRPr lang="en-GB" baseline="0" dirty="0" smtClean="0"/>
-          </a:p>
-          <a:p>
-            <a:r>
-              <a:rPr lang="en-GB" baseline="0" dirty="0" smtClean="0"/>
-              <a:t>In the PMSLT we should also multiply incidence in the model scenario to the trend to reflect the trend </a:t>
-            </a:r>
-            <a:r>
-              <a:rPr lang="en-GB" baseline="0" dirty="0" err="1" smtClean="0"/>
-              <a:t>scaenrios</a:t>
-            </a:r>
-            <a:r>
-              <a:rPr lang="en-GB" baseline="0" dirty="0" smtClean="0"/>
-              <a:t> (TIF in PREVENT). </a:t>
-            </a:r>
-            <a:endParaRPr lang="en-GB" dirty="0"/>
           </a:p>
         </p:txBody>
       </p:sp>
@@ -1201,7 +1080,7 @@
     </p:spTree>
     <p:extLst>
       <p:ext uri="{BB962C8B-B14F-4D97-AF65-F5344CB8AC3E}">
-        <p14:creationId xmlns:p14="http://schemas.microsoft.com/office/powerpoint/2010/main" val="2798678818"/>
+        <p14:creationId xmlns:p14="http://schemas.microsoft.com/office/powerpoint/2010/main" val="310234715"/>
       </p:ext>
     </p:extLst>
   </p:cSld>
@@ -1255,6 +1134,131 @@
           <a:bodyPr/>
           <a:lstStyle/>
           <a:p>
+            <a:r>
+              <a:rPr lang="en-GB" b="1" dirty="0" smtClean="0"/>
+              <a:t>Time</a:t>
+            </a:r>
+            <a:r>
+              <a:rPr lang="en-GB" b="1" baseline="0" dirty="0" smtClean="0"/>
+              <a:t> dimension:</a:t>
+            </a:r>
+          </a:p>
+          <a:p>
+            <a:r>
+              <a:rPr lang="en-GB" baseline="0" dirty="0" smtClean="0"/>
+              <a:t>-period in years assumed between the moment of cessation of exposure and the moment the lowest relative risk for ex-exposed, the remnant RR is reached (called </a:t>
+            </a:r>
+            <a:r>
+              <a:rPr lang="en-GB" b="1" baseline="0" dirty="0" smtClean="0"/>
+              <a:t>LAG</a:t>
+            </a:r>
+            <a:r>
+              <a:rPr lang="en-GB" baseline="0" dirty="0" smtClean="0"/>
+              <a:t> in PREVENT). The introduction of this dimension necessitates an adjustment of the equation used for the calculation of PIF as well as an additional dimension of the input data on prevalence and RRs.  This means that the ultimate PIF is not reached immediately after the intervention but only after LAG years. </a:t>
+            </a:r>
+          </a:p>
+          <a:p>
+            <a:r>
+              <a:rPr lang="en-GB" dirty="0" smtClean="0"/>
+              <a:t>-The time</a:t>
+            </a:r>
+            <a:r>
+              <a:rPr lang="en-GB" baseline="0" dirty="0" smtClean="0"/>
+              <a:t> dimension also means, that past changes in risk factor prevalence, whatever their cause, may continue to affect disease incidence in the future. This change in disease specific incidence should be ascribed to the intervention. To incorporate the proportional effect of such past (and possibly also of future) “autonomous trends” in risk factor prevalence, PREVENT calculates Trend Impact Fractions (TIFs,) in a manner similar to the PIF’s. </a:t>
+            </a:r>
+          </a:p>
+          <a:p>
+            <a:endParaRPr lang="en-GB" baseline="0" dirty="0" smtClean="0"/>
+          </a:p>
+          <a:p>
+            <a:r>
+              <a:rPr lang="en-GB" baseline="0" dirty="0" smtClean="0"/>
+              <a:t>The </a:t>
+            </a:r>
+            <a:r>
+              <a:rPr lang="en-GB" b="1" baseline="0" dirty="0" smtClean="0"/>
+              <a:t>LAG</a:t>
+            </a:r>
+            <a:r>
+              <a:rPr lang="en-GB" baseline="0" dirty="0" smtClean="0"/>
+              <a:t> seems to function as a proportional change in the PIF over the years. </a:t>
+            </a:r>
+          </a:p>
+          <a:p>
+            <a:endParaRPr lang="en-GB" baseline="0" dirty="0" smtClean="0"/>
+          </a:p>
+          <a:p>
+            <a:r>
+              <a:rPr lang="en-GB" baseline="0" dirty="0" smtClean="0"/>
+              <a:t>How are demographic changes modelled?</a:t>
+            </a:r>
+          </a:p>
+          <a:p>
+            <a:endParaRPr lang="en-GB" baseline="0" dirty="0" smtClean="0"/>
+          </a:p>
+          <a:p>
+            <a:r>
+              <a:rPr lang="en-GB" baseline="0" dirty="0" smtClean="0"/>
+              <a:t>“The effect of the absolute numbers, the health benefits, will of course also depend three other factors: on the proportional </a:t>
+            </a:r>
+            <a:r>
+              <a:rPr lang="en-GB" b="1" baseline="0" dirty="0" smtClean="0"/>
+              <a:t>changes</a:t>
+            </a:r>
+            <a:r>
+              <a:rPr lang="en-GB" baseline="0" dirty="0" smtClean="0"/>
+              <a:t> in diseases specific </a:t>
+            </a:r>
+            <a:r>
+              <a:rPr lang="en-GB" b="1" baseline="0" dirty="0" smtClean="0"/>
+              <a:t>incidence</a:t>
+            </a:r>
+            <a:r>
+              <a:rPr lang="en-GB" baseline="0" dirty="0" smtClean="0"/>
+              <a:t> over the same period </a:t>
+            </a:r>
+            <a:r>
+              <a:rPr lang="en-GB" b="1" baseline="0" dirty="0" smtClean="0"/>
+              <a:t>caused by autonomous trend (the TIF’s), </a:t>
+            </a:r>
+            <a:r>
+              <a:rPr lang="en-GB" baseline="0" dirty="0" smtClean="0"/>
+              <a:t>the relative contribution of the diseases, influenced by that specific risk factor, on total mortality and the </a:t>
+            </a:r>
+            <a:r>
+              <a:rPr lang="en-GB" b="1" baseline="0" dirty="0" smtClean="0"/>
+              <a:t>demographic changes </a:t>
+            </a:r>
+            <a:r>
+              <a:rPr lang="en-GB" baseline="0" dirty="0" smtClean="0"/>
+              <a:t>in the population over those LAG years.”</a:t>
+            </a:r>
+          </a:p>
+          <a:p>
+            <a:endParaRPr lang="en-GB" baseline="0" dirty="0" smtClean="0"/>
+          </a:p>
+          <a:p>
+            <a:r>
+              <a:rPr lang="en-GB" baseline="0" dirty="0" smtClean="0"/>
+              <a:t>“The assumption is that the proportional changes in incidence from the first part of the model, the PIF’s and TIF’s, are translated into the same proportional changes in disease specific mortality after a certain latency period, LAT”. </a:t>
+            </a:r>
+          </a:p>
+          <a:p>
+            <a:endParaRPr lang="en-GB" baseline="0" dirty="0" smtClean="0"/>
+          </a:p>
+          <a:p>
+            <a:r>
+              <a:rPr lang="en-GB" baseline="0" dirty="0" smtClean="0"/>
+              <a:t>In the PMSLT we should also multiply incidence in the model scenario to the trend to reflect the trend </a:t>
+            </a:r>
+            <a:r>
+              <a:rPr lang="en-GB" baseline="0" dirty="0" err="1" smtClean="0"/>
+              <a:t>scaenrios</a:t>
+            </a:r>
+            <a:r>
+              <a:rPr lang="en-GB" baseline="0" dirty="0" smtClean="0"/>
+              <a:t> (TIF in PREVENT). </a:t>
+            </a:r>
             <a:endParaRPr lang="en-GB" dirty="0"/>
           </a:p>
         </p:txBody>
@@ -1277,6 +1281,90 @@
             <a:fld id="{E9A7C338-4380-4862-9BB2-E14908266303}" type="slidenum">
               <a:rPr lang="en-GB" smtClean="0"/>
               <a:t>17</a:t>
+            </a:fld>
+            <a:endParaRPr lang="en-GB"/>
+          </a:p>
+        </p:txBody>
+      </p:sp>
+    </p:spTree>
+    <p:extLst>
+      <p:ext uri="{BB962C8B-B14F-4D97-AF65-F5344CB8AC3E}">
+        <p14:creationId xmlns:p14="http://schemas.microsoft.com/office/powerpoint/2010/main" val="2798678818"/>
+      </p:ext>
+    </p:extLst>
+  </p:cSld>
+  <p:clrMapOvr>
+    <a:masterClrMapping/>
+  </p:clrMapOvr>
+</p:notes>
+</file>
+
+<file path=ppt/notesSlides/notesSlide17.xml><?xml version="1.0" encoding="utf-8"?>
+<p:notes xmlns:a="http://schemas.openxmlformats.org/drawingml/2006/main" xmlns:r="http://schemas.openxmlformats.org/officeDocument/2006/relationships" xmlns:p="http://schemas.openxmlformats.org/presentationml/2006/main">
+  <p:cSld>
+    <p:spTree>
+      <p:nvGrpSpPr>
+        <p:cNvPr id="1" name=""/>
+        <p:cNvGrpSpPr/>
+        <p:nvPr/>
+      </p:nvGrpSpPr>
+      <p:grpSpPr>
+        <a:xfrm>
+          <a:off x="0" y="0"/>
+          <a:ext cx="0" cy="0"/>
+          <a:chOff x="0" y="0"/>
+          <a:chExt cx="0" cy="0"/>
+        </a:xfrm>
+      </p:grpSpPr>
+      <p:sp>
+        <p:nvSpPr>
+          <p:cNvPr id="2" name="Slide Image Placeholder 1"/>
+          <p:cNvSpPr>
+            <a:spLocks noGrp="1" noRot="1" noChangeAspect="1"/>
+          </p:cNvSpPr>
+          <p:nvPr>
+            <p:ph type="sldImg"/>
+          </p:nvPr>
+        </p:nvSpPr>
+        <p:spPr/>
+      </p:sp>
+      <p:sp>
+        <p:nvSpPr>
+          <p:cNvPr id="3" name="Notes Placeholder 2"/>
+          <p:cNvSpPr>
+            <a:spLocks noGrp="1"/>
+          </p:cNvSpPr>
+          <p:nvPr>
+            <p:ph type="body" idx="1"/>
+          </p:nvPr>
+        </p:nvSpPr>
+        <p:spPr/>
+        <p:txBody>
+          <a:bodyPr/>
+          <a:lstStyle/>
+          <a:p>
+            <a:endParaRPr lang="en-GB" dirty="0"/>
+          </a:p>
+        </p:txBody>
+      </p:sp>
+      <p:sp>
+        <p:nvSpPr>
+          <p:cNvPr id="4" name="Slide Number Placeholder 3"/>
+          <p:cNvSpPr>
+            <a:spLocks noGrp="1"/>
+          </p:cNvSpPr>
+          <p:nvPr>
+            <p:ph type="sldNum" sz="quarter" idx="10"/>
+          </p:nvPr>
+        </p:nvSpPr>
+        <p:spPr/>
+        <p:txBody>
+          <a:bodyPr/>
+          <a:lstStyle/>
+          <a:p>
+            <a:fld id="{E9A7C338-4380-4862-9BB2-E14908266303}" type="slidenum">
+              <a:rPr lang="en-GB" smtClean="0"/>
+              <a:t>18</a:t>
             </a:fld>
             <a:endParaRPr lang="en-GB"/>
           </a:p>
@@ -1591,7 +1679,7 @@
           <a:bodyPr/>
           <a:lstStyle/>
           <a:p>
-            <a:endParaRPr lang="en-GB" dirty="0"/>
+            <a:endParaRPr lang="en-GB" baseline="0" dirty="0" smtClean="0"/>
           </a:p>
         </p:txBody>
       </p:sp>
@@ -1621,7 +1709,7 @@
     </p:spTree>
     <p:extLst>
       <p:ext uri="{BB962C8B-B14F-4D97-AF65-F5344CB8AC3E}">
-        <p14:creationId xmlns:p14="http://schemas.microsoft.com/office/powerpoint/2010/main" val="3809073510"/>
+        <p14:creationId xmlns:p14="http://schemas.microsoft.com/office/powerpoint/2010/main" val="1997199866"/>
       </p:ext>
     </p:extLst>
   </p:cSld>
@@ -1705,7 +1793,7 @@
     </p:spTree>
     <p:extLst>
       <p:ext uri="{BB962C8B-B14F-4D97-AF65-F5344CB8AC3E}">
-        <p14:creationId xmlns:p14="http://schemas.microsoft.com/office/powerpoint/2010/main" val="1206421979"/>
+        <p14:creationId xmlns:p14="http://schemas.microsoft.com/office/powerpoint/2010/main" val="3809073510"/>
       </p:ext>
     </p:extLst>
   </p:cSld>
@@ -1789,7 +1877,7 @@
     </p:spTree>
     <p:extLst>
       <p:ext uri="{BB962C8B-B14F-4D97-AF65-F5344CB8AC3E}">
-        <p14:creationId xmlns:p14="http://schemas.microsoft.com/office/powerpoint/2010/main" val="3175009061"/>
+        <p14:creationId xmlns:p14="http://schemas.microsoft.com/office/powerpoint/2010/main" val="1206421979"/>
       </p:ext>
     </p:extLst>
   </p:cSld>
@@ -1873,7 +1961,7 @@
     </p:spTree>
     <p:extLst>
       <p:ext uri="{BB962C8B-B14F-4D97-AF65-F5344CB8AC3E}">
-        <p14:creationId xmlns:p14="http://schemas.microsoft.com/office/powerpoint/2010/main" val="4036302570"/>
+        <p14:creationId xmlns:p14="http://schemas.microsoft.com/office/powerpoint/2010/main" val="3175009061"/>
       </p:ext>
     </p:extLst>
   </p:cSld>
@@ -1927,10 +2015,7 @@
           <a:bodyPr/>
           <a:lstStyle/>
           <a:p>
-            <a:r>
-              <a:rPr lang="en-GB" baseline="0" dirty="0" smtClean="0"/>
-              <a:t>Alternative data inputs to be discussed. </a:t>
-            </a:r>
+            <a:endParaRPr lang="en-GB" dirty="0"/>
           </a:p>
         </p:txBody>
       </p:sp>
@@ -1960,7 +2045,7 @@
     </p:spTree>
     <p:extLst>
       <p:ext uri="{BB962C8B-B14F-4D97-AF65-F5344CB8AC3E}">
-        <p14:creationId xmlns:p14="http://schemas.microsoft.com/office/powerpoint/2010/main" val="3316595095"/>
+        <p14:creationId xmlns:p14="http://schemas.microsoft.com/office/powerpoint/2010/main" val="4036302570"/>
       </p:ext>
     </p:extLst>
   </p:cSld>
@@ -2101,7 +2186,7 @@
           <a:p>
             <a:fld id="{DEF44FD3-4A6B-46FF-925D-7C09BFC1FBE9}" type="datetimeFigureOut">
               <a:rPr lang="en-GB" smtClean="0"/>
-              <a:t>27/03/2018</a:t>
+              <a:t>25/04/2018</a:t>
             </a:fld>
             <a:endParaRPr lang="en-GB"/>
           </a:p>
@@ -2271,7 +2356,7 @@
           <a:p>
             <a:fld id="{DEF44FD3-4A6B-46FF-925D-7C09BFC1FBE9}" type="datetimeFigureOut">
               <a:rPr lang="en-GB" smtClean="0"/>
-              <a:t>27/03/2018</a:t>
+              <a:t>25/04/2018</a:t>
             </a:fld>
             <a:endParaRPr lang="en-GB"/>
           </a:p>
@@ -2451,7 +2536,7 @@
           <a:p>
             <a:fld id="{DEF44FD3-4A6B-46FF-925D-7C09BFC1FBE9}" type="datetimeFigureOut">
               <a:rPr lang="en-GB" smtClean="0"/>
-              <a:t>27/03/2018</a:t>
+              <a:t>25/04/2018</a:t>
             </a:fld>
             <a:endParaRPr lang="en-GB"/>
           </a:p>
@@ -2621,7 +2706,7 @@
           <a:p>
             <a:fld id="{DEF44FD3-4A6B-46FF-925D-7C09BFC1FBE9}" type="datetimeFigureOut">
               <a:rPr lang="en-GB" smtClean="0"/>
-              <a:t>27/03/2018</a:t>
+              <a:t>25/04/2018</a:t>
             </a:fld>
             <a:endParaRPr lang="en-GB"/>
           </a:p>
@@ -2867,7 +2952,7 @@
           <a:p>
             <a:fld id="{DEF44FD3-4A6B-46FF-925D-7C09BFC1FBE9}" type="datetimeFigureOut">
               <a:rPr lang="en-GB" smtClean="0"/>
-              <a:t>27/03/2018</a:t>
+              <a:t>25/04/2018</a:t>
             </a:fld>
             <a:endParaRPr lang="en-GB"/>
           </a:p>
@@ -3099,7 +3184,7 @@
           <a:p>
             <a:fld id="{DEF44FD3-4A6B-46FF-925D-7C09BFC1FBE9}" type="datetimeFigureOut">
               <a:rPr lang="en-GB" smtClean="0"/>
-              <a:t>27/03/2018</a:t>
+              <a:t>25/04/2018</a:t>
             </a:fld>
             <a:endParaRPr lang="en-GB"/>
           </a:p>
@@ -3466,7 +3551,7 @@
           <a:p>
             <a:fld id="{DEF44FD3-4A6B-46FF-925D-7C09BFC1FBE9}" type="datetimeFigureOut">
               <a:rPr lang="en-GB" smtClean="0"/>
-              <a:t>27/03/2018</a:t>
+              <a:t>25/04/2018</a:t>
             </a:fld>
             <a:endParaRPr lang="en-GB"/>
           </a:p>
@@ -3584,7 +3669,7 @@
           <a:p>
             <a:fld id="{DEF44FD3-4A6B-46FF-925D-7C09BFC1FBE9}" type="datetimeFigureOut">
               <a:rPr lang="en-GB" smtClean="0"/>
-              <a:t>27/03/2018</a:t>
+              <a:t>25/04/2018</a:t>
             </a:fld>
             <a:endParaRPr lang="en-GB"/>
           </a:p>
@@ -3679,7 +3764,7 @@
           <a:p>
             <a:fld id="{DEF44FD3-4A6B-46FF-925D-7C09BFC1FBE9}" type="datetimeFigureOut">
               <a:rPr lang="en-GB" smtClean="0"/>
-              <a:t>27/03/2018</a:t>
+              <a:t>25/04/2018</a:t>
             </a:fld>
             <a:endParaRPr lang="en-GB"/>
           </a:p>
@@ -3956,7 +4041,7 @@
           <a:p>
             <a:fld id="{DEF44FD3-4A6B-46FF-925D-7C09BFC1FBE9}" type="datetimeFigureOut">
               <a:rPr lang="en-GB" smtClean="0"/>
-              <a:t>27/03/2018</a:t>
+              <a:t>25/04/2018</a:t>
             </a:fld>
             <a:endParaRPr lang="en-GB"/>
           </a:p>
@@ -4209,7 +4294,7 @@
           <a:p>
             <a:fld id="{DEF44FD3-4A6B-46FF-925D-7C09BFC1FBE9}" type="datetimeFigureOut">
               <a:rPr lang="en-GB" smtClean="0"/>
-              <a:t>27/03/2018</a:t>
+              <a:t>25/04/2018</a:t>
             </a:fld>
             <a:endParaRPr lang="en-GB"/>
           </a:p>
@@ -4422,7 +4507,7 @@
           <a:p>
             <a:fld id="{DEF44FD3-4A6B-46FF-925D-7C09BFC1FBE9}" type="datetimeFigureOut">
               <a:rPr lang="en-GB" smtClean="0"/>
-              <a:t>27/03/2018</a:t>
+              <a:t>25/04/2018</a:t>
             </a:fld>
             <a:endParaRPr lang="en-GB"/>
           </a:p>
@@ -4981,7 +5066,7 @@
         <p:spPr>
           <a:xfrm>
             <a:off x="1149532" y="2378591"/>
-            <a:ext cx="10162903" cy="2232021"/>
+            <a:ext cx="10162903" cy="2308324"/>
           </a:xfrm>
           <a:prstGeom prst="rect">
             <a:avLst/>
@@ -5001,7 +5086,23 @@
             </a:pPr>
             <a:r>
               <a:rPr lang="en-GB" sz="3200" dirty="0" smtClean="0"/>
-              <a:t>PMSLT is a simulation model that estimates the effect of changes in exposure to risk factors prevalence in a population in terms of health benefits/</a:t>
+              <a:t>PMSLT is a simulation model that estimates the effect of changes </a:t>
+            </a:r>
+            <a:r>
+              <a:rPr lang="en-GB" sz="3200" dirty="0" smtClean="0"/>
+              <a:t>in the population distribution </a:t>
+            </a:r>
+            <a:r>
+              <a:rPr lang="en-GB" sz="3200" dirty="0" smtClean="0"/>
+              <a:t>of </a:t>
+            </a:r>
+            <a:r>
+              <a:rPr lang="en-GB" sz="3200" dirty="0" smtClean="0"/>
+              <a:t>risk factor/s in </a:t>
+            </a:r>
+            <a:r>
+              <a:rPr lang="en-GB" sz="3200" dirty="0" smtClean="0"/>
+              <a:t>terms of health benefits/</a:t>
             </a:r>
             <a:r>
               <a:rPr lang="en-GB" sz="3200" dirty="0" err="1" smtClean="0"/>
@@ -5055,8 +5156,8 @@
         </p:nvSpPr>
         <p:spPr>
           <a:xfrm>
-            <a:off x="699044" y="2103120"/>
-            <a:ext cx="10375900" cy="4001588"/>
+            <a:off x="836023" y="1937302"/>
+            <a:ext cx="10375900" cy="757646"/>
           </a:xfrm>
           <a:prstGeom prst="rect">
             <a:avLst/>
@@ -5064,7 +5165,7 @@
         </p:spPr>
         <p:txBody>
           <a:bodyPr vert="horz" lIns="91440" tIns="45720" rIns="91440" bIns="45720" rtlCol="0" anchor="ctr">
-            <a:normAutofit/>
+            <a:normAutofit fontScale="85000" lnSpcReduction="20000"/>
           </a:bodyPr>
           <a:lstStyle>
             <a:lvl1pPr algn="l" defTabSz="914400" rtl="0" eaLnBrk="1" latinLnBrk="0" hangingPunct="1">
@@ -5098,100 +5199,34 @@
             </a:pPr>
             <a:r>
               <a:rPr lang="en-GB" sz="3100" b="1" dirty="0" smtClean="0"/>
-              <a:t>R general command</a:t>
-            </a:r>
-          </a:p>
-          <a:p>
-            <a:pPr marL="342900" indent="-342900">
-              <a:buFont typeface="Wingdings" panose="05000000000000000000" pitchFamily="2" charset="2"/>
-              <a:buChar char="Ø"/>
+              <a:t>Long script (documented in </a:t>
+            </a:r>
+            <a:r>
+              <a:rPr lang="en-GB" sz="3100" b="1" dirty="0" smtClean="0"/>
+              <a:t>R</a:t>
+            </a:r>
+            <a:r>
+              <a:rPr lang="en-GB" sz="3100" b="1" dirty="0"/>
+              <a:t> </a:t>
+            </a:r>
+            <a:r>
+              <a:rPr lang="en-GB" sz="3100" b="1" dirty="0" smtClean="0"/>
+              <a:t>M</a:t>
+            </a:r>
+            <a:r>
+              <a:rPr lang="en-GB" sz="3100" b="1" dirty="0" smtClean="0"/>
+              <a:t>arkdown)</a:t>
+            </a:r>
+          </a:p>
+          <a:p>
+            <a:pPr>
+              <a:lnSpc>
+                <a:spcPct val="114000"/>
+              </a:lnSpc>
             </a:pPr>
-            <a:r>
-              <a:rPr lang="en-GB" sz="2000" b="1" dirty="0" smtClean="0"/>
-              <a:t>Set working directory</a:t>
-            </a:r>
-          </a:p>
-          <a:p>
-            <a:pPr marL="342900" indent="-342900">
-              <a:buFont typeface="Wingdings" panose="05000000000000000000" pitchFamily="2" charset="2"/>
-              <a:buChar char="Ø"/>
-            </a:pPr>
-            <a:r>
-              <a:rPr lang="en-GB" sz="2000" b="1" dirty="0" smtClean="0"/>
-              <a:t>Install/read required packages</a:t>
-            </a:r>
-          </a:p>
-          <a:p>
-            <a:pPr marL="342900" indent="-342900">
-              <a:buFont typeface="Wingdings" panose="05000000000000000000" pitchFamily="2" charset="2"/>
-              <a:buChar char="Ø"/>
-            </a:pPr>
-            <a:r>
-              <a:rPr lang="en-GB" sz="2000" b="1" dirty="0" smtClean="0"/>
-              <a:t>Read functions</a:t>
-            </a:r>
-          </a:p>
-          <a:p>
-            <a:pPr marL="342900" indent="-342900">
-              <a:buFont typeface="Wingdings" panose="05000000000000000000" pitchFamily="2" charset="2"/>
-              <a:buChar char="Ø"/>
-            </a:pPr>
-            <a:r>
-              <a:rPr lang="en-GB" sz="2000" b="1" dirty="0" smtClean="0"/>
-              <a:t>Read data: (a) Life table: </a:t>
-            </a:r>
-            <a:r>
-              <a:rPr lang="en-GB" sz="2000" dirty="0" smtClean="0"/>
-              <a:t>(1) mortality rates by 1-year age groups and sex, (2) population numbers by 1- year age intervals and sex, and (3) </a:t>
-            </a:r>
-            <a:r>
-              <a:rPr lang="en-GB" sz="2000" dirty="0" err="1" smtClean="0"/>
-              <a:t>pYLDtotal</a:t>
-            </a:r>
-            <a:r>
-              <a:rPr lang="en-GB" sz="2000" dirty="0" smtClean="0"/>
-              <a:t> by  1-year interval and sex; </a:t>
-            </a:r>
-            <a:r>
-              <a:rPr lang="en-GB" sz="2000" b="1" dirty="0" smtClean="0"/>
-              <a:t>(b) Disease life table: </a:t>
-            </a:r>
-            <a:r>
-              <a:rPr lang="en-GB" sz="2000" dirty="0" smtClean="0"/>
-              <a:t>(1) incidence rates by 1-year age intervals and sex, (2) case fatality </a:t>
-            </a:r>
-            <a:r>
-              <a:rPr lang="en-GB" sz="2000" dirty="0"/>
-              <a:t>rates in </a:t>
-            </a:r>
-            <a:r>
-              <a:rPr lang="en-GB" sz="2000" dirty="0" smtClean="0"/>
-              <a:t>1-year age </a:t>
-            </a:r>
-            <a:r>
-              <a:rPr lang="en-GB" sz="2000" dirty="0"/>
-              <a:t>intervals </a:t>
-            </a:r>
-            <a:r>
-              <a:rPr lang="en-GB" sz="2000" dirty="0" smtClean="0"/>
-              <a:t>and sex, and (3) disability weights by 1-year age intervals and sex</a:t>
-            </a:r>
-          </a:p>
-          <a:p>
-            <a:pPr marL="342900" indent="-342900">
-              <a:buFont typeface="Wingdings" panose="05000000000000000000" pitchFamily="2" charset="2"/>
-              <a:buChar char="Ø"/>
-            </a:pPr>
-            <a:r>
-              <a:rPr lang="en-GB" sz="2000" dirty="0" smtClean="0"/>
-              <a:t>OTHERS: HOW ARE THE CALCULATIONS COMING TOGETHER? CREATION OF TWO MODELS, ONE AS IS AND THE OTHER WITHOUT INTERVENTION?</a:t>
-            </a:r>
-          </a:p>
-          <a:p>
-            <a:pPr marL="342900" indent="-342900">
-              <a:buFont typeface="Wingdings" panose="05000000000000000000" pitchFamily="2" charset="2"/>
-              <a:buChar char="Ø"/>
-            </a:pPr>
+            <a:endParaRPr lang="en-GB" sz="2600" b="1" dirty="0" smtClean="0"/>
+          </a:p>
+          <a:p>
             <a:endParaRPr lang="en-GB" sz="2000" b="1" dirty="0" smtClean="0"/>
           </a:p>
           <a:p>
@@ -5264,8 +5299,8 @@
         </p:nvSpPr>
         <p:spPr>
           <a:xfrm>
-            <a:off x="836023" y="1414082"/>
-            <a:ext cx="3238835" cy="523220"/>
+            <a:off x="836023" y="1254229"/>
+            <a:ext cx="2447721" cy="523220"/>
           </a:xfrm>
           <a:prstGeom prst="rect">
             <a:avLst/>
@@ -5280,7 +5315,11 @@
           <a:p>
             <a:r>
               <a:rPr lang="en-GB" sz="2800" b="1" dirty="0" smtClean="0"/>
-              <a:t>Proposed R modules</a:t>
+              <a:t>R </a:t>
+            </a:r>
+            <a:r>
+              <a:rPr lang="en-GB" sz="2800" b="1" dirty="0" smtClean="0"/>
+              <a:t>development</a:t>
             </a:r>
             <a:endParaRPr lang="en-GB" sz="2800" b="1" dirty="0"/>
           </a:p>
@@ -5289,7 +5328,7 @@
     </p:spTree>
     <p:extLst>
       <p:ext uri="{BB962C8B-B14F-4D97-AF65-F5344CB8AC3E}">
-        <p14:creationId xmlns:p14="http://schemas.microsoft.com/office/powerpoint/2010/main" val="3474903578"/>
+        <p14:creationId xmlns:p14="http://schemas.microsoft.com/office/powerpoint/2010/main" val="2206637782"/>
       </p:ext>
     </p:extLst>
   </p:cSld>
@@ -5368,118 +5407,102 @@
               <a:buChar char="•"/>
             </a:pPr>
             <a:r>
-              <a:rPr lang="en-GB" sz="2600" b="1" dirty="0" smtClean="0"/>
-              <a:t>Inputs</a:t>
-            </a:r>
-            <a:r>
-              <a:rPr lang="en-GB" sz="2600" dirty="0" smtClean="0"/>
-              <a:t> </a:t>
-            </a:r>
-          </a:p>
-          <a:p>
-            <a:pPr marL="457200" indent="-457200">
-              <a:lnSpc>
-                <a:spcPct val="114000"/>
-              </a:lnSpc>
-              <a:buFont typeface="+mj-lt"/>
-              <a:buAutoNum type="arabicPeriod"/>
+              <a:rPr lang="en-GB" sz="3100" b="1" dirty="0" smtClean="0"/>
+              <a:t>R general command</a:t>
+            </a:r>
+          </a:p>
+          <a:p>
+            <a:pPr marL="342900" indent="-342900">
+              <a:buFont typeface="Wingdings" panose="05000000000000000000" pitchFamily="2" charset="2"/>
+              <a:buChar char="Ø"/>
             </a:pPr>
             <a:r>
               <a:rPr lang="en-GB" sz="2000" b="1" dirty="0" smtClean="0"/>
-              <a:t>Hazard rates (occurrence-exposure rates): </a:t>
+              <a:t>Set working directory</a:t>
+            </a:r>
+          </a:p>
+          <a:p>
+            <a:pPr marL="342900" indent="-342900">
+              <a:buFont typeface="Wingdings" panose="05000000000000000000" pitchFamily="2" charset="2"/>
+              <a:buChar char="Ø"/>
+            </a:pPr>
+            <a:r>
+              <a:rPr lang="en-GB" sz="2000" b="1" dirty="0" smtClean="0"/>
+              <a:t>Install/read required packages</a:t>
+            </a:r>
+          </a:p>
+          <a:p>
+            <a:pPr marL="342900" indent="-342900">
+              <a:buFont typeface="Wingdings" panose="05000000000000000000" pitchFamily="2" charset="2"/>
+              <a:buChar char="Ø"/>
+            </a:pPr>
+            <a:r>
+              <a:rPr lang="en-GB" sz="2000" b="1" dirty="0" smtClean="0"/>
+              <a:t>Read functions</a:t>
+            </a:r>
+          </a:p>
+          <a:p>
+            <a:pPr marL="342900" indent="-342900">
+              <a:buFont typeface="Wingdings" panose="05000000000000000000" pitchFamily="2" charset="2"/>
+              <a:buChar char="Ø"/>
+            </a:pPr>
+            <a:r>
+              <a:rPr lang="en-GB" sz="2000" b="1" dirty="0" smtClean="0"/>
+              <a:t>Read data: (a) Life table: </a:t>
             </a:r>
             <a:r>
               <a:rPr lang="en-GB" sz="2000" dirty="0" smtClean="0"/>
-              <a:t>incidence and case fatality. Derive from national statistics or IHME GBD studies. Use </a:t>
+              <a:t>(1) mortality rates by 1-year age groups and sex, (2) population numbers by 1- year age intervals and sex, and (3) </a:t>
             </a:r>
             <a:r>
               <a:rPr lang="en-GB" sz="2000" dirty="0" err="1" smtClean="0"/>
-              <a:t>DisMod</a:t>
+              <a:t>pYLDtotal</a:t>
             </a:r>
             <a:r>
               <a:rPr lang="en-GB" sz="2000" dirty="0" smtClean="0"/>
-              <a:t> II to case fatality from available inputs or generate internally consistent estimates. </a:t>
-            </a:r>
-          </a:p>
-          <a:p>
-            <a:pPr marL="457200" indent="-457200">
-              <a:lnSpc>
-                <a:spcPct val="114000"/>
-              </a:lnSpc>
-              <a:buFont typeface="+mj-lt"/>
-              <a:buAutoNum type="arabicPeriod"/>
+              <a:t> by  1-year interval and sex; </a:t>
+            </a:r>
+            <a:r>
+              <a:rPr lang="en-GB" sz="2000" b="1" dirty="0" smtClean="0"/>
+              <a:t>(b) Disease life table: </a:t>
+            </a:r>
+            <a:r>
+              <a:rPr lang="en-GB" sz="2000" dirty="0" smtClean="0"/>
+              <a:t>(1) incidence rates by 1-year age intervals and sex, (2) case fatality </a:t>
+            </a:r>
+            <a:r>
+              <a:rPr lang="en-GB" sz="2000" dirty="0"/>
+              <a:t>rates in </a:t>
+            </a:r>
+            <a:r>
+              <a:rPr lang="en-GB" sz="2000" dirty="0" smtClean="0"/>
+              <a:t>1-year age </a:t>
+            </a:r>
+            <a:r>
+              <a:rPr lang="en-GB" sz="2000" dirty="0"/>
+              <a:t>intervals </a:t>
+            </a:r>
+            <a:r>
+              <a:rPr lang="en-GB" sz="2000" dirty="0" smtClean="0"/>
+              <a:t>and sex, and (3) disability weights by 1-year age intervals and sex</a:t>
+            </a:r>
+          </a:p>
+          <a:p>
+            <a:pPr marL="342900" indent="-342900">
+              <a:buFont typeface="Wingdings" panose="05000000000000000000" pitchFamily="2" charset="2"/>
+              <a:buChar char="Ø"/>
             </a:pPr>
             <a:r>
-              <a:rPr lang="en-GB" sz="2000" b="1" dirty="0" smtClean="0"/>
-              <a:t>Population mortality rates and numbers: </a:t>
-            </a:r>
-            <a:r>
               <a:rPr lang="en-GB" sz="2000" dirty="0" smtClean="0"/>
-              <a:t>national/local statistics</a:t>
-            </a:r>
-          </a:p>
-          <a:p>
-            <a:pPr marL="457200" indent="-457200">
-              <a:lnSpc>
-                <a:spcPct val="114000"/>
-              </a:lnSpc>
-              <a:buFont typeface="+mj-lt"/>
-              <a:buAutoNum type="arabicPeriod"/>
+              <a:t>OTHERS: HOW ARE THE CALCULATIONS COMING TOGETHER? CREATION OF TWO MODELS, ONE AS IS AND THE OTHER WITHOUT INTERVENTION?</a:t>
+            </a:r>
+          </a:p>
+          <a:p>
+            <a:pPr marL="342900" indent="-342900">
+              <a:buFont typeface="Wingdings" panose="05000000000000000000" pitchFamily="2" charset="2"/>
+              <a:buChar char="Ø"/>
             </a:pPr>
-            <a:r>
-              <a:rPr lang="en-GB" sz="2000" b="1" dirty="0" smtClean="0"/>
-              <a:t>Total </a:t>
-            </a:r>
-            <a:r>
-              <a:rPr lang="en-GB" sz="2000" b="1" dirty="0" err="1" smtClean="0"/>
-              <a:t>pYLD</a:t>
-            </a:r>
-            <a:r>
-              <a:rPr lang="en-GB" sz="2000" b="1" dirty="0" smtClean="0"/>
-              <a:t>: </a:t>
-            </a:r>
-            <a:r>
-              <a:rPr lang="en-GB" sz="2000" dirty="0" smtClean="0"/>
-              <a:t>IHME GBD</a:t>
-            </a:r>
-          </a:p>
-          <a:p>
-            <a:pPr marL="457200" indent="-457200">
-              <a:lnSpc>
-                <a:spcPct val="114000"/>
-              </a:lnSpc>
-              <a:buFont typeface="+mj-lt"/>
-              <a:buAutoNum type="arabicPeriod"/>
-            </a:pPr>
-            <a:r>
-              <a:rPr lang="en-GB" sz="2000" b="1" dirty="0" smtClean="0"/>
-              <a:t>Disability weights</a:t>
-            </a:r>
-            <a:r>
-              <a:rPr lang="en-GB" sz="2000" dirty="0" smtClean="0"/>
-              <a:t>: disease specific </a:t>
-            </a:r>
-            <a:r>
-              <a:rPr lang="en-GB" sz="2000" dirty="0" err="1" smtClean="0"/>
-              <a:t>pYLD</a:t>
-            </a:r>
-            <a:r>
-              <a:rPr lang="en-GB" sz="2000" dirty="0" smtClean="0"/>
-              <a:t>/P data from IHME GBD. </a:t>
-            </a:r>
-          </a:p>
-          <a:p>
             <a:endParaRPr lang="en-GB" sz="2000" b="1" dirty="0" smtClean="0"/>
-          </a:p>
-          <a:p>
-            <a:r>
-              <a:rPr lang="en-GB" sz="2000" b="1" dirty="0" smtClean="0">
-                <a:solidFill>
-                  <a:srgbClr val="FF0000"/>
-                </a:solidFill>
-              </a:rPr>
-              <a:t>For now (example England/Australia), ready to use. Discussion of inputs and best approach for data standardisation. </a:t>
-            </a:r>
           </a:p>
           <a:p>
             <a:pPr marL="571500" indent="-571500">
@@ -5576,6 +5599,293 @@
     </p:spTree>
     <p:extLst>
       <p:ext uri="{BB962C8B-B14F-4D97-AF65-F5344CB8AC3E}">
+        <p14:creationId xmlns:p14="http://schemas.microsoft.com/office/powerpoint/2010/main" val="3474903578"/>
+      </p:ext>
+    </p:extLst>
+  </p:cSld>
+  <p:clrMapOvr>
+    <a:masterClrMapping/>
+  </p:clrMapOvr>
+</p:sld>
+</file>
+
+<file path=ppt/slides/slide12.xml><?xml version="1.0" encoding="utf-8"?>
+<p:sld xmlns:a="http://schemas.openxmlformats.org/drawingml/2006/main" xmlns:r="http://schemas.openxmlformats.org/officeDocument/2006/relationships" xmlns:p="http://schemas.openxmlformats.org/presentationml/2006/main">
+  <p:cSld>
+    <p:spTree>
+      <p:nvGrpSpPr>
+        <p:cNvPr id="1" name=""/>
+        <p:cNvGrpSpPr/>
+        <p:nvPr/>
+      </p:nvGrpSpPr>
+      <p:grpSpPr>
+        <a:xfrm>
+          <a:off x="0" y="0"/>
+          <a:ext cx="0" cy="0"/>
+          <a:chOff x="0" y="0"/>
+          <a:chExt cx="0" cy="0"/>
+        </a:xfrm>
+      </p:grpSpPr>
+      <p:sp>
+        <p:nvSpPr>
+          <p:cNvPr id="5" name="Title 1"/>
+          <p:cNvSpPr txBox="1">
+            <a:spLocks/>
+          </p:cNvSpPr>
+          <p:nvPr/>
+        </p:nvSpPr>
+        <p:spPr>
+          <a:xfrm>
+            <a:off x="699044" y="2103120"/>
+            <a:ext cx="10375900" cy="4001588"/>
+          </a:xfrm>
+          <a:prstGeom prst="rect">
+            <a:avLst/>
+          </a:prstGeom>
+        </p:spPr>
+        <p:txBody>
+          <a:bodyPr vert="horz" lIns="91440" tIns="45720" rIns="91440" bIns="45720" rtlCol="0" anchor="ctr">
+            <a:normAutofit/>
+          </a:bodyPr>
+          <a:lstStyle>
+            <a:lvl1pPr algn="l" defTabSz="914400" rtl="0" eaLnBrk="1" latinLnBrk="0" hangingPunct="1">
+              <a:lnSpc>
+                <a:spcPct val="90000"/>
+              </a:lnSpc>
+              <a:spcBef>
+                <a:spcPct val="0"/>
+              </a:spcBef>
+              <a:buNone/>
+              <a:defRPr sz="4400" kern="1200">
+                <a:solidFill>
+                  <a:schemeClr val="tx1"/>
+                </a:solidFill>
+                <a:latin typeface="+mj-lt"/>
+                <a:ea typeface="+mj-ea"/>
+                <a:cs typeface="+mj-cs"/>
+              </a:defRPr>
+            </a:lvl1pPr>
+          </a:lstStyle>
+          <a:p>
+            <a:endParaRPr lang="en-GB" sz="2600" b="1" dirty="0" smtClean="0"/>
+          </a:p>
+          <a:p>
+            <a:pPr marL="457200" indent="-457200">
+              <a:lnSpc>
+                <a:spcPct val="114000"/>
+              </a:lnSpc>
+              <a:buFont typeface="Arial" panose="020B0604020202020204" pitchFamily="34" charset="0"/>
+              <a:buChar char="•"/>
+            </a:pPr>
+            <a:r>
+              <a:rPr lang="en-GB" sz="2600" b="1" dirty="0" smtClean="0"/>
+              <a:t>Inputs</a:t>
+            </a:r>
+            <a:r>
+              <a:rPr lang="en-GB" sz="2600" dirty="0" smtClean="0"/>
+              <a:t> </a:t>
+            </a:r>
+          </a:p>
+          <a:p>
+            <a:pPr marL="457200" indent="-457200">
+              <a:lnSpc>
+                <a:spcPct val="114000"/>
+              </a:lnSpc>
+              <a:buFont typeface="+mj-lt"/>
+              <a:buAutoNum type="arabicPeriod"/>
+            </a:pPr>
+            <a:r>
+              <a:rPr lang="en-GB" sz="2000" b="1" dirty="0" smtClean="0"/>
+              <a:t>Hazard rates (occurrence-exposure rates): </a:t>
+            </a:r>
+            <a:r>
+              <a:rPr lang="en-GB" sz="2000" dirty="0" smtClean="0"/>
+              <a:t>incidence and case fatality. Derive from national statistics or IHME GBD studies. Use </a:t>
+            </a:r>
+            <a:r>
+              <a:rPr lang="en-GB" sz="2000" dirty="0" err="1" smtClean="0"/>
+              <a:t>DisMod</a:t>
+            </a:r>
+            <a:r>
+              <a:rPr lang="en-GB" sz="2000" dirty="0" smtClean="0"/>
+              <a:t> II to case fatality from available inputs or generate internally consistent estimates. </a:t>
+            </a:r>
+          </a:p>
+          <a:p>
+            <a:pPr marL="457200" indent="-457200">
+              <a:lnSpc>
+                <a:spcPct val="114000"/>
+              </a:lnSpc>
+              <a:buFont typeface="+mj-lt"/>
+              <a:buAutoNum type="arabicPeriod"/>
+            </a:pPr>
+            <a:r>
+              <a:rPr lang="en-GB" sz="2000" b="1" dirty="0" smtClean="0"/>
+              <a:t>Population mortality rates and numbers: </a:t>
+            </a:r>
+            <a:r>
+              <a:rPr lang="en-GB" sz="2000" dirty="0" smtClean="0"/>
+              <a:t>national/local statistics</a:t>
+            </a:r>
+          </a:p>
+          <a:p>
+            <a:pPr marL="457200" indent="-457200">
+              <a:lnSpc>
+                <a:spcPct val="114000"/>
+              </a:lnSpc>
+              <a:buFont typeface="+mj-lt"/>
+              <a:buAutoNum type="arabicPeriod"/>
+            </a:pPr>
+            <a:r>
+              <a:rPr lang="en-GB" sz="2000" b="1" dirty="0" smtClean="0"/>
+              <a:t>Total </a:t>
+            </a:r>
+            <a:r>
+              <a:rPr lang="en-GB" sz="2000" b="1" dirty="0" err="1" smtClean="0"/>
+              <a:t>pYLD</a:t>
+            </a:r>
+            <a:r>
+              <a:rPr lang="en-GB" sz="2000" b="1" dirty="0" smtClean="0"/>
+              <a:t>: </a:t>
+            </a:r>
+            <a:r>
+              <a:rPr lang="en-GB" sz="2000" dirty="0" smtClean="0"/>
+              <a:t>IHME GBD</a:t>
+            </a:r>
+          </a:p>
+          <a:p>
+            <a:pPr marL="457200" indent="-457200">
+              <a:lnSpc>
+                <a:spcPct val="114000"/>
+              </a:lnSpc>
+              <a:buFont typeface="+mj-lt"/>
+              <a:buAutoNum type="arabicPeriod"/>
+            </a:pPr>
+            <a:r>
+              <a:rPr lang="en-GB" sz="2000" b="1" dirty="0" smtClean="0"/>
+              <a:t>Disability weights</a:t>
+            </a:r>
+            <a:r>
+              <a:rPr lang="en-GB" sz="2000" dirty="0" smtClean="0"/>
+              <a:t>: disease specific </a:t>
+            </a:r>
+            <a:r>
+              <a:rPr lang="en-GB" sz="2000" dirty="0" err="1" smtClean="0"/>
+              <a:t>pYLD</a:t>
+            </a:r>
+            <a:r>
+              <a:rPr lang="en-GB" sz="2000" dirty="0" smtClean="0"/>
+              <a:t>/P data from IHME GBD. </a:t>
+            </a:r>
+          </a:p>
+          <a:p>
+            <a:endParaRPr lang="en-GB" sz="2000" b="1" dirty="0" smtClean="0"/>
+          </a:p>
+          <a:p>
+            <a:r>
+              <a:rPr lang="en-GB" sz="2000" b="1" dirty="0" smtClean="0">
+                <a:solidFill>
+                  <a:srgbClr val="FF0000"/>
+                </a:solidFill>
+              </a:rPr>
+              <a:t>For now (example England/Australia), ready to use. Discussion of inputs and best approach for data standardisation. </a:t>
+            </a:r>
+          </a:p>
+          <a:p>
+            <a:pPr marL="571500" indent="-571500">
+              <a:buFont typeface="Arial" panose="020B0604020202020204" pitchFamily="34" charset="0"/>
+              <a:buChar char="•"/>
+            </a:pPr>
+            <a:endParaRPr lang="en-GB" sz="2000" dirty="0"/>
+          </a:p>
+        </p:txBody>
+      </p:sp>
+      <p:sp>
+        <p:nvSpPr>
+          <p:cNvPr id="6" name="Title 1"/>
+          <p:cNvSpPr txBox="1">
+            <a:spLocks/>
+          </p:cNvSpPr>
+          <p:nvPr/>
+        </p:nvSpPr>
+        <p:spPr>
+          <a:xfrm>
+            <a:off x="0" y="1"/>
+            <a:ext cx="12192000" cy="1094376"/>
+          </a:xfrm>
+          <a:prstGeom prst="rect">
+            <a:avLst/>
+          </a:prstGeom>
+          <a:solidFill>
+            <a:schemeClr val="accent6"/>
+          </a:solidFill>
+        </p:spPr>
+        <p:txBody>
+          <a:bodyPr vert="horz" lIns="91440" tIns="45720" rIns="91440" bIns="45720" rtlCol="0" anchor="ctr">
+            <a:normAutofit/>
+          </a:bodyPr>
+          <a:lstStyle>
+            <a:lvl1pPr algn="l" defTabSz="914400" rtl="0" eaLnBrk="1" latinLnBrk="0" hangingPunct="1">
+              <a:lnSpc>
+                <a:spcPct val="90000"/>
+              </a:lnSpc>
+              <a:spcBef>
+                <a:spcPct val="0"/>
+              </a:spcBef>
+              <a:buNone/>
+              <a:defRPr sz="4400" kern="1200">
+                <a:solidFill>
+                  <a:schemeClr val="tx1"/>
+                </a:solidFill>
+                <a:latin typeface="+mj-lt"/>
+                <a:ea typeface="+mj-ea"/>
+                <a:cs typeface="+mj-cs"/>
+              </a:defRPr>
+            </a:lvl1pPr>
+          </a:lstStyle>
+          <a:p>
+            <a:pPr algn="ctr"/>
+            <a:r>
+              <a:rPr lang="en-GB" sz="4000" b="1" dirty="0" smtClean="0"/>
+              <a:t>Proportional multi-state life table model</a:t>
+            </a:r>
+            <a:endParaRPr lang="en-GB" sz="4000" b="1" dirty="0"/>
+          </a:p>
+        </p:txBody>
+      </p:sp>
+      <p:sp>
+        <p:nvSpPr>
+          <p:cNvPr id="3" name="TextBox 2"/>
+          <p:cNvSpPr txBox="1"/>
+          <p:nvPr/>
+        </p:nvSpPr>
+        <p:spPr>
+          <a:xfrm>
+            <a:off x="836023" y="1414082"/>
+            <a:ext cx="3238835" cy="523220"/>
+          </a:xfrm>
+          <a:prstGeom prst="rect">
+            <a:avLst/>
+          </a:prstGeom>
+          <a:noFill/>
+        </p:spPr>
+        <p:txBody>
+          <a:bodyPr wrap="none" rtlCol="0">
+            <a:spAutoFit/>
+          </a:bodyPr>
+          <a:lstStyle/>
+          <a:p>
+            <a:r>
+              <a:rPr lang="en-GB" sz="2800" b="1" dirty="0" smtClean="0"/>
+              <a:t>Proposed R modules</a:t>
+            </a:r>
+            <a:endParaRPr lang="en-GB" sz="2800" b="1" dirty="0"/>
+          </a:p>
+        </p:txBody>
+      </p:sp>
+    </p:spTree>
+    <p:extLst>
+      <p:ext uri="{BB962C8B-B14F-4D97-AF65-F5344CB8AC3E}">
         <p14:creationId xmlns:p14="http://schemas.microsoft.com/office/powerpoint/2010/main" val="3163827536"/>
       </p:ext>
     </p:extLst>
@@ -5586,7 +5896,7 @@
 </p:sld>
 </file>
 
-<file path=ppt/slides/slide12.xml><?xml version="1.0" encoding="utf-8"?>
+<file path=ppt/slides/slide13.xml><?xml version="1.0" encoding="utf-8"?>
 <p:sld xmlns:a="http://schemas.openxmlformats.org/drawingml/2006/main" xmlns:r="http://schemas.openxmlformats.org/officeDocument/2006/relationships" xmlns:p="http://schemas.openxmlformats.org/presentationml/2006/main">
   <p:cSld>
     <p:spTree>
@@ -9074,7 +9384,7 @@
 </p:sld>
 </file>
 
-<file path=ppt/slides/slide13.xml><?xml version="1.0" encoding="utf-8"?>
+<file path=ppt/slides/slide14.xml><?xml version="1.0" encoding="utf-8"?>
 <p:sld xmlns:a="http://schemas.openxmlformats.org/drawingml/2006/main" xmlns:r="http://schemas.openxmlformats.org/officeDocument/2006/relationships" xmlns:p="http://schemas.openxmlformats.org/presentationml/2006/main">
   <p:cSld>
     <p:spTree>
@@ -16244,7 +16554,7 @@
 </p:sld>
 </file>
 
-<file path=ppt/slides/slide14.xml><?xml version="1.0" encoding="utf-8"?>
+<file path=ppt/slides/slide15.xml><?xml version="1.0" encoding="utf-8"?>
 <p:sld xmlns:a="http://schemas.openxmlformats.org/drawingml/2006/main" xmlns:r="http://schemas.openxmlformats.org/officeDocument/2006/relationships" xmlns:p="http://schemas.openxmlformats.org/presentationml/2006/main">
   <p:cSld>
     <p:spTree>
@@ -19309,7 +19619,7 @@
 </p:sld>
 </file>
 
-<file path=ppt/slides/slide15.xml><?xml version="1.0" encoding="utf-8"?>
+<file path=ppt/slides/slide16.xml><?xml version="1.0" encoding="utf-8"?>
 <p:sld xmlns:a="http://schemas.openxmlformats.org/drawingml/2006/main" xmlns:r="http://schemas.openxmlformats.org/officeDocument/2006/relationships" xmlns:p="http://schemas.openxmlformats.org/presentationml/2006/main">
   <p:cSld>
     <p:spTree>
@@ -19558,7 +19868,7 @@
 </p:sld>
 </file>
 
-<file path=ppt/slides/slide16.xml><?xml version="1.0" encoding="utf-8"?>
+<file path=ppt/slides/slide17.xml><?xml version="1.0" encoding="utf-8"?>
 <p:sld xmlns:a="http://schemas.openxmlformats.org/drawingml/2006/main" xmlns:r="http://schemas.openxmlformats.org/officeDocument/2006/relationships" xmlns:p="http://schemas.openxmlformats.org/presentationml/2006/main">
   <p:cSld>
     <p:spTree>
@@ -19828,7 +20138,7 @@
 </p:sld>
 </file>
 
-<file path=ppt/slides/slide17.xml><?xml version="1.0" encoding="utf-8"?>
+<file path=ppt/slides/slide18.xml><?xml version="1.0" encoding="utf-8"?>
 <p:sld xmlns:a="http://schemas.openxmlformats.org/drawingml/2006/main" xmlns:r="http://schemas.openxmlformats.org/officeDocument/2006/relationships" xmlns:p="http://schemas.openxmlformats.org/presentationml/2006/main">
   <p:cSld>
     <p:spTree>
@@ -20390,7 +20700,35 @@
             </a:pPr>
             <a:r>
               <a:rPr lang="en-GB" sz="2400" dirty="0" smtClean="0"/>
-              <a:t>Assessing cost effectiveness in Prevention (Australia)</a:t>
+              <a:t>Assessing </a:t>
+            </a:r>
+            <a:r>
+              <a:rPr lang="en-GB" sz="2400" dirty="0" smtClean="0"/>
+              <a:t>Cost </a:t>
+            </a:r>
+            <a:r>
+              <a:rPr lang="en-GB" sz="2400" dirty="0" smtClean="0"/>
+              <a:t>E</a:t>
+            </a:r>
+            <a:r>
+              <a:rPr lang="en-GB" sz="2400" dirty="0" smtClean="0"/>
+              <a:t>ffectiveness </a:t>
+            </a:r>
+            <a:r>
+              <a:rPr lang="en-GB" sz="2400" dirty="0" smtClean="0"/>
+              <a:t>in </a:t>
+            </a:r>
+            <a:r>
+              <a:rPr lang="en-GB" sz="2400" dirty="0"/>
+              <a:t>P</a:t>
+            </a:r>
+            <a:r>
+              <a:rPr lang="en-GB" sz="2400" dirty="0" smtClean="0"/>
+              <a:t>revention </a:t>
+            </a:r>
+            <a:r>
+              <a:rPr lang="en-GB" sz="2400" dirty="0" smtClean="0"/>
+              <a:t>(Australia)</a:t>
             </a:r>
           </a:p>
           <a:p>
@@ -20450,7 +20788,7 @@
         </p:nvSpPr>
         <p:spPr>
           <a:xfrm>
-            <a:off x="365760" y="3265714"/>
+            <a:off x="365759" y="3051299"/>
             <a:ext cx="2305595" cy="940525"/>
           </a:xfrm>
           <a:prstGeom prst="rect">
@@ -20598,8 +20936,8 @@
         </p:nvSpPr>
         <p:spPr>
           <a:xfrm>
-            <a:off x="2671354" y="2699658"/>
-            <a:ext cx="189411" cy="2878182"/>
+            <a:off x="2746205" y="2399327"/>
+            <a:ext cx="297441" cy="2246769"/>
           </a:xfrm>
           <a:prstGeom prst="leftBrace">
             <a:avLst/>
@@ -20641,8 +20979,8 @@
         </p:nvSpPr>
         <p:spPr>
           <a:xfrm>
-            <a:off x="3109714" y="2699658"/>
-            <a:ext cx="5960927" cy="2693045"/>
+            <a:off x="3199879" y="2399327"/>
+            <a:ext cx="5108578" cy="2246769"/>
           </a:xfrm>
           <a:prstGeom prst="rect">
             <a:avLst/>
@@ -20690,7 +21028,11 @@
             </a:pPr>
             <a:r>
               <a:rPr lang="en-GB" sz="2400" dirty="0" smtClean="0"/>
-              <a:t>Disease prevalence, mortality and incidence</a:t>
+              <a:t>Disease mortality </a:t>
+            </a:r>
+            <a:r>
+              <a:rPr lang="en-GB" sz="2400" dirty="0" smtClean="0"/>
+              <a:t>and incidence</a:t>
             </a:r>
           </a:p>
           <a:p>
@@ -20716,22 +21058,13 @@
             </a:pPr>
             <a:r>
               <a:rPr lang="en-GB" sz="2400" dirty="0" smtClean="0"/>
-              <a:t>Health adjusted life expectancy</a:t>
-            </a:r>
-          </a:p>
-          <a:p>
-            <a:pPr marL="342900" indent="-342900">
-              <a:spcBef>
-                <a:spcPts val="600"/>
-              </a:spcBef>
-              <a:buFont typeface="Arial" panose="020B0604020202020204" pitchFamily="34" charset="0"/>
-              <a:buChar char="•"/>
-            </a:pPr>
+              <a:t>Health adjusted life </a:t>
+            </a:r>
             <a:r>
               <a:rPr lang="en-GB" sz="2400" dirty="0" smtClean="0"/>
-              <a:t>Survival curves</a:t>
-            </a:r>
-            <a:endParaRPr lang="en-GB" sz="2400" dirty="0"/>
+              <a:t>expectancy</a:t>
+            </a:r>
+            <a:endParaRPr lang="en-GB" sz="2400" dirty="0" smtClean="0"/>
           </a:p>
         </p:txBody>
       </p:sp>
@@ -20743,8 +21076,8 @@
         </p:nvSpPr>
         <p:spPr>
           <a:xfrm>
-            <a:off x="4417123" y="5993779"/>
-            <a:ext cx="3538084" cy="461665"/>
+            <a:off x="3566539" y="5312266"/>
+            <a:ext cx="4629344" cy="830997"/>
           </a:xfrm>
           <a:prstGeom prst="rect">
             <a:avLst/>
@@ -20757,9 +21090,23 @@
           </a:bodyPr>
           <a:lstStyle/>
           <a:p>
+            <a:pPr marL="342900" indent="-342900">
+              <a:buFont typeface="Arial" panose="020B0604020202020204" pitchFamily="34" charset="0"/>
+              <a:buChar char="•"/>
+            </a:pPr>
             <a:r>
               <a:rPr lang="en-GB" sz="2400" dirty="0" smtClean="0"/>
-              <a:t>With uncertainty intervals</a:t>
+              <a:t>Per simulation year</a:t>
+            </a:r>
+          </a:p>
+          <a:p>
+            <a:pPr marL="342900" indent="-342900">
+              <a:buFont typeface="Arial" panose="020B0604020202020204" pitchFamily="34" charset="0"/>
+              <a:buChar char="•"/>
+            </a:pPr>
+            <a:r>
+              <a:rPr lang="en-GB" sz="2400" dirty="0" smtClean="0"/>
+              <a:t>Accumulated over the life course</a:t>
             </a:r>
             <a:endParaRPr lang="en-GB" sz="2400" dirty="0"/>
           </a:p>
@@ -20773,7 +21120,7 @@
         </p:nvSpPr>
         <p:spPr>
           <a:xfrm rot="16200000">
-            <a:off x="6056791" y="2760552"/>
+            <a:off x="5751837" y="1926008"/>
             <a:ext cx="258749" cy="5972572"/>
           </a:xfrm>
           <a:prstGeom prst="leftBrace">
@@ -21045,6 +21392,181 @@
 </file>
 
 <file path=ppt/slides/slide5.xml><?xml version="1.0" encoding="utf-8"?>
+<p:sld xmlns:a="http://schemas.openxmlformats.org/drawingml/2006/main" xmlns:r="http://schemas.openxmlformats.org/officeDocument/2006/relationships" xmlns:p="http://schemas.openxmlformats.org/presentationml/2006/main">
+  <p:cSld>
+    <p:spTree>
+      <p:nvGrpSpPr>
+        <p:cNvPr id="1" name=""/>
+        <p:cNvGrpSpPr/>
+        <p:nvPr/>
+      </p:nvGrpSpPr>
+      <p:grpSpPr>
+        <a:xfrm>
+          <a:off x="0" y="0"/>
+          <a:ext cx="0" cy="0"/>
+          <a:chOff x="0" y="0"/>
+          <a:chExt cx="0" cy="0"/>
+        </a:xfrm>
+      </p:grpSpPr>
+      <p:sp>
+        <p:nvSpPr>
+          <p:cNvPr id="12" name="Title 1"/>
+          <p:cNvSpPr txBox="1">
+            <a:spLocks/>
+          </p:cNvSpPr>
+          <p:nvPr/>
+        </p:nvSpPr>
+        <p:spPr>
+          <a:xfrm>
+            <a:off x="3302844" y="5149765"/>
+            <a:ext cx="8401476" cy="1338763"/>
+          </a:xfrm>
+          <a:prstGeom prst="rect">
+            <a:avLst/>
+          </a:prstGeom>
+        </p:spPr>
+        <p:txBody>
+          <a:bodyPr vert="horz" lIns="91440" tIns="45720" rIns="91440" bIns="45720" rtlCol="0" anchor="ctr">
+            <a:normAutofit/>
+          </a:bodyPr>
+          <a:lstStyle>
+            <a:lvl1pPr algn="l" defTabSz="914400" rtl="0" eaLnBrk="1" latinLnBrk="0" hangingPunct="1">
+              <a:lnSpc>
+                <a:spcPct val="90000"/>
+              </a:lnSpc>
+              <a:spcBef>
+                <a:spcPct val="0"/>
+              </a:spcBef>
+              <a:buNone/>
+              <a:defRPr sz="4400" kern="1200">
+                <a:solidFill>
+                  <a:schemeClr val="tx1"/>
+                </a:solidFill>
+                <a:latin typeface="+mj-lt"/>
+                <a:ea typeface="+mj-ea"/>
+                <a:cs typeface="+mj-cs"/>
+              </a:defRPr>
+            </a:lvl1pPr>
+          </a:lstStyle>
+          <a:p>
+            <a:pPr>
+              <a:lnSpc>
+                <a:spcPct val="100000"/>
+              </a:lnSpc>
+              <a:spcBef>
+                <a:spcPts val="600"/>
+              </a:spcBef>
+              <a:spcAft>
+                <a:spcPts val="600"/>
+              </a:spcAft>
+            </a:pPr>
+            <a:endParaRPr lang="en-GB" dirty="0" smtClean="0"/>
+          </a:p>
+        </p:txBody>
+      </p:sp>
+      <p:sp>
+        <p:nvSpPr>
+          <p:cNvPr id="14" name="TextBox 13"/>
+          <p:cNvSpPr txBox="1"/>
+          <p:nvPr/>
+        </p:nvSpPr>
+        <p:spPr>
+          <a:xfrm>
+            <a:off x="0" y="1677728"/>
+            <a:ext cx="12192000" cy="584775"/>
+          </a:xfrm>
+          <a:prstGeom prst="rect">
+            <a:avLst/>
+          </a:prstGeom>
+          <a:solidFill>
+            <a:schemeClr val="accent6">
+              <a:lumMod val="20000"/>
+              <a:lumOff val="80000"/>
+            </a:schemeClr>
+          </a:solidFill>
+          <a:ln>
+            <a:solidFill>
+              <a:schemeClr val="bg1"/>
+            </a:solidFill>
+          </a:ln>
+        </p:spPr>
+        <p:style>
+          <a:lnRef idx="2">
+            <a:schemeClr val="dk1"/>
+          </a:lnRef>
+          <a:fillRef idx="1">
+            <a:schemeClr val="lt1"/>
+          </a:fillRef>
+          <a:effectRef idx="0">
+            <a:schemeClr val="dk1"/>
+          </a:effectRef>
+          <a:fontRef idx="minor">
+            <a:schemeClr val="dk1"/>
+          </a:fontRef>
+        </p:style>
+        <p:txBody>
+          <a:bodyPr wrap="square" rtlCol="0">
+            <a:spAutoFit/>
+          </a:bodyPr>
+          <a:lstStyle/>
+          <a:p>
+            <a:pPr algn="ctr"/>
+            <a:r>
+              <a:rPr lang="en-GB" sz="3200" b="1" dirty="0" smtClean="0"/>
+              <a:t>ITHIMR</a:t>
+            </a:r>
+            <a:endParaRPr lang="en-GB" sz="3200" b="1" dirty="0"/>
+          </a:p>
+        </p:txBody>
+      </p:sp>
+      <p:sp>
+        <p:nvSpPr>
+          <p:cNvPr id="16" name="Title 1"/>
+          <p:cNvSpPr>
+            <a:spLocks noGrp="1"/>
+          </p:cNvSpPr>
+          <p:nvPr>
+            <p:ph type="title"/>
+          </p:nvPr>
+        </p:nvSpPr>
+        <p:spPr>
+          <a:xfrm>
+            <a:off x="0" y="1"/>
+            <a:ext cx="12192000" cy="1094376"/>
+          </a:xfrm>
+          <a:solidFill>
+            <a:schemeClr val="accent6"/>
+          </a:solidFill>
+        </p:spPr>
+        <p:txBody>
+          <a:bodyPr>
+            <a:normAutofit/>
+          </a:bodyPr>
+          <a:lstStyle/>
+          <a:p>
+            <a:pPr algn="ctr"/>
+            <a:r>
+              <a:rPr lang="en-GB" sz="4000" b="1" dirty="0" smtClean="0"/>
+              <a:t>Proportional multi-state life table model</a:t>
+            </a:r>
+            <a:endParaRPr lang="en-GB" sz="4000" b="1" dirty="0"/>
+          </a:p>
+        </p:txBody>
+      </p:sp>
+    </p:spTree>
+    <p:extLst>
+      <p:ext uri="{BB962C8B-B14F-4D97-AF65-F5344CB8AC3E}">
+        <p14:creationId xmlns:p14="http://schemas.microsoft.com/office/powerpoint/2010/main" val="3641263693"/>
+      </p:ext>
+    </p:extLst>
+  </p:cSld>
+  <p:clrMapOvr>
+    <a:masterClrMapping/>
+  </p:clrMapOvr>
+</p:sld>
+</file>
+
+<file path=ppt/slides/slide6.xml><?xml version="1.0" encoding="utf-8"?>
 <p:sld xmlns:a="http://schemas.openxmlformats.org/drawingml/2006/main" xmlns:r="http://schemas.openxmlformats.org/officeDocument/2006/relationships" xmlns:p="http://schemas.openxmlformats.org/presentationml/2006/main">
   <p:cSld>
     <p:spTree>
@@ -22308,7 +22830,7 @@
 </p:sld>
 </file>
 
-<file path=ppt/slides/slide6.xml><?xml version="1.0" encoding="utf-8"?>
+<file path=ppt/slides/slide7.xml><?xml version="1.0" encoding="utf-8"?>
 <p:sld xmlns:a="http://schemas.openxmlformats.org/drawingml/2006/main" xmlns:r="http://schemas.openxmlformats.org/officeDocument/2006/relationships" xmlns:p="http://schemas.openxmlformats.org/presentationml/2006/main">
   <p:cSld>
     <p:spTree>
@@ -22737,7 +23259,7 @@
 </p:sld>
 </file>
 
-<file path=ppt/slides/slide7.xml><?xml version="1.0" encoding="utf-8"?>
+<file path=ppt/slides/slide8.xml><?xml version="1.0" encoding="utf-8"?>
 <p:sld xmlns:a="http://schemas.openxmlformats.org/drawingml/2006/main" xmlns:r="http://schemas.openxmlformats.org/officeDocument/2006/relationships" xmlns:p="http://schemas.openxmlformats.org/presentationml/2006/main">
   <p:cSld>
     <p:spTree>
@@ -23424,7 +23946,7 @@
 </p:sld>
 </file>
 
-<file path=ppt/slides/slide8.xml><?xml version="1.0" encoding="utf-8"?>
+<file path=ppt/slides/slide9.xml><?xml version="1.0" encoding="utf-8"?>
 <p:sld xmlns:a="http://schemas.openxmlformats.org/drawingml/2006/main" xmlns:r="http://schemas.openxmlformats.org/officeDocument/2006/relationships" xmlns:p="http://schemas.openxmlformats.org/presentationml/2006/main">
   <p:cSld>
     <p:spTree>
@@ -24841,378 +25363,6 @@
     <p:extLst>
       <p:ext uri="{BB962C8B-B14F-4D97-AF65-F5344CB8AC3E}">
         <p14:creationId xmlns:p14="http://schemas.microsoft.com/office/powerpoint/2010/main" val="3646060235"/>
-      </p:ext>
-    </p:extLst>
-  </p:cSld>
-  <p:clrMapOvr>
-    <a:masterClrMapping/>
-  </p:clrMapOvr>
-</p:sld>
-</file>
-
-<file path=ppt/slides/slide9.xml><?xml version="1.0" encoding="utf-8"?>
-<p:sld xmlns:a="http://schemas.openxmlformats.org/drawingml/2006/main" xmlns:r="http://schemas.openxmlformats.org/officeDocument/2006/relationships" xmlns:p="http://schemas.openxmlformats.org/presentationml/2006/main">
-  <p:cSld>
-    <p:spTree>
-      <p:nvGrpSpPr>
-        <p:cNvPr id="1" name=""/>
-        <p:cNvGrpSpPr/>
-        <p:nvPr/>
-      </p:nvGrpSpPr>
-      <p:grpSpPr>
-        <a:xfrm>
-          <a:off x="0" y="0"/>
-          <a:ext cx="0" cy="0"/>
-          <a:chOff x="0" y="0"/>
-          <a:chExt cx="0" cy="0"/>
-        </a:xfrm>
-      </p:grpSpPr>
-      <p:sp>
-        <p:nvSpPr>
-          <p:cNvPr id="5" name="Title 1"/>
-          <p:cNvSpPr txBox="1">
-            <a:spLocks/>
-          </p:cNvSpPr>
-          <p:nvPr/>
-        </p:nvSpPr>
-        <p:spPr>
-          <a:xfrm>
-            <a:off x="699044" y="2103120"/>
-            <a:ext cx="10375900" cy="4001588"/>
-          </a:xfrm>
-          <a:prstGeom prst="rect">
-            <a:avLst/>
-          </a:prstGeom>
-        </p:spPr>
-        <p:txBody>
-          <a:bodyPr vert="horz" lIns="91440" tIns="45720" rIns="91440" bIns="45720" rtlCol="0" anchor="ctr">
-            <a:normAutofit fontScale="77500" lnSpcReduction="20000"/>
-          </a:bodyPr>
-          <a:lstStyle>
-            <a:lvl1pPr algn="l" defTabSz="914400" rtl="0" eaLnBrk="1" latinLnBrk="0" hangingPunct="1">
-              <a:lnSpc>
-                <a:spcPct val="90000"/>
-              </a:lnSpc>
-              <a:spcBef>
-                <a:spcPct val="0"/>
-              </a:spcBef>
-              <a:buNone/>
-              <a:defRPr sz="4400" kern="1200">
-                <a:solidFill>
-                  <a:schemeClr val="tx1"/>
-                </a:solidFill>
-                <a:latin typeface="+mj-lt"/>
-                <a:ea typeface="+mj-ea"/>
-                <a:cs typeface="+mj-cs"/>
-              </a:defRPr>
-            </a:lvl1pPr>
-          </a:lstStyle>
-          <a:p>
-            <a:endParaRPr lang="en-GB" sz="2600" b="1" dirty="0" smtClean="0"/>
-          </a:p>
-          <a:p>
-            <a:pPr marL="457200" indent="-457200">
-              <a:lnSpc>
-                <a:spcPct val="114000"/>
-              </a:lnSpc>
-              <a:buFont typeface="Arial" panose="020B0604020202020204" pitchFamily="34" charset="0"/>
-              <a:buChar char="•"/>
-            </a:pPr>
-            <a:r>
-              <a:rPr lang="en-GB" sz="3100" b="1" dirty="0" smtClean="0"/>
-              <a:t>R general command</a:t>
-            </a:r>
-          </a:p>
-          <a:p>
-            <a:pPr marL="457200" indent="-457200">
-              <a:lnSpc>
-                <a:spcPct val="114000"/>
-              </a:lnSpc>
-              <a:buFont typeface="Arial" panose="020B0604020202020204" pitchFamily="34" charset="0"/>
-              <a:buChar char="•"/>
-            </a:pPr>
-            <a:r>
-              <a:rPr lang="en-GB" sz="3100" b="1" dirty="0" smtClean="0"/>
-              <a:t>Functions:</a:t>
-            </a:r>
-          </a:p>
-          <a:p>
-            <a:pPr marL="457200" indent="-457200">
-              <a:lnSpc>
-                <a:spcPct val="114000"/>
-              </a:lnSpc>
-              <a:buFont typeface="Wingdings" panose="05000000000000000000" pitchFamily="2" charset="2"/>
-              <a:buChar char="Ø"/>
-            </a:pPr>
-            <a:r>
-              <a:rPr lang="en-GB" sz="2600" b="1" dirty="0" smtClean="0"/>
-              <a:t>Inputs</a:t>
-            </a:r>
-            <a:r>
-              <a:rPr lang="en-GB" sz="2600" dirty="0" smtClean="0"/>
-              <a:t> </a:t>
-            </a:r>
-          </a:p>
-          <a:p>
-            <a:pPr marL="457200" indent="-457200">
-              <a:lnSpc>
-                <a:spcPct val="114000"/>
-              </a:lnSpc>
-              <a:buFont typeface="+mj-lt"/>
-              <a:buAutoNum type="arabicPeriod"/>
-            </a:pPr>
-            <a:r>
-              <a:rPr lang="en-GB" sz="2000" b="1" dirty="0" smtClean="0"/>
-              <a:t>Hazard rates (occurrence-exposure rates): </a:t>
-            </a:r>
-            <a:r>
-              <a:rPr lang="en-GB" sz="2000" dirty="0" smtClean="0"/>
-              <a:t>incidence and case fatality. Derive from national statistics or IHME GBD studies. Use </a:t>
-            </a:r>
-            <a:r>
-              <a:rPr lang="en-GB" sz="2000" dirty="0" err="1" smtClean="0"/>
-              <a:t>DisMod</a:t>
-            </a:r>
-            <a:r>
-              <a:rPr lang="en-GB" sz="2000" dirty="0" smtClean="0"/>
-              <a:t> II to case fatality from available inputs or generate internally consistent estimates. </a:t>
-            </a:r>
-          </a:p>
-          <a:p>
-            <a:pPr marL="457200" indent="-457200">
-              <a:lnSpc>
-                <a:spcPct val="114000"/>
-              </a:lnSpc>
-              <a:buFont typeface="+mj-lt"/>
-              <a:buAutoNum type="arabicPeriod"/>
-            </a:pPr>
-            <a:r>
-              <a:rPr lang="en-GB" sz="2000" b="1" dirty="0" smtClean="0"/>
-              <a:t>Population mortality rates and numbers: </a:t>
-            </a:r>
-            <a:r>
-              <a:rPr lang="en-GB" sz="2000" dirty="0" smtClean="0"/>
-              <a:t>national/local statistics</a:t>
-            </a:r>
-          </a:p>
-          <a:p>
-            <a:pPr marL="457200" indent="-457200">
-              <a:lnSpc>
-                <a:spcPct val="114000"/>
-              </a:lnSpc>
-              <a:buFont typeface="+mj-lt"/>
-              <a:buAutoNum type="arabicPeriod"/>
-            </a:pPr>
-            <a:r>
-              <a:rPr lang="en-GB" sz="2000" b="1" dirty="0" smtClean="0"/>
-              <a:t>Total </a:t>
-            </a:r>
-            <a:r>
-              <a:rPr lang="en-GB" sz="2000" b="1" dirty="0" err="1" smtClean="0"/>
-              <a:t>pYLD</a:t>
-            </a:r>
-            <a:r>
-              <a:rPr lang="en-GB" sz="2000" b="1" dirty="0" smtClean="0"/>
-              <a:t>: </a:t>
-            </a:r>
-            <a:r>
-              <a:rPr lang="en-GB" sz="2000" dirty="0" smtClean="0"/>
-              <a:t>IHME GBD</a:t>
-            </a:r>
-          </a:p>
-          <a:p>
-            <a:pPr marL="457200" indent="-457200">
-              <a:lnSpc>
-                <a:spcPct val="114000"/>
-              </a:lnSpc>
-              <a:buFont typeface="+mj-lt"/>
-              <a:buAutoNum type="arabicPeriod"/>
-            </a:pPr>
-            <a:r>
-              <a:rPr lang="en-GB" sz="2000" b="1" dirty="0" smtClean="0"/>
-              <a:t>Disability weights</a:t>
-            </a:r>
-            <a:r>
-              <a:rPr lang="en-GB" sz="2000" dirty="0" smtClean="0"/>
-              <a:t>: disease specific </a:t>
-            </a:r>
-            <a:r>
-              <a:rPr lang="en-GB" sz="2000" dirty="0" err="1" smtClean="0"/>
-              <a:t>pYLD</a:t>
-            </a:r>
-            <a:r>
-              <a:rPr lang="en-GB" sz="2000" dirty="0" smtClean="0"/>
-              <a:t>/P data from IHME GBD. </a:t>
-            </a:r>
-          </a:p>
-          <a:p>
-            <a:pPr marL="457200" indent="-457200">
-              <a:lnSpc>
-                <a:spcPct val="114000"/>
-              </a:lnSpc>
-              <a:buFont typeface="Wingdings" panose="05000000000000000000" pitchFamily="2" charset="2"/>
-              <a:buChar char="Ø"/>
-            </a:pPr>
-            <a:r>
-              <a:rPr lang="en-GB" sz="2600" b="1" dirty="0" smtClean="0"/>
-              <a:t>Equations to build a MSLT (general, disease &amp; PIF)</a:t>
-            </a:r>
-          </a:p>
-          <a:p>
-            <a:pPr marL="457200" indent="-457200">
-              <a:lnSpc>
-                <a:spcPct val="114000"/>
-              </a:lnSpc>
-              <a:buFont typeface="Wingdings" panose="05000000000000000000" pitchFamily="2" charset="2"/>
-              <a:buChar char="Ø"/>
-            </a:pPr>
-            <a:r>
-              <a:rPr lang="en-GB" sz="2600" b="1" dirty="0" smtClean="0"/>
-              <a:t>Outputs</a:t>
-            </a:r>
-          </a:p>
-          <a:p>
-            <a:pPr marL="457200" indent="-457200">
-              <a:lnSpc>
-                <a:spcPct val="114000"/>
-              </a:lnSpc>
-              <a:buFont typeface="Wingdings" panose="05000000000000000000" pitchFamily="2" charset="2"/>
-              <a:buChar char="Ø"/>
-            </a:pPr>
-            <a:r>
-              <a:rPr lang="en-GB" sz="2600" b="1" dirty="0" smtClean="0"/>
-              <a:t>Cohort simulation (age and sex)</a:t>
-            </a:r>
-          </a:p>
-          <a:p>
-            <a:pPr marL="457200" indent="-457200">
-              <a:lnSpc>
-                <a:spcPct val="114000"/>
-              </a:lnSpc>
-              <a:buFont typeface="Wingdings" panose="05000000000000000000" pitchFamily="2" charset="2"/>
-              <a:buChar char="Ø"/>
-            </a:pPr>
-            <a:r>
-              <a:rPr lang="en-GB" sz="2600" b="1" dirty="0" smtClean="0"/>
-              <a:t>Scenario simulation</a:t>
-            </a:r>
-          </a:p>
-          <a:p>
-            <a:pPr marL="457200" indent="-457200">
-              <a:lnSpc>
-                <a:spcPct val="114000"/>
-              </a:lnSpc>
-              <a:buFont typeface="Wingdings" panose="05000000000000000000" pitchFamily="2" charset="2"/>
-              <a:buChar char="Ø"/>
-            </a:pPr>
-            <a:r>
-              <a:rPr lang="en-GB" sz="2600" b="1" dirty="0" err="1" smtClean="0"/>
-              <a:t>Montecarlo</a:t>
-            </a:r>
-            <a:r>
-              <a:rPr lang="en-GB" sz="2600" b="1" dirty="0" smtClean="0"/>
-              <a:t> </a:t>
-            </a:r>
-          </a:p>
-          <a:p>
-            <a:endParaRPr lang="en-GB" sz="2000" b="1" dirty="0" smtClean="0"/>
-          </a:p>
-          <a:p>
-            <a:pPr marL="571500" indent="-571500">
-              <a:buFont typeface="Arial" panose="020B0604020202020204" pitchFamily="34" charset="0"/>
-              <a:buChar char="•"/>
-            </a:pPr>
-            <a:endParaRPr lang="en-GB" sz="2000" dirty="0"/>
-          </a:p>
-        </p:txBody>
-      </p:sp>
-      <p:sp>
-        <p:nvSpPr>
-          <p:cNvPr id="6" name="Title 1"/>
-          <p:cNvSpPr txBox="1">
-            <a:spLocks/>
-          </p:cNvSpPr>
-          <p:nvPr/>
-        </p:nvSpPr>
-        <p:spPr>
-          <a:xfrm>
-            <a:off x="0" y="1"/>
-            <a:ext cx="12192000" cy="1094376"/>
-          </a:xfrm>
-          <a:prstGeom prst="rect">
-            <a:avLst/>
-          </a:prstGeom>
-          <a:solidFill>
-            <a:schemeClr val="accent6"/>
-          </a:solidFill>
-        </p:spPr>
-        <p:txBody>
-          <a:bodyPr vert="horz" lIns="91440" tIns="45720" rIns="91440" bIns="45720" rtlCol="0" anchor="ctr">
-            <a:normAutofit/>
-          </a:bodyPr>
-          <a:lstStyle>
-            <a:lvl1pPr algn="l" defTabSz="914400" rtl="0" eaLnBrk="1" latinLnBrk="0" hangingPunct="1">
-              <a:lnSpc>
-                <a:spcPct val="90000"/>
-              </a:lnSpc>
-              <a:spcBef>
-                <a:spcPct val="0"/>
-              </a:spcBef>
-              <a:buNone/>
-              <a:defRPr sz="4400" kern="1200">
-                <a:solidFill>
-                  <a:schemeClr val="tx1"/>
-                </a:solidFill>
-                <a:latin typeface="+mj-lt"/>
-                <a:ea typeface="+mj-ea"/>
-                <a:cs typeface="+mj-cs"/>
-              </a:defRPr>
-            </a:lvl1pPr>
-          </a:lstStyle>
-          <a:p>
-            <a:pPr algn="ctr"/>
-            <a:r>
-              <a:rPr lang="en-GB" sz="4000" b="1" dirty="0" smtClean="0"/>
-              <a:t>Proportional multi-state life table model</a:t>
-            </a:r>
-            <a:endParaRPr lang="en-GB" sz="4000" b="1" dirty="0"/>
-          </a:p>
-        </p:txBody>
-      </p:sp>
-      <p:sp>
-        <p:nvSpPr>
-          <p:cNvPr id="3" name="TextBox 2"/>
-          <p:cNvSpPr txBox="1"/>
-          <p:nvPr/>
-        </p:nvSpPr>
-        <p:spPr>
-          <a:xfrm>
-            <a:off x="836023" y="1414082"/>
-            <a:ext cx="3238835" cy="523220"/>
-          </a:xfrm>
-          <a:prstGeom prst="rect">
-            <a:avLst/>
-          </a:prstGeom>
-          <a:noFill/>
-        </p:spPr>
-        <p:txBody>
-          <a:bodyPr wrap="none" rtlCol="0">
-            <a:spAutoFit/>
-          </a:bodyPr>
-          <a:lstStyle/>
-          <a:p>
-            <a:r>
-              <a:rPr lang="en-GB" sz="2800" b="1" dirty="0" smtClean="0"/>
-              <a:t>Proposed R modules</a:t>
-            </a:r>
-            <a:endParaRPr lang="en-GB" sz="2800" b="1" dirty="0"/>
-          </a:p>
-        </p:txBody>
-      </p:sp>
-    </p:spTree>
-    <p:extLst>
-      <p:ext uri="{BB962C8B-B14F-4D97-AF65-F5344CB8AC3E}">
-        <p14:creationId xmlns:p14="http://schemas.microsoft.com/office/powerpoint/2010/main" val="2206637782"/>
       </p:ext>
     </p:extLst>
   </p:cSld>

--- a/MSLT/structure/PMSLTframeworkV2.pptx
+++ b/MSLT/structure/PMSLTframeworkV2.pptx
@@ -5,7 +5,7 @@
     <p:sldMasterId id="2147483648" r:id="rId1"/>
   </p:sldMasterIdLst>
   <p:notesMasterIdLst>
-    <p:notesMasterId r:id="rId20"/>
+    <p:notesMasterId r:id="rId23"/>
   </p:notesMasterIdLst>
   <p:sldIdLst>
     <p:sldId id="261" r:id="rId2"/>
@@ -13,19 +13,22 @@
     <p:sldId id="268" r:id="rId4"/>
     <p:sldId id="266" r:id="rId5"/>
     <p:sldId id="280" r:id="rId6"/>
-    <p:sldId id="260" r:id="rId7"/>
-    <p:sldId id="267" r:id="rId8"/>
+    <p:sldId id="281" r:id="rId7"/>
+    <p:sldId id="260" r:id="rId8"/>
     <p:sldId id="274" r:id="rId9"/>
     <p:sldId id="273" r:id="rId10"/>
     <p:sldId id="263" r:id="rId11"/>
-    <p:sldId id="277" r:id="rId12"/>
-    <p:sldId id="276" r:id="rId13"/>
+    <p:sldId id="282" r:id="rId12"/>
+    <p:sldId id="277" r:id="rId13"/>
     <p:sldId id="256" r:id="rId14"/>
     <p:sldId id="278" r:id="rId15"/>
     <p:sldId id="262" r:id="rId16"/>
-    <p:sldId id="264" r:id="rId17"/>
-    <p:sldId id="269" r:id="rId18"/>
-    <p:sldId id="279" r:id="rId19"/>
+    <p:sldId id="286" r:id="rId17"/>
+    <p:sldId id="287" r:id="rId18"/>
+    <p:sldId id="264" r:id="rId19"/>
+    <p:sldId id="289" r:id="rId20"/>
+    <p:sldId id="283" r:id="rId21"/>
+    <p:sldId id="269" r:id="rId22"/>
   </p:sldIdLst>
   <p:sldSz cx="12192000" cy="6858000"/>
   <p:notesSz cx="6858000" cy="9144000"/>
@@ -730,7 +733,7 @@
     </p:spTree>
     <p:extLst>
       <p:ext uri="{BB962C8B-B14F-4D97-AF65-F5344CB8AC3E}">
-        <p14:creationId xmlns:p14="http://schemas.microsoft.com/office/powerpoint/2010/main" val="2730642217"/>
+        <p14:creationId xmlns:p14="http://schemas.microsoft.com/office/powerpoint/2010/main" val="2373445163"/>
       </p:ext>
     </p:extLst>
   </p:cSld>
@@ -786,15 +789,7 @@
           <a:p>
             <a:r>
               <a:rPr lang="en-GB" baseline="0" dirty="0" smtClean="0"/>
-              <a:t>Alternative </a:t>
-            </a:r>
-            <a:r>
-              <a:rPr lang="en-GB" baseline="0" smtClean="0"/>
-              <a:t>data inputs </a:t>
-            </a:r>
-            <a:r>
-              <a:rPr lang="en-GB" baseline="0" dirty="0" smtClean="0"/>
-              <a:t>to be discussed. </a:t>
+              <a:t>Alternative data inputs to be discussed. </a:t>
             </a:r>
           </a:p>
         </p:txBody>
@@ -825,7 +820,7 @@
     </p:spTree>
     <p:extLst>
       <p:ext uri="{BB962C8B-B14F-4D97-AF65-F5344CB8AC3E}">
-        <p14:creationId xmlns:p14="http://schemas.microsoft.com/office/powerpoint/2010/main" val="1010032613"/>
+        <p14:creationId xmlns:p14="http://schemas.microsoft.com/office/powerpoint/2010/main" val="2730642217"/>
       </p:ext>
     </p:extLst>
   </p:cSld>
@@ -1071,7 +1066,7 @@
           <a:p>
             <a:fld id="{E9A7C338-4380-4862-9BB2-E14908266303}" type="slidenum">
               <a:rPr lang="en-GB" smtClean="0"/>
-              <a:t>16</a:t>
+              <a:t>18</a:t>
             </a:fld>
             <a:endParaRPr lang="en-GB"/>
           </a:p>
@@ -1134,132 +1129,7 @@
           <a:bodyPr/>
           <a:lstStyle/>
           <a:p>
-            <a:r>
-              <a:rPr lang="en-GB" b="1" dirty="0" smtClean="0"/>
-              <a:t>Time</a:t>
-            </a:r>
-            <a:r>
-              <a:rPr lang="en-GB" b="1" baseline="0" dirty="0" smtClean="0"/>
-              <a:t> dimension:</a:t>
-            </a:r>
-          </a:p>
-          <a:p>
-            <a:r>
-              <a:rPr lang="en-GB" baseline="0" dirty="0" smtClean="0"/>
-              <a:t>-period in years assumed between the moment of cessation of exposure and the moment the lowest relative risk for ex-exposed, the remnant RR is reached (called </a:t>
-            </a:r>
-            <a:r>
-              <a:rPr lang="en-GB" b="1" baseline="0" dirty="0" smtClean="0"/>
-              <a:t>LAG</a:t>
-            </a:r>
-            <a:r>
-              <a:rPr lang="en-GB" baseline="0" dirty="0" smtClean="0"/>
-              <a:t> in PREVENT). The introduction of this dimension necessitates an adjustment of the equation used for the calculation of PIF as well as an additional dimension of the input data on prevalence and RRs.  This means that the ultimate PIF is not reached immediately after the intervention but only after LAG years. </a:t>
-            </a:r>
-          </a:p>
-          <a:p>
-            <a:r>
-              <a:rPr lang="en-GB" dirty="0" smtClean="0"/>
-              <a:t>-The time</a:t>
-            </a:r>
-            <a:r>
-              <a:rPr lang="en-GB" baseline="0" dirty="0" smtClean="0"/>
-              <a:t> dimension also means, that past changes in risk factor prevalence, whatever their cause, may continue to affect disease incidence in the future. This change in disease specific incidence should be ascribed to the intervention. To incorporate the proportional effect of such past (and possibly also of future) “autonomous trends” in risk factor prevalence, PREVENT calculates Trend Impact Fractions (TIFs,) in a manner similar to the PIF’s. </a:t>
-            </a:r>
-          </a:p>
-          <a:p>
             <a:endParaRPr lang="en-GB" baseline="0" dirty="0" smtClean="0"/>
-          </a:p>
-          <a:p>
-            <a:r>
-              <a:rPr lang="en-GB" baseline="0" dirty="0" smtClean="0"/>
-              <a:t>The </a:t>
-            </a:r>
-            <a:r>
-              <a:rPr lang="en-GB" b="1" baseline="0" dirty="0" smtClean="0"/>
-              <a:t>LAG</a:t>
-            </a:r>
-            <a:r>
-              <a:rPr lang="en-GB" baseline="0" dirty="0" smtClean="0"/>
-              <a:t> seems to function as a proportional change in the PIF over the years. </a:t>
-            </a:r>
-          </a:p>
-          <a:p>
-            <a:endParaRPr lang="en-GB" baseline="0" dirty="0" smtClean="0"/>
-          </a:p>
-          <a:p>
-            <a:r>
-              <a:rPr lang="en-GB" baseline="0" dirty="0" smtClean="0"/>
-              <a:t>How are demographic changes modelled?</a:t>
-            </a:r>
-          </a:p>
-          <a:p>
-            <a:endParaRPr lang="en-GB" baseline="0" dirty="0" smtClean="0"/>
-          </a:p>
-          <a:p>
-            <a:r>
-              <a:rPr lang="en-GB" baseline="0" dirty="0" smtClean="0"/>
-              <a:t>“The effect of the absolute numbers, the health benefits, will of course also depend three other factors: on the proportional </a:t>
-            </a:r>
-            <a:r>
-              <a:rPr lang="en-GB" b="1" baseline="0" dirty="0" smtClean="0"/>
-              <a:t>changes</a:t>
-            </a:r>
-            <a:r>
-              <a:rPr lang="en-GB" baseline="0" dirty="0" smtClean="0"/>
-              <a:t> in diseases specific </a:t>
-            </a:r>
-            <a:r>
-              <a:rPr lang="en-GB" b="1" baseline="0" dirty="0" smtClean="0"/>
-              <a:t>incidence</a:t>
-            </a:r>
-            <a:r>
-              <a:rPr lang="en-GB" baseline="0" dirty="0" smtClean="0"/>
-              <a:t> over the same period </a:t>
-            </a:r>
-            <a:r>
-              <a:rPr lang="en-GB" b="1" baseline="0" dirty="0" smtClean="0"/>
-              <a:t>caused by autonomous trend (the TIF’s), </a:t>
-            </a:r>
-            <a:r>
-              <a:rPr lang="en-GB" baseline="0" dirty="0" smtClean="0"/>
-              <a:t>the relative contribution of the diseases, influenced by that specific risk factor, on total mortality and the </a:t>
-            </a:r>
-            <a:r>
-              <a:rPr lang="en-GB" b="1" baseline="0" dirty="0" smtClean="0"/>
-              <a:t>demographic changes </a:t>
-            </a:r>
-            <a:r>
-              <a:rPr lang="en-GB" baseline="0" dirty="0" smtClean="0"/>
-              <a:t>in the population over those LAG years.”</a:t>
-            </a:r>
-          </a:p>
-          <a:p>
-            <a:endParaRPr lang="en-GB" baseline="0" dirty="0" smtClean="0"/>
-          </a:p>
-          <a:p>
-            <a:r>
-              <a:rPr lang="en-GB" baseline="0" dirty="0" smtClean="0"/>
-              <a:t>“The assumption is that the proportional changes in incidence from the first part of the model, the PIF’s and TIF’s, are translated into the same proportional changes in disease specific mortality after a certain latency period, LAT”. </a:t>
-            </a:r>
-          </a:p>
-          <a:p>
-            <a:endParaRPr lang="en-GB" baseline="0" dirty="0" smtClean="0"/>
-          </a:p>
-          <a:p>
-            <a:r>
-              <a:rPr lang="en-GB" baseline="0" dirty="0" smtClean="0"/>
-              <a:t>In the PMSLT we should also multiply incidence in the model scenario to the trend to reflect the trend </a:t>
-            </a:r>
-            <a:r>
-              <a:rPr lang="en-GB" baseline="0" dirty="0" err="1" smtClean="0"/>
-              <a:t>scaenrios</a:t>
-            </a:r>
-            <a:r>
-              <a:rPr lang="en-GB" baseline="0" dirty="0" smtClean="0"/>
-              <a:t> (TIF in PREVENT). </a:t>
-            </a:r>
-            <a:endParaRPr lang="en-GB" dirty="0"/>
           </a:p>
         </p:txBody>
       </p:sp>
@@ -1280,7 +1150,7 @@
           <a:p>
             <a:fld id="{E9A7C338-4380-4862-9BB2-E14908266303}" type="slidenum">
               <a:rPr lang="en-GB" smtClean="0"/>
-              <a:t>17</a:t>
+              <a:t>19</a:t>
             </a:fld>
             <a:endParaRPr lang="en-GB"/>
           </a:p>
@@ -1289,7 +1159,7 @@
     </p:spTree>
     <p:extLst>
       <p:ext uri="{BB962C8B-B14F-4D97-AF65-F5344CB8AC3E}">
-        <p14:creationId xmlns:p14="http://schemas.microsoft.com/office/powerpoint/2010/main" val="2798678818"/>
+        <p14:creationId xmlns:p14="http://schemas.microsoft.com/office/powerpoint/2010/main" val="3839402776"/>
       </p:ext>
     </p:extLst>
   </p:cSld>
@@ -1343,7 +1213,7 @@
           <a:bodyPr/>
           <a:lstStyle/>
           <a:p>
-            <a:endParaRPr lang="en-GB" dirty="0"/>
+            <a:endParaRPr lang="en-GB" baseline="0" dirty="0" smtClean="0"/>
           </a:p>
         </p:txBody>
       </p:sp>
@@ -1364,7 +1234,7 @@
           <a:p>
             <a:fld id="{E9A7C338-4380-4862-9BB2-E14908266303}" type="slidenum">
               <a:rPr lang="en-GB" smtClean="0"/>
-              <a:t>18</a:t>
+              <a:t>20</a:t>
             </a:fld>
             <a:endParaRPr lang="en-GB"/>
           </a:p>
@@ -1373,7 +1243,216 @@
     </p:spTree>
     <p:extLst>
       <p:ext uri="{BB962C8B-B14F-4D97-AF65-F5344CB8AC3E}">
-        <p14:creationId xmlns:p14="http://schemas.microsoft.com/office/powerpoint/2010/main" val="2034169725"/>
+        <p14:creationId xmlns:p14="http://schemas.microsoft.com/office/powerpoint/2010/main" val="501276875"/>
+      </p:ext>
+    </p:extLst>
+  </p:cSld>
+  <p:clrMapOvr>
+    <a:masterClrMapping/>
+  </p:clrMapOvr>
+</p:notes>
+</file>
+
+<file path=ppt/notesSlides/notesSlide18.xml><?xml version="1.0" encoding="utf-8"?>
+<p:notes xmlns:a="http://schemas.openxmlformats.org/drawingml/2006/main" xmlns:r="http://schemas.openxmlformats.org/officeDocument/2006/relationships" xmlns:p="http://schemas.openxmlformats.org/presentationml/2006/main">
+  <p:cSld>
+    <p:spTree>
+      <p:nvGrpSpPr>
+        <p:cNvPr id="1" name=""/>
+        <p:cNvGrpSpPr/>
+        <p:nvPr/>
+      </p:nvGrpSpPr>
+      <p:grpSpPr>
+        <a:xfrm>
+          <a:off x="0" y="0"/>
+          <a:ext cx="0" cy="0"/>
+          <a:chOff x="0" y="0"/>
+          <a:chExt cx="0" cy="0"/>
+        </a:xfrm>
+      </p:grpSpPr>
+      <p:sp>
+        <p:nvSpPr>
+          <p:cNvPr id="2" name="Slide Image Placeholder 1"/>
+          <p:cNvSpPr>
+            <a:spLocks noGrp="1" noRot="1" noChangeAspect="1"/>
+          </p:cNvSpPr>
+          <p:nvPr>
+            <p:ph type="sldImg"/>
+          </p:nvPr>
+        </p:nvSpPr>
+        <p:spPr/>
+      </p:sp>
+      <p:sp>
+        <p:nvSpPr>
+          <p:cNvPr id="3" name="Notes Placeholder 2"/>
+          <p:cNvSpPr>
+            <a:spLocks noGrp="1"/>
+          </p:cNvSpPr>
+          <p:nvPr>
+            <p:ph type="body" idx="1"/>
+          </p:nvPr>
+        </p:nvSpPr>
+        <p:spPr/>
+        <p:txBody>
+          <a:bodyPr/>
+          <a:lstStyle/>
+          <a:p>
+            <a:r>
+              <a:rPr lang="en-GB" b="1" dirty="0" smtClean="0"/>
+              <a:t>Time</a:t>
+            </a:r>
+            <a:r>
+              <a:rPr lang="en-GB" b="1" baseline="0" dirty="0" smtClean="0"/>
+              <a:t> dimension:</a:t>
+            </a:r>
+          </a:p>
+          <a:p>
+            <a:r>
+              <a:rPr lang="en-GB" baseline="0" dirty="0" smtClean="0"/>
+              <a:t>-period in years assumed between the moment of cessation of exposure and the moment the lowest relative risk for ex-exposed, the remnant RR is reached (called </a:t>
+            </a:r>
+            <a:r>
+              <a:rPr lang="en-GB" b="1" baseline="0" dirty="0" smtClean="0"/>
+              <a:t>LAG</a:t>
+            </a:r>
+            <a:r>
+              <a:rPr lang="en-GB" baseline="0" dirty="0" smtClean="0"/>
+              <a:t> in PREVENT). The introduction of this dimension necessitates an adjustment of the equation used for the calculation of PIF as well as an additional dimension of the input data on prevalence and RRs.  This means that the ultimate PIF is not reached immediately after the intervention but only after LAG years. </a:t>
+            </a:r>
+          </a:p>
+          <a:p>
+            <a:r>
+              <a:rPr lang="en-GB" dirty="0" smtClean="0"/>
+              <a:t>-The time</a:t>
+            </a:r>
+            <a:r>
+              <a:rPr lang="en-GB" baseline="0" dirty="0" smtClean="0"/>
+              <a:t> dimension also means, that past changes in risk factor prevalence, whatever their cause, may continue to affect disease incidence in the future. This change in disease specific incidence should be ascribed to the intervention. To incorporate the proportional effect of such past (and possibly also of future) “autonomous trends” in risk factor prevalence, PREVENT calculates Trend Impact Fractions (TIFs,) in a manner similar to the PIF’s. </a:t>
+            </a:r>
+          </a:p>
+          <a:p>
+            <a:endParaRPr lang="en-GB" baseline="0" dirty="0" smtClean="0"/>
+          </a:p>
+          <a:p>
+            <a:r>
+              <a:rPr lang="en-GB" baseline="0" dirty="0" smtClean="0"/>
+              <a:t>The </a:t>
+            </a:r>
+            <a:r>
+              <a:rPr lang="en-GB" b="1" baseline="0" dirty="0" smtClean="0"/>
+              <a:t>LAG</a:t>
+            </a:r>
+            <a:r>
+              <a:rPr lang="en-GB" baseline="0" dirty="0" smtClean="0"/>
+              <a:t> seems to function as a proportional change in the PIF over the years. </a:t>
+            </a:r>
+          </a:p>
+          <a:p>
+            <a:endParaRPr lang="en-GB" baseline="0" dirty="0" smtClean="0"/>
+          </a:p>
+          <a:p>
+            <a:r>
+              <a:rPr lang="en-GB" baseline="0" dirty="0" smtClean="0"/>
+              <a:t>How are demographic changes modelled?</a:t>
+            </a:r>
+          </a:p>
+          <a:p>
+            <a:endParaRPr lang="en-GB" baseline="0" dirty="0" smtClean="0"/>
+          </a:p>
+          <a:p>
+            <a:r>
+              <a:rPr lang="en-GB" baseline="0" dirty="0" smtClean="0"/>
+              <a:t>“The effect of the absolute numbers, the health benefits, will of course also depend three other factors: on the proportional </a:t>
+            </a:r>
+            <a:r>
+              <a:rPr lang="en-GB" b="1" baseline="0" dirty="0" smtClean="0"/>
+              <a:t>changes</a:t>
+            </a:r>
+            <a:r>
+              <a:rPr lang="en-GB" baseline="0" dirty="0" smtClean="0"/>
+              <a:t> in diseases specific </a:t>
+            </a:r>
+            <a:r>
+              <a:rPr lang="en-GB" b="1" baseline="0" dirty="0" smtClean="0"/>
+              <a:t>incidence</a:t>
+            </a:r>
+            <a:r>
+              <a:rPr lang="en-GB" baseline="0" dirty="0" smtClean="0"/>
+              <a:t> over the same period </a:t>
+            </a:r>
+            <a:r>
+              <a:rPr lang="en-GB" b="1" baseline="0" dirty="0" smtClean="0"/>
+              <a:t>caused by autonomous trend (the TIF’s), </a:t>
+            </a:r>
+            <a:r>
+              <a:rPr lang="en-GB" baseline="0" dirty="0" smtClean="0"/>
+              <a:t>the relative contribution of the diseases, influenced by that specific risk factor, on total mortality and the </a:t>
+            </a:r>
+            <a:r>
+              <a:rPr lang="en-GB" b="1" baseline="0" dirty="0" smtClean="0"/>
+              <a:t>demographic changes </a:t>
+            </a:r>
+            <a:r>
+              <a:rPr lang="en-GB" baseline="0" dirty="0" smtClean="0"/>
+              <a:t>in the population over those LAG years.”</a:t>
+            </a:r>
+          </a:p>
+          <a:p>
+            <a:endParaRPr lang="en-GB" baseline="0" dirty="0" smtClean="0"/>
+          </a:p>
+          <a:p>
+            <a:r>
+              <a:rPr lang="en-GB" baseline="0" dirty="0" smtClean="0"/>
+              <a:t>“The assumption is that the proportional changes in incidence from the first part of the model, the PIF’s and TIF’s, are translated into the same proportional changes in disease specific mortality after a certain latency period, LAT”. </a:t>
+            </a:r>
+          </a:p>
+          <a:p>
+            <a:endParaRPr lang="en-GB" baseline="0" dirty="0" smtClean="0"/>
+          </a:p>
+          <a:p>
+            <a:r>
+              <a:rPr lang="en-GB" baseline="0" dirty="0" smtClean="0"/>
+              <a:t>In the PMSLT we should also multiply incidence in the model scenario to the trend to reflect the trend </a:t>
+            </a:r>
+            <a:r>
+              <a:rPr lang="en-GB" baseline="0" dirty="0" err="1" smtClean="0"/>
+              <a:t>scaenrios</a:t>
+            </a:r>
+            <a:r>
+              <a:rPr lang="en-GB" baseline="0" dirty="0" smtClean="0"/>
+              <a:t> (TIF in PREVENT). </a:t>
+            </a:r>
+            <a:endParaRPr lang="en-GB" dirty="0"/>
+          </a:p>
+        </p:txBody>
+      </p:sp>
+      <p:sp>
+        <p:nvSpPr>
+          <p:cNvPr id="4" name="Slide Number Placeholder 3"/>
+          <p:cNvSpPr>
+            <a:spLocks noGrp="1"/>
+          </p:cNvSpPr>
+          <p:nvPr>
+            <p:ph type="sldNum" sz="quarter" idx="10"/>
+          </p:nvPr>
+        </p:nvSpPr>
+        <p:spPr/>
+        <p:txBody>
+          <a:bodyPr/>
+          <a:lstStyle/>
+          <a:p>
+            <a:fld id="{E9A7C338-4380-4862-9BB2-E14908266303}" type="slidenum">
+              <a:rPr lang="en-GB" smtClean="0"/>
+              <a:t>21</a:t>
+            </a:fld>
+            <a:endParaRPr lang="en-GB"/>
+          </a:p>
+        </p:txBody>
+      </p:sp>
+    </p:spTree>
+    <p:extLst>
+      <p:ext uri="{BB962C8B-B14F-4D97-AF65-F5344CB8AC3E}">
+        <p14:creationId xmlns:p14="http://schemas.microsoft.com/office/powerpoint/2010/main" val="2798678818"/>
       </p:ext>
     </p:extLst>
   </p:cSld>
@@ -1763,7 +1842,7 @@
           <a:bodyPr/>
           <a:lstStyle/>
           <a:p>
-            <a:endParaRPr lang="en-GB" dirty="0"/>
+            <a:endParaRPr lang="en-GB" baseline="0" dirty="0" smtClean="0"/>
           </a:p>
         </p:txBody>
       </p:sp>
@@ -1793,7 +1872,7 @@
     </p:spTree>
     <p:extLst>
       <p:ext uri="{BB962C8B-B14F-4D97-AF65-F5344CB8AC3E}">
-        <p14:creationId xmlns:p14="http://schemas.microsoft.com/office/powerpoint/2010/main" val="3809073510"/>
+        <p14:creationId xmlns:p14="http://schemas.microsoft.com/office/powerpoint/2010/main" val="2736086941"/>
       </p:ext>
     </p:extLst>
   </p:cSld>
@@ -1847,6 +1926,14 @@
           <a:bodyPr/>
           <a:lstStyle/>
           <a:p>
+            <a:r>
+              <a:rPr lang="en-GB" dirty="0" smtClean="0"/>
+              <a:t>Basic model infrastructure.</a:t>
+            </a:r>
+            <a:r>
+              <a:rPr lang="en-GB" baseline="0" dirty="0" smtClean="0"/>
+              <a:t> </a:t>
+            </a:r>
             <a:endParaRPr lang="en-GB" dirty="0"/>
           </a:p>
         </p:txBody>
@@ -1877,7 +1964,7 @@
     </p:spTree>
     <p:extLst>
       <p:ext uri="{BB962C8B-B14F-4D97-AF65-F5344CB8AC3E}">
-        <p14:creationId xmlns:p14="http://schemas.microsoft.com/office/powerpoint/2010/main" val="1206421979"/>
+        <p14:creationId xmlns:p14="http://schemas.microsoft.com/office/powerpoint/2010/main" val="3809073510"/>
       </p:ext>
     </p:extLst>
   </p:cSld>
@@ -5086,23 +5173,7 @@
             </a:pPr>
             <a:r>
               <a:rPr lang="en-GB" sz="3200" dirty="0" smtClean="0"/>
-              <a:t>PMSLT is a simulation model that estimates the effect of changes </a:t>
-            </a:r>
-            <a:r>
-              <a:rPr lang="en-GB" sz="3200" dirty="0" smtClean="0"/>
-              <a:t>in the population distribution </a:t>
-            </a:r>
-            <a:r>
-              <a:rPr lang="en-GB" sz="3200" dirty="0" smtClean="0"/>
-              <a:t>of </a:t>
-            </a:r>
-            <a:r>
-              <a:rPr lang="en-GB" sz="3200" dirty="0" smtClean="0"/>
-              <a:t>risk factor/s in </a:t>
-            </a:r>
-            <a:r>
-              <a:rPr lang="en-GB" sz="3200" dirty="0" smtClean="0"/>
-              <a:t>terms of health benefits/</a:t>
+              <a:t>PMSLT is a simulation model that estimates the effect of changes in the population distribution of risk factor/s in terms of health benefits/</a:t>
             </a:r>
             <a:r>
               <a:rPr lang="en-GB" sz="3200" dirty="0" err="1" smtClean="0"/>
@@ -5148,6 +5219,57 @@
       </p:grpSpPr>
       <p:sp>
         <p:nvSpPr>
+          <p:cNvPr id="7" name="TextBox 6"/>
+          <p:cNvSpPr txBox="1"/>
+          <p:nvPr/>
+        </p:nvSpPr>
+        <p:spPr>
+          <a:xfrm>
+            <a:off x="0" y="1677728"/>
+            <a:ext cx="12192000" cy="584775"/>
+          </a:xfrm>
+          <a:prstGeom prst="rect">
+            <a:avLst/>
+          </a:prstGeom>
+          <a:solidFill>
+            <a:schemeClr val="accent6">
+              <a:lumMod val="20000"/>
+              <a:lumOff val="80000"/>
+            </a:schemeClr>
+          </a:solidFill>
+          <a:ln>
+            <a:solidFill>
+              <a:schemeClr val="bg1"/>
+            </a:solidFill>
+          </a:ln>
+        </p:spPr>
+        <p:style>
+          <a:lnRef idx="2">
+            <a:schemeClr val="dk1"/>
+          </a:lnRef>
+          <a:fillRef idx="1">
+            <a:schemeClr val="lt1"/>
+          </a:fillRef>
+          <a:effectRef idx="0">
+            <a:schemeClr val="dk1"/>
+          </a:effectRef>
+          <a:fontRef idx="minor">
+            <a:schemeClr val="dk1"/>
+          </a:fontRef>
+        </p:style>
+        <p:txBody>
+          <a:bodyPr wrap="square" rtlCol="0">
+            <a:spAutoFit/>
+          </a:bodyPr>
+          <a:lstStyle/>
+          <a:p>
+            <a:pPr algn="ctr"/>
+            <a:endParaRPr lang="en-GB" sz="3200" b="1" dirty="0"/>
+          </a:p>
+        </p:txBody>
+      </p:sp>
+      <p:sp>
+        <p:nvSpPr>
           <p:cNvPr id="5" name="Title 1"/>
           <p:cNvSpPr txBox="1">
             <a:spLocks/>
@@ -5156,8 +5278,8 @@
         </p:nvSpPr>
         <p:spPr>
           <a:xfrm>
-            <a:off x="836023" y="1937302"/>
-            <a:ext cx="10375900" cy="757646"/>
+            <a:off x="627017" y="2521132"/>
+            <a:ext cx="10375900" cy="3422468"/>
           </a:xfrm>
           <a:prstGeom prst="rect">
             <a:avLst/>
@@ -5165,7 +5287,7 @@
         </p:spPr>
         <p:txBody>
           <a:bodyPr vert="horz" lIns="91440" tIns="45720" rIns="91440" bIns="45720" rtlCol="0" anchor="ctr">
-            <a:normAutofit fontScale="85000" lnSpcReduction="20000"/>
+            <a:normAutofit lnSpcReduction="10000"/>
           </a:bodyPr>
           <a:lstStyle>
             <a:lvl1pPr algn="l" defTabSz="914400" rtl="0" eaLnBrk="1" latinLnBrk="0" hangingPunct="1">
@@ -5192,18 +5314,14 @@
           <a:p>
             <a:pPr marL="457200" indent="-457200">
               <a:lnSpc>
-                <a:spcPct val="114000"/>
+                <a:spcPct val="210000"/>
               </a:lnSpc>
               <a:buFont typeface="Arial" panose="020B0604020202020204" pitchFamily="34" charset="0"/>
               <a:buChar char="•"/>
             </a:pPr>
             <a:r>
               <a:rPr lang="en-GB" sz="3100" b="1" dirty="0" smtClean="0"/>
-              <a:t>Long script (documented in </a:t>
-            </a:r>
-            <a:r>
-              <a:rPr lang="en-GB" sz="3100" b="1" dirty="0" smtClean="0"/>
-              <a:t>R</a:t>
+              <a:t>Long script (documented in R</a:t>
             </a:r>
             <a:r>
               <a:rPr lang="en-GB" sz="3100" b="1" dirty="0"/>
@@ -5211,12 +5329,44 @@
             </a:r>
             <a:r>
               <a:rPr lang="en-GB" sz="3100" b="1" dirty="0" smtClean="0"/>
-              <a:t>M</a:t>
+              <a:t>Markdown)</a:t>
             </a:r>
+          </a:p>
+          <a:p>
+            <a:pPr marL="457200" indent="-457200">
+              <a:lnSpc>
+                <a:spcPct val="210000"/>
+              </a:lnSpc>
+              <a:buFont typeface="Arial" panose="020B0604020202020204" pitchFamily="34" charset="0"/>
+              <a:buChar char="•"/>
+            </a:pPr>
             <a:r>
               <a:rPr lang="en-GB" sz="3100" b="1" dirty="0" smtClean="0"/>
-              <a:t>arkdown)</a:t>
+              <a:t>Functions</a:t>
             </a:r>
+          </a:p>
+          <a:p>
+            <a:pPr marL="457200" indent="-457200">
+              <a:lnSpc>
+                <a:spcPct val="210000"/>
+              </a:lnSpc>
+              <a:buFont typeface="Arial" panose="020B0604020202020204" pitchFamily="34" charset="0"/>
+              <a:buChar char="•"/>
+            </a:pPr>
+            <a:r>
+              <a:rPr lang="en-GB" sz="3100" b="1" dirty="0" smtClean="0"/>
+              <a:t>Inputs</a:t>
+            </a:r>
+          </a:p>
+          <a:p>
+            <a:pPr marL="457200" indent="-457200">
+              <a:lnSpc>
+                <a:spcPct val="114000"/>
+              </a:lnSpc>
+              <a:buFont typeface="Arial" panose="020B0604020202020204" pitchFamily="34" charset="0"/>
+              <a:buChar char="•"/>
+            </a:pPr>
+            <a:endParaRPr lang="en-GB" sz="3100" b="1" dirty="0" smtClean="0"/>
           </a:p>
           <a:p>
             <a:pPr>
@@ -5299,8 +5449,8 @@
         </p:nvSpPr>
         <p:spPr>
           <a:xfrm>
-            <a:off x="836023" y="1254229"/>
-            <a:ext cx="2447721" cy="523220"/>
+            <a:off x="4310743" y="1677728"/>
+            <a:ext cx="2770374" cy="584775"/>
           </a:xfrm>
           <a:prstGeom prst="rect">
             <a:avLst/>
@@ -5314,14 +5464,10 @@
           <a:lstStyle/>
           <a:p>
             <a:r>
-              <a:rPr lang="en-GB" sz="2800" b="1" dirty="0" smtClean="0"/>
-              <a:t>R </a:t>
+              <a:rPr lang="en-GB" sz="3200" b="1" dirty="0" smtClean="0"/>
+              <a:t>R development</a:t>
             </a:r>
-            <a:r>
-              <a:rPr lang="en-GB" sz="2800" b="1" dirty="0" smtClean="0"/>
-              <a:t>development</a:t>
-            </a:r>
-            <a:endParaRPr lang="en-GB" sz="2800" b="1" dirty="0"/>
+            <a:endParaRPr lang="en-GB" sz="3200" b="1" dirty="0"/>
           </a:p>
         </p:txBody>
       </p:sp>
@@ -5357,159 +5503,56 @@
       </p:grpSpPr>
       <p:sp>
         <p:nvSpPr>
-          <p:cNvPr id="5" name="Title 1"/>
-          <p:cNvSpPr txBox="1">
-            <a:spLocks/>
-          </p:cNvSpPr>
+          <p:cNvPr id="7" name="TextBox 6"/>
+          <p:cNvSpPr txBox="1"/>
           <p:nvPr/>
         </p:nvSpPr>
         <p:spPr>
           <a:xfrm>
-            <a:off x="699044" y="2103120"/>
-            <a:ext cx="10375900" cy="4001588"/>
+            <a:off x="0" y="1677728"/>
+            <a:ext cx="12192000" cy="584775"/>
           </a:xfrm>
           <a:prstGeom prst="rect">
             <a:avLst/>
           </a:prstGeom>
+          <a:solidFill>
+            <a:schemeClr val="accent6">
+              <a:lumMod val="20000"/>
+              <a:lumOff val="80000"/>
+            </a:schemeClr>
+          </a:solidFill>
+          <a:ln>
+            <a:solidFill>
+              <a:schemeClr val="bg1"/>
+            </a:solidFill>
+          </a:ln>
         </p:spPr>
+        <p:style>
+          <a:lnRef idx="2">
+            <a:schemeClr val="dk1"/>
+          </a:lnRef>
+          <a:fillRef idx="1">
+            <a:schemeClr val="lt1"/>
+          </a:fillRef>
+          <a:effectRef idx="0">
+            <a:schemeClr val="dk1"/>
+          </a:effectRef>
+          <a:fontRef idx="minor">
+            <a:schemeClr val="dk1"/>
+          </a:fontRef>
+        </p:style>
         <p:txBody>
-          <a:bodyPr vert="horz" lIns="91440" tIns="45720" rIns="91440" bIns="45720" rtlCol="0" anchor="ctr">
-            <a:normAutofit/>
+          <a:bodyPr wrap="square" rtlCol="0">
+            <a:spAutoFit/>
           </a:bodyPr>
-          <a:lstStyle>
-            <a:lvl1pPr algn="l" defTabSz="914400" rtl="0" eaLnBrk="1" latinLnBrk="0" hangingPunct="1">
-              <a:lnSpc>
-                <a:spcPct val="90000"/>
-              </a:lnSpc>
-              <a:spcBef>
-                <a:spcPct val="0"/>
-              </a:spcBef>
-              <a:buNone/>
-              <a:defRPr sz="4400" kern="1200">
-                <a:solidFill>
-                  <a:schemeClr val="tx1"/>
-                </a:solidFill>
-                <a:latin typeface="+mj-lt"/>
-                <a:ea typeface="+mj-ea"/>
-                <a:cs typeface="+mj-cs"/>
-              </a:defRPr>
-            </a:lvl1pPr>
-          </a:lstStyle>
-          <a:p>
-            <a:endParaRPr lang="en-GB" sz="2600" b="1" dirty="0" smtClean="0"/>
-          </a:p>
-          <a:p>
-            <a:pPr marL="457200" indent="-457200">
-              <a:lnSpc>
-                <a:spcPct val="114000"/>
-              </a:lnSpc>
-              <a:buFont typeface="Arial" panose="020B0604020202020204" pitchFamily="34" charset="0"/>
-              <a:buChar char="•"/>
-            </a:pPr>
+          <a:lstStyle/>
+          <a:p>
+            <a:pPr algn="ctr"/>
             <a:r>
-              <a:rPr lang="en-GB" sz="3100" b="1" dirty="0" smtClean="0"/>
-              <a:t>R general command</a:t>
+              <a:rPr lang="en-GB" sz="3200" b="1" dirty="0" smtClean="0"/>
+              <a:t>Long script (documented in R Markdown) </a:t>
             </a:r>
-          </a:p>
-          <a:p>
-            <a:pPr marL="342900" indent="-342900">
-              <a:buFont typeface="Wingdings" panose="05000000000000000000" pitchFamily="2" charset="2"/>
-              <a:buChar char="Ø"/>
-            </a:pPr>
-            <a:r>
-              <a:rPr lang="en-GB" sz="2000" b="1" dirty="0" smtClean="0"/>
-              <a:t>Set working directory</a:t>
-            </a:r>
-          </a:p>
-          <a:p>
-            <a:pPr marL="342900" indent="-342900">
-              <a:buFont typeface="Wingdings" panose="05000000000000000000" pitchFamily="2" charset="2"/>
-              <a:buChar char="Ø"/>
-            </a:pPr>
-            <a:r>
-              <a:rPr lang="en-GB" sz="2000" b="1" dirty="0" smtClean="0"/>
-              <a:t>Install/read required packages</a:t>
-            </a:r>
-          </a:p>
-          <a:p>
-            <a:pPr marL="342900" indent="-342900">
-              <a:buFont typeface="Wingdings" panose="05000000000000000000" pitchFamily="2" charset="2"/>
-              <a:buChar char="Ø"/>
-            </a:pPr>
-            <a:r>
-              <a:rPr lang="en-GB" sz="2000" b="1" dirty="0" smtClean="0"/>
-              <a:t>Read functions</a:t>
-            </a:r>
-          </a:p>
-          <a:p>
-            <a:pPr marL="342900" indent="-342900">
-              <a:buFont typeface="Wingdings" panose="05000000000000000000" pitchFamily="2" charset="2"/>
-              <a:buChar char="Ø"/>
-            </a:pPr>
-            <a:r>
-              <a:rPr lang="en-GB" sz="2000" b="1" dirty="0" smtClean="0"/>
-              <a:t>Read data: (a) Life table: </a:t>
-            </a:r>
-            <a:r>
-              <a:rPr lang="en-GB" sz="2000" dirty="0" smtClean="0"/>
-              <a:t>(1) mortality rates by 1-year age groups and sex, (2) population numbers by 1- year age intervals and sex, and (3) </a:t>
-            </a:r>
-            <a:r>
-              <a:rPr lang="en-GB" sz="2000" dirty="0" err="1" smtClean="0"/>
-              <a:t>pYLDtotal</a:t>
-            </a:r>
-            <a:r>
-              <a:rPr lang="en-GB" sz="2000" dirty="0" smtClean="0"/>
-              <a:t> by  1-year interval and sex; </a:t>
-            </a:r>
-            <a:r>
-              <a:rPr lang="en-GB" sz="2000" b="1" dirty="0" smtClean="0"/>
-              <a:t>(b) Disease life table: </a:t>
-            </a:r>
-            <a:r>
-              <a:rPr lang="en-GB" sz="2000" dirty="0" smtClean="0"/>
-              <a:t>(1) incidence rates by 1-year age intervals and sex, (2) case fatality </a:t>
-            </a:r>
-            <a:r>
-              <a:rPr lang="en-GB" sz="2000" dirty="0"/>
-              <a:t>rates in </a:t>
-            </a:r>
-            <a:r>
-              <a:rPr lang="en-GB" sz="2000" dirty="0" smtClean="0"/>
-              <a:t>1-year age </a:t>
-            </a:r>
-            <a:r>
-              <a:rPr lang="en-GB" sz="2000" dirty="0"/>
-              <a:t>intervals </a:t>
-            </a:r>
-            <a:r>
-              <a:rPr lang="en-GB" sz="2000" dirty="0" smtClean="0"/>
-              <a:t>and sex, and (3) disability weights by 1-year age intervals and sex</a:t>
-            </a:r>
-          </a:p>
-          <a:p>
-            <a:pPr marL="342900" indent="-342900">
-              <a:buFont typeface="Wingdings" panose="05000000000000000000" pitchFamily="2" charset="2"/>
-              <a:buChar char="Ø"/>
-            </a:pPr>
-            <a:r>
-              <a:rPr lang="en-GB" sz="2000" dirty="0" smtClean="0"/>
-              <a:t>OTHERS: HOW ARE THE CALCULATIONS COMING TOGETHER? CREATION OF TWO MODELS, ONE AS IS AND THE OTHER WITHOUT INTERVENTION?</a:t>
-            </a:r>
-          </a:p>
-          <a:p>
-            <a:pPr marL="342900" indent="-342900">
-              <a:buFont typeface="Wingdings" panose="05000000000000000000" pitchFamily="2" charset="2"/>
-              <a:buChar char="Ø"/>
-            </a:pPr>
-            <a:endParaRPr lang="en-GB" sz="2000" b="1" dirty="0" smtClean="0"/>
-          </a:p>
-          <a:p>
-            <a:pPr marL="571500" indent="-571500">
-              <a:buFont typeface="Arial" panose="020B0604020202020204" pitchFamily="34" charset="0"/>
-              <a:buChar char="•"/>
-            </a:pPr>
-            <a:endParaRPr lang="en-GB" sz="2000" dirty="0"/>
+            <a:endParaRPr lang="en-GB" sz="3200" b="1" dirty="0"/>
           </a:p>
         </p:txBody>
       </p:sp>
@@ -5566,40 +5609,133 @@
           </a:p>
         </p:txBody>
       </p:sp>
-      <p:sp>
-        <p:nvSpPr>
-          <p:cNvPr id="3" name="TextBox 2"/>
-          <p:cNvSpPr txBox="1"/>
+      <p:grpSp>
+        <p:nvGrpSpPr>
+          <p:cNvPr id="4" name="Group 4"/>
+          <p:cNvGrpSpPr>
+            <a:grpSpLocks noChangeAspect="1"/>
+          </p:cNvGrpSpPr>
           <p:nvPr/>
-        </p:nvSpPr>
-        <p:spPr>
+        </p:nvGrpSpPr>
+        <p:grpSpPr bwMode="auto">
           <a:xfrm>
-            <a:off x="836023" y="1414082"/>
-            <a:ext cx="3238835" cy="523220"/>
+            <a:off x="2481852" y="2363788"/>
+            <a:ext cx="7228296" cy="4186437"/>
+            <a:chOff x="1396" y="1489"/>
+            <a:chExt cx="4888" cy="2831"/>
           </a:xfrm>
-          <a:prstGeom prst="rect">
-            <a:avLst/>
-          </a:prstGeom>
-          <a:noFill/>
-        </p:spPr>
-        <p:txBody>
-          <a:bodyPr wrap="none" rtlCol="0">
-            <a:spAutoFit/>
-          </a:bodyPr>
-          <a:lstStyle/>
-          <a:p>
-            <a:r>
-              <a:rPr lang="en-GB" sz="2800" b="1" dirty="0" smtClean="0"/>
-              <a:t>Proposed R modules</a:t>
-            </a:r>
-            <a:endParaRPr lang="en-GB" sz="2800" b="1" dirty="0"/>
-          </a:p>
-        </p:txBody>
-      </p:sp>
+        </p:grpSpPr>
+        <p:sp>
+          <p:nvSpPr>
+            <p:cNvPr id="8" name="AutoShape 3"/>
+            <p:cNvSpPr>
+              <a:spLocks noChangeAspect="1" noChangeArrowheads="1" noTextEdit="1"/>
+            </p:cNvSpPr>
+            <p:nvPr/>
+          </p:nvSpPr>
+          <p:spPr bwMode="auto">
+            <a:xfrm>
+              <a:off x="1396" y="1489"/>
+              <a:ext cx="4888" cy="2831"/>
+            </a:xfrm>
+            <a:prstGeom prst="rect">
+              <a:avLst/>
+            </a:prstGeom>
+            <a:noFill/>
+            <a:ln>
+              <a:noFill/>
+            </a:ln>
+            <a:extLst>
+              <a:ext uri="{909E8E84-426E-40DD-AFC4-6F175D3DCCD1}">
+                <a14:hiddenFill xmlns:a14="http://schemas.microsoft.com/office/drawing/2010/main">
+                  <a:solidFill>
+                    <a:srgbClr val="FFFFFF"/>
+                  </a:solidFill>
+                </a14:hiddenFill>
+              </a:ext>
+              <a:ext uri="{91240B29-F687-4F45-9708-019B960494DF}">
+                <a14:hiddenLine xmlns:a14="http://schemas.microsoft.com/office/drawing/2010/main" w="9525">
+                  <a:solidFill>
+                    <a:srgbClr val="000000"/>
+                  </a:solidFill>
+                  <a:miter lim="800000"/>
+                  <a:headEnd/>
+                  <a:tailEnd/>
+                </a14:hiddenLine>
+              </a:ext>
+            </a:extLst>
+          </p:spPr>
+          <p:txBody>
+            <a:bodyPr vert="horz" wrap="square" lIns="91440" tIns="45720" rIns="91440" bIns="45720" numCol="1" anchor="t" anchorCtr="0" compatLnSpc="1">
+              <a:prstTxWarp prst="textNoShape">
+                <a:avLst/>
+              </a:prstTxWarp>
+            </a:bodyPr>
+            <a:lstStyle/>
+            <a:p>
+              <a:endParaRPr lang="en-GB"/>
+            </a:p>
+          </p:txBody>
+        </p:sp>
+        <p:pic>
+          <p:nvPicPr>
+            <p:cNvPr id="1029" name="Picture 5"/>
+            <p:cNvPicPr>
+              <a:picLocks noChangeAspect="1" noChangeArrowheads="1"/>
+            </p:cNvPicPr>
+            <p:nvPr/>
+          </p:nvPicPr>
+          <p:blipFill>
+            <a:blip r:embed="rId3">
+              <a:extLst>
+                <a:ext uri="{28A0092B-C50C-407E-A947-70E740481C1C}">
+                  <a14:useLocalDpi xmlns:a14="http://schemas.microsoft.com/office/drawing/2010/main" val="0"/>
+                </a:ext>
+              </a:extLst>
+            </a:blip>
+            <a:srcRect/>
+            <a:stretch>
+              <a:fillRect/>
+            </a:stretch>
+          </p:blipFill>
+          <p:spPr bwMode="auto">
+            <a:xfrm>
+              <a:off x="1396" y="1489"/>
+              <a:ext cx="4896" cy="2839"/>
+            </a:xfrm>
+            <a:prstGeom prst="rect">
+              <a:avLst/>
+            </a:prstGeom>
+            <a:noFill/>
+            <a:ln>
+              <a:noFill/>
+            </a:ln>
+            <a:extLst>
+              <a:ext uri="{909E8E84-426E-40DD-AFC4-6F175D3DCCD1}">
+                <a14:hiddenFill xmlns:a14="http://schemas.microsoft.com/office/drawing/2010/main">
+                  <a:solidFill>
+                    <a:srgbClr val="FFFFFF"/>
+                  </a:solidFill>
+                </a14:hiddenFill>
+              </a:ext>
+              <a:ext uri="{91240B29-F687-4F45-9708-019B960494DF}">
+                <a14:hiddenLine xmlns:a14="http://schemas.microsoft.com/office/drawing/2010/main" w="9525">
+                  <a:solidFill>
+                    <a:srgbClr val="000000"/>
+                  </a:solidFill>
+                  <a:miter lim="800000"/>
+                  <a:headEnd/>
+                  <a:tailEnd/>
+                </a14:hiddenLine>
+              </a:ext>
+            </a:extLst>
+          </p:spPr>
+        </p:pic>
+      </p:grpSp>
     </p:spTree>
     <p:extLst>
       <p:ext uri="{BB962C8B-B14F-4D97-AF65-F5344CB8AC3E}">
-        <p14:creationId xmlns:p14="http://schemas.microsoft.com/office/powerpoint/2010/main" val="3474903578"/>
+        <p14:creationId xmlns:p14="http://schemas.microsoft.com/office/powerpoint/2010/main" val="49155415"/>
       </p:ext>
     </p:extLst>
   </p:cSld>
@@ -5626,180 +5762,6 @@
           <a:chExt cx="0" cy="0"/>
         </a:xfrm>
       </p:grpSpPr>
-      <p:sp>
-        <p:nvSpPr>
-          <p:cNvPr id="5" name="Title 1"/>
-          <p:cNvSpPr txBox="1">
-            <a:spLocks/>
-          </p:cNvSpPr>
-          <p:nvPr/>
-        </p:nvSpPr>
-        <p:spPr>
-          <a:xfrm>
-            <a:off x="699044" y="2103120"/>
-            <a:ext cx="10375900" cy="4001588"/>
-          </a:xfrm>
-          <a:prstGeom prst="rect">
-            <a:avLst/>
-          </a:prstGeom>
-        </p:spPr>
-        <p:txBody>
-          <a:bodyPr vert="horz" lIns="91440" tIns="45720" rIns="91440" bIns="45720" rtlCol="0" anchor="ctr">
-            <a:normAutofit/>
-          </a:bodyPr>
-          <a:lstStyle>
-            <a:lvl1pPr algn="l" defTabSz="914400" rtl="0" eaLnBrk="1" latinLnBrk="0" hangingPunct="1">
-              <a:lnSpc>
-                <a:spcPct val="90000"/>
-              </a:lnSpc>
-              <a:spcBef>
-                <a:spcPct val="0"/>
-              </a:spcBef>
-              <a:buNone/>
-              <a:defRPr sz="4400" kern="1200">
-                <a:solidFill>
-                  <a:schemeClr val="tx1"/>
-                </a:solidFill>
-                <a:latin typeface="+mj-lt"/>
-                <a:ea typeface="+mj-ea"/>
-                <a:cs typeface="+mj-cs"/>
-              </a:defRPr>
-            </a:lvl1pPr>
-          </a:lstStyle>
-          <a:p>
-            <a:endParaRPr lang="en-GB" sz="2600" b="1" dirty="0" smtClean="0"/>
-          </a:p>
-          <a:p>
-            <a:pPr marL="457200" indent="-457200">
-              <a:lnSpc>
-                <a:spcPct val="114000"/>
-              </a:lnSpc>
-              <a:buFont typeface="Arial" panose="020B0604020202020204" pitchFamily="34" charset="0"/>
-              <a:buChar char="•"/>
-            </a:pPr>
-            <a:r>
-              <a:rPr lang="en-GB" sz="2600" b="1" dirty="0" smtClean="0"/>
-              <a:t>Inputs</a:t>
-            </a:r>
-            <a:r>
-              <a:rPr lang="en-GB" sz="2600" dirty="0" smtClean="0"/>
-              <a:t> </a:t>
-            </a:r>
-          </a:p>
-          <a:p>
-            <a:pPr marL="457200" indent="-457200">
-              <a:lnSpc>
-                <a:spcPct val="114000"/>
-              </a:lnSpc>
-              <a:buFont typeface="+mj-lt"/>
-              <a:buAutoNum type="arabicPeriod"/>
-            </a:pPr>
-            <a:r>
-              <a:rPr lang="en-GB" sz="2000" b="1" dirty="0" smtClean="0"/>
-              <a:t>Hazard rates (occurrence-exposure rates): </a:t>
-            </a:r>
-            <a:r>
-              <a:rPr lang="en-GB" sz="2000" dirty="0" smtClean="0"/>
-              <a:t>incidence and case fatality. Derive from national statistics or IHME GBD studies. Use </a:t>
-            </a:r>
-            <a:r>
-              <a:rPr lang="en-GB" sz="2000" dirty="0" err="1" smtClean="0"/>
-              <a:t>DisMod</a:t>
-            </a:r>
-            <a:r>
-              <a:rPr lang="en-GB" sz="2000" dirty="0" smtClean="0"/>
-              <a:t> II to case fatality from available inputs or generate internally consistent estimates. </a:t>
-            </a:r>
-          </a:p>
-          <a:p>
-            <a:pPr marL="457200" indent="-457200">
-              <a:lnSpc>
-                <a:spcPct val="114000"/>
-              </a:lnSpc>
-              <a:buFont typeface="+mj-lt"/>
-              <a:buAutoNum type="arabicPeriod"/>
-            </a:pPr>
-            <a:r>
-              <a:rPr lang="en-GB" sz="2000" b="1" dirty="0" smtClean="0"/>
-              <a:t>Population mortality rates and numbers: </a:t>
-            </a:r>
-            <a:r>
-              <a:rPr lang="en-GB" sz="2000" dirty="0" smtClean="0"/>
-              <a:t>national/local statistics</a:t>
-            </a:r>
-          </a:p>
-          <a:p>
-            <a:pPr marL="457200" indent="-457200">
-              <a:lnSpc>
-                <a:spcPct val="114000"/>
-              </a:lnSpc>
-              <a:buFont typeface="+mj-lt"/>
-              <a:buAutoNum type="arabicPeriod"/>
-            </a:pPr>
-            <a:r>
-              <a:rPr lang="en-GB" sz="2000" b="1" dirty="0" smtClean="0"/>
-              <a:t>Total </a:t>
-            </a:r>
-            <a:r>
-              <a:rPr lang="en-GB" sz="2000" b="1" dirty="0" err="1" smtClean="0"/>
-              <a:t>pYLD</a:t>
-            </a:r>
-            <a:r>
-              <a:rPr lang="en-GB" sz="2000" b="1" dirty="0" smtClean="0"/>
-              <a:t>: </a:t>
-            </a:r>
-            <a:r>
-              <a:rPr lang="en-GB" sz="2000" dirty="0" smtClean="0"/>
-              <a:t>IHME GBD</a:t>
-            </a:r>
-          </a:p>
-          <a:p>
-            <a:pPr marL="457200" indent="-457200">
-              <a:lnSpc>
-                <a:spcPct val="114000"/>
-              </a:lnSpc>
-              <a:buFont typeface="+mj-lt"/>
-              <a:buAutoNum type="arabicPeriod"/>
-            </a:pPr>
-            <a:r>
-              <a:rPr lang="en-GB" sz="2000" b="1" dirty="0" smtClean="0"/>
-              <a:t>Disability weights</a:t>
-            </a:r>
-            <a:r>
-              <a:rPr lang="en-GB" sz="2000" dirty="0" smtClean="0"/>
-              <a:t>: disease specific </a:t>
-            </a:r>
-            <a:r>
-              <a:rPr lang="en-GB" sz="2000" dirty="0" err="1" smtClean="0"/>
-              <a:t>pYLD</a:t>
-            </a:r>
-            <a:r>
-              <a:rPr lang="en-GB" sz="2000" dirty="0" smtClean="0"/>
-              <a:t>/P data from IHME GBD. </a:t>
-            </a:r>
-          </a:p>
-          <a:p>
-            <a:endParaRPr lang="en-GB" sz="2000" b="1" dirty="0" smtClean="0"/>
-          </a:p>
-          <a:p>
-            <a:r>
-              <a:rPr lang="en-GB" sz="2000" b="1" dirty="0" smtClean="0">
-                <a:solidFill>
-                  <a:srgbClr val="FF0000"/>
-                </a:solidFill>
-              </a:rPr>
-              <a:t>For now (example England/Australia), ready to use. Discussion of inputs and best approach for data standardisation. </a:t>
-            </a:r>
-          </a:p>
-          <a:p>
-            <a:pPr marL="571500" indent="-571500">
-              <a:buFont typeface="Arial" panose="020B0604020202020204" pitchFamily="34" charset="0"/>
-              <a:buChar char="•"/>
-            </a:pPr>
-            <a:endParaRPr lang="en-GB" sz="2000" dirty="0"/>
-          </a:p>
-        </p:txBody>
-      </p:sp>
       <p:sp>
         <p:nvSpPr>
           <p:cNvPr id="6" name="Title 1"/>
@@ -5855,14 +5817,68 @@
       </p:sp>
       <p:sp>
         <p:nvSpPr>
-          <p:cNvPr id="3" name="TextBox 2"/>
+          <p:cNvPr id="7" name="TextBox 6"/>
           <p:cNvSpPr txBox="1"/>
           <p:nvPr/>
         </p:nvSpPr>
         <p:spPr>
           <a:xfrm>
-            <a:off x="836023" y="1414082"/>
-            <a:ext cx="3238835" cy="523220"/>
+            <a:off x="0" y="1677728"/>
+            <a:ext cx="12192000" cy="584775"/>
+          </a:xfrm>
+          <a:prstGeom prst="rect">
+            <a:avLst/>
+          </a:prstGeom>
+          <a:solidFill>
+            <a:schemeClr val="accent6">
+              <a:lumMod val="20000"/>
+              <a:lumOff val="80000"/>
+            </a:schemeClr>
+          </a:solidFill>
+          <a:ln>
+            <a:solidFill>
+              <a:schemeClr val="bg1"/>
+            </a:solidFill>
+          </a:ln>
+        </p:spPr>
+        <p:style>
+          <a:lnRef idx="2">
+            <a:schemeClr val="dk1"/>
+          </a:lnRef>
+          <a:fillRef idx="1">
+            <a:schemeClr val="lt1"/>
+          </a:fillRef>
+          <a:effectRef idx="0">
+            <a:schemeClr val="dk1"/>
+          </a:effectRef>
+          <a:fontRef idx="minor">
+            <a:schemeClr val="dk1"/>
+          </a:fontRef>
+        </p:style>
+        <p:txBody>
+          <a:bodyPr wrap="square" rtlCol="0">
+            <a:spAutoFit/>
+          </a:bodyPr>
+          <a:lstStyle/>
+          <a:p>
+            <a:pPr algn="ctr"/>
+            <a:r>
+              <a:rPr lang="en-GB" sz="3200" b="1" dirty="0" smtClean="0"/>
+              <a:t>Functions</a:t>
+            </a:r>
+          </a:p>
+        </p:txBody>
+      </p:sp>
+      <p:sp>
+        <p:nvSpPr>
+          <p:cNvPr id="2" name="TextBox 1"/>
+          <p:cNvSpPr txBox="1"/>
+          <p:nvPr/>
+        </p:nvSpPr>
+        <p:spPr>
+          <a:xfrm>
+            <a:off x="664627" y="2525078"/>
+            <a:ext cx="10321236" cy="3785652"/>
           </a:xfrm>
           <a:prstGeom prst="rect">
             <a:avLst/>
@@ -5870,23 +5886,73 @@
           <a:noFill/>
         </p:spPr>
         <p:txBody>
-          <a:bodyPr wrap="none" rtlCol="0">
+          <a:bodyPr wrap="square" rtlCol="0">
             <a:spAutoFit/>
           </a:bodyPr>
           <a:lstStyle/>
           <a:p>
+            <a:pPr marL="342900" indent="-342900">
+              <a:lnSpc>
+                <a:spcPct val="200000"/>
+              </a:lnSpc>
+              <a:buFont typeface="+mj-lt"/>
+              <a:buAutoNum type="arabicPeriod"/>
+            </a:pPr>
             <a:r>
-              <a:rPr lang="en-GB" sz="2800" b="1" dirty="0" smtClean="0"/>
-              <a:t>Proposed R modules</a:t>
+              <a:rPr lang="en-GB" sz="2400" dirty="0" smtClean="0"/>
+              <a:t>Life table (baseline and scenario)</a:t>
             </a:r>
-            <a:endParaRPr lang="en-GB" sz="2800" b="1" dirty="0"/>
+          </a:p>
+          <a:p>
+            <a:pPr marL="342900" indent="-342900">
+              <a:lnSpc>
+                <a:spcPct val="200000"/>
+              </a:lnSpc>
+              <a:buFont typeface="+mj-lt"/>
+              <a:buAutoNum type="arabicPeriod"/>
+            </a:pPr>
+            <a:r>
+              <a:rPr lang="en-GB" sz="2400" dirty="0" smtClean="0"/>
+              <a:t>Disease life table (baseline and scenario)</a:t>
+            </a:r>
+          </a:p>
+          <a:p>
+            <a:pPr marL="342900" indent="-342900">
+              <a:lnSpc>
+                <a:spcPct val="200000"/>
+              </a:lnSpc>
+              <a:buFont typeface="+mj-lt"/>
+              <a:buAutoNum type="arabicPeriod"/>
+            </a:pPr>
+            <a:r>
+              <a:rPr lang="en-GB" sz="2400" dirty="0" smtClean="0"/>
+              <a:t>Potential impact fraction</a:t>
+            </a:r>
+          </a:p>
+          <a:p>
+            <a:pPr marL="342900" indent="-342900">
+              <a:lnSpc>
+                <a:spcPct val="200000"/>
+              </a:lnSpc>
+              <a:buFont typeface="+mj-lt"/>
+              <a:buAutoNum type="arabicPeriod"/>
+            </a:pPr>
+            <a:r>
+              <a:rPr lang="en-GB" sz="2400" dirty="0"/>
+              <a:t>Output: (1) plots (Age and sex) and (2) Aggregate outcomes (total population over the years</a:t>
+            </a:r>
+            <a:r>
+              <a:rPr lang="en-GB" sz="2400" dirty="0" smtClean="0"/>
+              <a:t>)</a:t>
+            </a:r>
+            <a:endParaRPr lang="en-GB" sz="2400" dirty="0"/>
           </a:p>
         </p:txBody>
       </p:sp>
     </p:spTree>
     <p:extLst>
       <p:ext uri="{BB962C8B-B14F-4D97-AF65-F5344CB8AC3E}">
-        <p14:creationId xmlns:p14="http://schemas.microsoft.com/office/powerpoint/2010/main" val="3163827536"/>
+        <p14:creationId xmlns:p14="http://schemas.microsoft.com/office/powerpoint/2010/main" val="3474903578"/>
       </p:ext>
     </p:extLst>
   </p:cSld>
@@ -6389,7 +6455,7 @@
           <p:nvPr>
             <p:extLst>
               <p:ext uri="{D42A27DB-BD31-4B8C-83A1-F6EECF244321}">
-                <p14:modId xmlns:p14="http://schemas.microsoft.com/office/powerpoint/2010/main" val="2072838232"/>
+                <p14:modId xmlns:p14="http://schemas.microsoft.com/office/powerpoint/2010/main" val="1209284657"/>
               </p:ext>
             </p:extLst>
           </p:nvPr>
@@ -6924,11 +6990,18 @@
                     <a:p>
                       <a:pPr algn="ctr" fontAlgn="b"/>
                       <a:r>
+                        <a:rPr lang="en-GB" sz="1200" b="0" i="0" u="none" strike="noStrike" dirty="0" smtClean="0">
+                          <a:effectLst/>
+                          <a:latin typeface="Arial" panose="020B0604020202020204" pitchFamily="34" charset="0"/>
+                        </a:rPr>
+                        <a:t>Health </a:t>
+                      </a:r>
+                      <a:r>
                         <a:rPr lang="en-GB" sz="1200" b="0" i="0" u="none" strike="noStrike" dirty="0">
                           <a:effectLst/>
                           <a:latin typeface="Arial" panose="020B0604020202020204" pitchFamily="34" charset="0"/>
                         </a:rPr>
-                        <a:t>disability adjusted person-years</a:t>
+                        <a:t>adjusted person-years</a:t>
                       </a:r>
                     </a:p>
                   </a:txBody>
@@ -9261,21 +9334,8 @@
             <a:pPr algn="ctr"/>
             <a:r>
               <a:rPr lang="en-GB" sz="4000" b="1" dirty="0"/>
-              <a:t>Equations to </a:t>
+              <a:t>Function: life table</a:t>
             </a:r>
-            <a:r>
-              <a:rPr lang="en-GB" sz="4000" b="1" dirty="0" smtClean="0"/>
-              <a:t>build </a:t>
-            </a:r>
-            <a:r>
-              <a:rPr lang="en-GB" sz="4000" b="1" dirty="0"/>
-              <a:t>a MSLT (</a:t>
-            </a:r>
-            <a:r>
-              <a:rPr lang="en-GB" sz="4000" b="1" dirty="0" smtClean="0"/>
-              <a:t>general)</a:t>
-            </a:r>
-            <a:endParaRPr lang="en-GB" sz="4000" b="1" dirty="0"/>
           </a:p>
         </p:txBody>
       </p:sp>
@@ -9558,21 +9618,16 @@
             <a:pPr algn="ctr"/>
             <a:r>
               <a:rPr lang="en-GB" sz="4000" b="1" dirty="0"/>
-              <a:t>Equations to </a:t>
+              <a:t>Function: </a:t>
             </a:r>
             <a:r>
               <a:rPr lang="en-GB" sz="4000" b="1" dirty="0" smtClean="0"/>
-              <a:t>build </a:t>
+              <a:t>disease life </a:t>
             </a:r>
             <a:r>
               <a:rPr lang="en-GB" sz="4000" b="1" dirty="0"/>
-              <a:t>a MSLT </a:t>
+              <a:t>table</a:t>
             </a:r>
-            <a:r>
-              <a:rPr lang="en-GB" sz="4000" b="1" dirty="0" smtClean="0"/>
-              <a:t>(disease)</a:t>
-            </a:r>
-            <a:endParaRPr lang="en-GB" sz="4000" b="1" dirty="0"/>
           </a:p>
         </p:txBody>
       </p:sp>
@@ -16692,21 +16747,8 @@
             <a:pPr algn="ctr"/>
             <a:r>
               <a:rPr lang="en-GB" sz="4000" b="1" dirty="0"/>
-              <a:t>Equations to </a:t>
+              <a:t>Function: disease life table</a:t>
             </a:r>
-            <a:r>
-              <a:rPr lang="en-GB" sz="4000" b="1" dirty="0" smtClean="0"/>
-              <a:t>build </a:t>
-            </a:r>
-            <a:r>
-              <a:rPr lang="en-GB" sz="4000" b="1" dirty="0"/>
-              <a:t>a MSLT </a:t>
-            </a:r>
-            <a:r>
-              <a:rPr lang="en-GB" sz="4000" b="1" dirty="0" smtClean="0"/>
-              <a:t>(PIF)</a:t>
-            </a:r>
-            <a:endParaRPr lang="en-GB" sz="4000" b="1" dirty="0"/>
           </a:p>
         </p:txBody>
       </p:sp>
@@ -19638,6 +19680,272 @@
       </p:grpSpPr>
       <p:sp>
         <p:nvSpPr>
+          <p:cNvPr id="10" name="Title 1"/>
+          <p:cNvSpPr txBox="1">
+            <a:spLocks/>
+          </p:cNvSpPr>
+          <p:nvPr/>
+        </p:nvSpPr>
+        <p:spPr>
+          <a:xfrm>
+            <a:off x="0" y="1"/>
+            <a:ext cx="12192000" cy="1094376"/>
+          </a:xfrm>
+          <a:prstGeom prst="rect">
+            <a:avLst/>
+          </a:prstGeom>
+          <a:solidFill>
+            <a:schemeClr val="accent6"/>
+          </a:solidFill>
+        </p:spPr>
+        <p:txBody>
+          <a:bodyPr vert="horz" lIns="91440" tIns="45720" rIns="91440" bIns="45720" rtlCol="0" anchor="ctr">
+            <a:normAutofit/>
+          </a:bodyPr>
+          <a:lstStyle>
+            <a:lvl1pPr algn="l" defTabSz="914400" rtl="0" eaLnBrk="1" latinLnBrk="0" hangingPunct="1">
+              <a:lnSpc>
+                <a:spcPct val="90000"/>
+              </a:lnSpc>
+              <a:spcBef>
+                <a:spcPct val="0"/>
+              </a:spcBef>
+              <a:buNone/>
+              <a:defRPr sz="4400" kern="1200">
+                <a:solidFill>
+                  <a:schemeClr val="tx1"/>
+                </a:solidFill>
+                <a:latin typeface="+mj-lt"/>
+                <a:ea typeface="+mj-ea"/>
+                <a:cs typeface="+mj-cs"/>
+              </a:defRPr>
+            </a:lvl1pPr>
+          </a:lstStyle>
+          <a:p>
+            <a:pPr algn="ctr"/>
+            <a:r>
+              <a:rPr lang="en-GB" sz="4000" b="1" dirty="0"/>
+              <a:t>Function: </a:t>
+            </a:r>
+            <a:r>
+              <a:rPr lang="en-GB" sz="4000" b="1" dirty="0" smtClean="0"/>
+              <a:t>output (plots)</a:t>
+            </a:r>
+            <a:endParaRPr lang="en-GB" sz="4000" b="1" dirty="0"/>
+          </a:p>
+        </p:txBody>
+      </p:sp>
+      <p:pic>
+        <p:nvPicPr>
+          <p:cNvPr id="2" name="Picture 1"/>
+          <p:cNvPicPr>
+            <a:picLocks noChangeAspect="1"/>
+          </p:cNvPicPr>
+          <p:nvPr/>
+        </p:nvPicPr>
+        <p:blipFill>
+          <a:blip r:embed="rId2"/>
+          <a:stretch>
+            <a:fillRect/>
+          </a:stretch>
+        </p:blipFill>
+        <p:spPr>
+          <a:xfrm>
+            <a:off x="215409" y="1437171"/>
+            <a:ext cx="5587585" cy="3448338"/>
+          </a:xfrm>
+          <a:prstGeom prst="rect">
+            <a:avLst/>
+          </a:prstGeom>
+        </p:spPr>
+      </p:pic>
+      <p:pic>
+        <p:nvPicPr>
+          <p:cNvPr id="4" name="Picture 3"/>
+          <p:cNvPicPr>
+            <a:picLocks noChangeAspect="1"/>
+          </p:cNvPicPr>
+          <p:nvPr/>
+        </p:nvPicPr>
+        <p:blipFill>
+          <a:blip r:embed="rId3"/>
+          <a:stretch>
+            <a:fillRect/>
+          </a:stretch>
+        </p:blipFill>
+        <p:spPr>
+          <a:xfrm>
+            <a:off x="6466295" y="3161340"/>
+            <a:ext cx="4635084" cy="2860509"/>
+          </a:xfrm>
+          <a:prstGeom prst="rect">
+            <a:avLst/>
+          </a:prstGeom>
+        </p:spPr>
+      </p:pic>
+    </p:spTree>
+    <p:extLst>
+      <p:ext uri="{BB962C8B-B14F-4D97-AF65-F5344CB8AC3E}">
+        <p14:creationId xmlns:p14="http://schemas.microsoft.com/office/powerpoint/2010/main" val="3606288427"/>
+      </p:ext>
+    </p:extLst>
+  </p:cSld>
+  <p:clrMapOvr>
+    <a:masterClrMapping/>
+  </p:clrMapOvr>
+</p:sld>
+</file>
+
+<file path=ppt/slides/slide17.xml><?xml version="1.0" encoding="utf-8"?>
+<p:sld xmlns:a="http://schemas.openxmlformats.org/drawingml/2006/main" xmlns:r="http://schemas.openxmlformats.org/officeDocument/2006/relationships" xmlns:p="http://schemas.openxmlformats.org/presentationml/2006/main">
+  <p:cSld>
+    <p:spTree>
+      <p:nvGrpSpPr>
+        <p:cNvPr id="1" name=""/>
+        <p:cNvGrpSpPr/>
+        <p:nvPr/>
+      </p:nvGrpSpPr>
+      <p:grpSpPr>
+        <a:xfrm>
+          <a:off x="0" y="0"/>
+          <a:ext cx="0" cy="0"/>
+          <a:chOff x="0" y="0"/>
+          <a:chExt cx="0" cy="0"/>
+        </a:xfrm>
+      </p:grpSpPr>
+      <p:sp>
+        <p:nvSpPr>
+          <p:cNvPr id="10" name="Title 1"/>
+          <p:cNvSpPr txBox="1">
+            <a:spLocks/>
+          </p:cNvSpPr>
+          <p:nvPr/>
+        </p:nvSpPr>
+        <p:spPr>
+          <a:xfrm>
+            <a:off x="0" y="1"/>
+            <a:ext cx="12192000" cy="1094376"/>
+          </a:xfrm>
+          <a:prstGeom prst="rect">
+            <a:avLst/>
+          </a:prstGeom>
+          <a:solidFill>
+            <a:schemeClr val="accent6"/>
+          </a:solidFill>
+        </p:spPr>
+        <p:txBody>
+          <a:bodyPr vert="horz" lIns="91440" tIns="45720" rIns="91440" bIns="45720" rtlCol="0" anchor="ctr">
+            <a:normAutofit/>
+          </a:bodyPr>
+          <a:lstStyle>
+            <a:lvl1pPr algn="l" defTabSz="914400" rtl="0" eaLnBrk="1" latinLnBrk="0" hangingPunct="1">
+              <a:lnSpc>
+                <a:spcPct val="90000"/>
+              </a:lnSpc>
+              <a:spcBef>
+                <a:spcPct val="0"/>
+              </a:spcBef>
+              <a:buNone/>
+              <a:defRPr sz="4400" kern="1200">
+                <a:solidFill>
+                  <a:schemeClr val="tx1"/>
+                </a:solidFill>
+                <a:latin typeface="+mj-lt"/>
+                <a:ea typeface="+mj-ea"/>
+                <a:cs typeface="+mj-cs"/>
+              </a:defRPr>
+            </a:lvl1pPr>
+          </a:lstStyle>
+          <a:p>
+            <a:pPr algn="ctr"/>
+            <a:r>
+              <a:rPr lang="en-GB" sz="4000" b="1" dirty="0" smtClean="0"/>
+              <a:t>Function + script: output (aggregate outcomes)</a:t>
+            </a:r>
+            <a:endParaRPr lang="en-GB" sz="4000" b="1" dirty="0"/>
+          </a:p>
+        </p:txBody>
+      </p:sp>
+      <p:pic>
+        <p:nvPicPr>
+          <p:cNvPr id="2" name="Picture 1"/>
+          <p:cNvPicPr>
+            <a:picLocks noChangeAspect="1"/>
+          </p:cNvPicPr>
+          <p:nvPr/>
+        </p:nvPicPr>
+        <p:blipFill>
+          <a:blip r:embed="rId2"/>
+          <a:stretch>
+            <a:fillRect/>
+          </a:stretch>
+        </p:blipFill>
+        <p:spPr>
+          <a:xfrm>
+            <a:off x="411353" y="1515547"/>
+            <a:ext cx="5968586" cy="3683470"/>
+          </a:xfrm>
+          <a:prstGeom prst="rect">
+            <a:avLst/>
+          </a:prstGeom>
+        </p:spPr>
+      </p:pic>
+      <p:pic>
+        <p:nvPicPr>
+          <p:cNvPr id="4" name="Picture 3"/>
+          <p:cNvPicPr>
+            <a:picLocks noChangeAspect="1"/>
+          </p:cNvPicPr>
+          <p:nvPr/>
+        </p:nvPicPr>
+        <p:blipFill>
+          <a:blip r:embed="rId3"/>
+          <a:stretch>
+            <a:fillRect/>
+          </a:stretch>
+        </p:blipFill>
+        <p:spPr>
+          <a:xfrm>
+            <a:off x="6379939" y="1776550"/>
+            <a:ext cx="5079997" cy="3135084"/>
+          </a:xfrm>
+          <a:prstGeom prst="rect">
+            <a:avLst/>
+          </a:prstGeom>
+        </p:spPr>
+      </p:pic>
+    </p:spTree>
+    <p:extLst>
+      <p:ext uri="{BB962C8B-B14F-4D97-AF65-F5344CB8AC3E}">
+        <p14:creationId xmlns:p14="http://schemas.microsoft.com/office/powerpoint/2010/main" val="922570554"/>
+      </p:ext>
+    </p:extLst>
+  </p:cSld>
+  <p:clrMapOvr>
+    <a:masterClrMapping/>
+  </p:clrMapOvr>
+</p:sld>
+</file>
+
+<file path=ppt/slides/slide18.xml><?xml version="1.0" encoding="utf-8"?>
+<p:sld xmlns:a="http://schemas.openxmlformats.org/drawingml/2006/main" xmlns:r="http://schemas.openxmlformats.org/officeDocument/2006/relationships" xmlns:p="http://schemas.openxmlformats.org/presentationml/2006/main">
+  <p:cSld>
+    <p:spTree>
+      <p:nvGrpSpPr>
+        <p:cNvPr id="1" name=""/>
+        <p:cNvGrpSpPr/>
+        <p:nvPr/>
+      </p:nvGrpSpPr>
+      <p:grpSpPr>
+        <a:xfrm>
+          <a:off x="0" y="0"/>
+          <a:ext cx="0" cy="0"/>
+          <a:chOff x="0" y="0"/>
+          <a:chExt cx="0" cy="0"/>
+        </a:xfrm>
+      </p:grpSpPr>
+      <p:sp>
+        <p:nvSpPr>
           <p:cNvPr id="5" name="Title 1"/>
           <p:cNvSpPr txBox="1">
             <a:spLocks/>
@@ -19685,120 +19993,9 @@
                 <a:spcPts val="600"/>
               </a:spcBef>
             </a:pPr>
-            <a:r>
-              <a:rPr lang="en-GB" sz="2800" b="1" dirty="0" smtClean="0">
-                <a:latin typeface="+mn-lt"/>
-              </a:rPr>
-              <a:t>Model assumptions: </a:t>
-            </a:r>
-          </a:p>
-          <a:p>
-            <a:pPr marL="342900" indent="-342900">
-              <a:lnSpc>
-                <a:spcPct val="124000"/>
-              </a:lnSpc>
-              <a:spcBef>
-                <a:spcPts val="600"/>
-              </a:spcBef>
-              <a:buFont typeface="Arial" panose="020B0604020202020204" pitchFamily="34" charset="0"/>
-              <a:buChar char="•"/>
-            </a:pPr>
-            <a:r>
-              <a:rPr lang="en-GB" sz="2000" dirty="0" smtClean="0">
-                <a:latin typeface="+mn-lt"/>
-              </a:rPr>
-              <a:t>Mortality from all other causes is independent of the diseases, i.e. that is the same for healthy and diseased people, this implies that the transition hazards for incidence, remission and case fatality are not affected by the value of the ‘all other causes’ mortality. </a:t>
-            </a:r>
-            <a:endParaRPr lang="en-GB" sz="2000" b="1" dirty="0">
+            <a:endParaRPr lang="en-GB" sz="2000" dirty="0" smtClean="0">
               <a:latin typeface="+mn-lt"/>
             </a:endParaRPr>
-          </a:p>
-          <a:p>
-            <a:pPr marL="342900" indent="-342900">
-              <a:lnSpc>
-                <a:spcPct val="124000"/>
-              </a:lnSpc>
-              <a:spcBef>
-                <a:spcPts val="600"/>
-              </a:spcBef>
-              <a:buFont typeface="Arial" panose="020B0604020202020204" pitchFamily="34" charset="0"/>
-              <a:buChar char="•"/>
-            </a:pPr>
-            <a:r>
-              <a:rPr lang="en-GB" sz="2000" dirty="0" smtClean="0">
-                <a:latin typeface="+mn-lt"/>
-              </a:rPr>
-              <a:t>Diseases’ are independent, that is to say, diseases prevalence, when reported as the total over the total population, is also unaffected by other diseases. </a:t>
-            </a:r>
-            <a:endParaRPr lang="en-GB" sz="2000" dirty="0">
-              <a:latin typeface="+mn-lt"/>
-            </a:endParaRPr>
-          </a:p>
-          <a:p>
-            <a:pPr marL="342900" indent="-342900">
-              <a:lnSpc>
-                <a:spcPct val="124000"/>
-              </a:lnSpc>
-              <a:spcBef>
-                <a:spcPts val="600"/>
-              </a:spcBef>
-              <a:buFont typeface="Arial" panose="020B0604020202020204" pitchFamily="34" charset="0"/>
-              <a:buChar char="•"/>
-            </a:pPr>
-            <a:r>
-              <a:rPr lang="en-GB" sz="2000" dirty="0" smtClean="0">
-                <a:latin typeface="+mn-lt"/>
-              </a:rPr>
-              <a:t>Disease specific mortality stands for all excess mortality caused by the disease. </a:t>
-            </a:r>
-          </a:p>
-          <a:p>
-            <a:pPr marL="342900" indent="-342900">
-              <a:lnSpc>
-                <a:spcPct val="124000"/>
-              </a:lnSpc>
-              <a:spcBef>
-                <a:spcPts val="600"/>
-              </a:spcBef>
-              <a:buFont typeface="Arial" panose="020B0604020202020204" pitchFamily="34" charset="0"/>
-              <a:buChar char="•"/>
-            </a:pPr>
-            <a:r>
-              <a:rPr lang="en-GB" sz="2000" dirty="0" smtClean="0">
-                <a:latin typeface="+mn-lt"/>
-              </a:rPr>
-              <a:t>Within an age interval transition hazards are assumed constant, so calculation are done in one year age intervals. </a:t>
-            </a:r>
-          </a:p>
-          <a:p>
-            <a:pPr marL="342900" indent="-342900">
-              <a:lnSpc>
-                <a:spcPct val="124000"/>
-              </a:lnSpc>
-              <a:spcBef>
-                <a:spcPts val="600"/>
-              </a:spcBef>
-              <a:buFont typeface="Arial" panose="020B0604020202020204" pitchFamily="34" charset="0"/>
-              <a:buChar char="•"/>
-            </a:pPr>
-            <a:r>
-              <a:rPr lang="en-GB" sz="2000" dirty="0" smtClean="0">
-                <a:latin typeface="+mn-lt"/>
-              </a:rPr>
-              <a:t>Markov type model: </a:t>
-            </a:r>
-            <a:r>
-              <a:rPr lang="en-GB" sz="2000" dirty="0" err="1" smtClean="0">
-                <a:latin typeface="+mn-lt"/>
-              </a:rPr>
-              <a:t>markovian</a:t>
-            </a:r>
-            <a:r>
-              <a:rPr lang="en-GB" sz="2000" dirty="0" smtClean="0">
-                <a:latin typeface="+mn-lt"/>
-              </a:rPr>
-              <a:t> assumption, current state occupancy is not related to occupancy in an earlier state. </a:t>
-            </a:r>
           </a:p>
         </p:txBody>
       </p:sp>
@@ -19849,12 +20046,42 @@
             <a:pPr algn="ctr"/>
             <a:r>
               <a:rPr lang="en-GB" sz="4000" b="1" dirty="0" smtClean="0"/>
-              <a:t>Proportional multi-state life table model</a:t>
+              <a:t>PMSLT: Summary</a:t>
             </a:r>
             <a:endParaRPr lang="en-GB" sz="4000" b="1" dirty="0"/>
           </a:p>
         </p:txBody>
       </p:sp>
+      <p:pic>
+        <p:nvPicPr>
+          <p:cNvPr id="4" name="Picture 3"/>
+          <p:cNvPicPr>
+            <a:picLocks noChangeAspect="1"/>
+          </p:cNvPicPr>
+          <p:nvPr/>
+        </p:nvPicPr>
+        <p:blipFill>
+          <a:blip r:embed="rId3">
+            <a:extLst>
+              <a:ext uri="{28A0092B-C50C-407E-A947-70E740481C1C}">
+                <a14:useLocalDpi xmlns:a14="http://schemas.microsoft.com/office/drawing/2010/main" val="0"/>
+              </a:ext>
+            </a:extLst>
+          </a:blip>
+          <a:stretch>
+            <a:fillRect/>
+          </a:stretch>
+        </p:blipFill>
+        <p:spPr>
+          <a:xfrm>
+            <a:off x="977900" y="826672"/>
+            <a:ext cx="10147949" cy="6031328"/>
+          </a:xfrm>
+          <a:prstGeom prst="rect">
+            <a:avLst/>
+          </a:prstGeom>
+        </p:spPr>
+      </p:pic>
     </p:spTree>
     <p:extLst>
       <p:ext uri="{BB962C8B-B14F-4D97-AF65-F5344CB8AC3E}">
@@ -19865,10 +20092,950 @@
   <p:clrMapOvr>
     <a:masterClrMapping/>
   </p:clrMapOvr>
+  <p:timing>
+    <p:tnLst>
+      <p:par>
+        <p:cTn id="1" dur="indefinite" restart="never" nodeType="tmRoot"/>
+      </p:par>
+    </p:tnLst>
+  </p:timing>
 </p:sld>
 </file>
 
-<file path=ppt/slides/slide17.xml><?xml version="1.0" encoding="utf-8"?>
+<file path=ppt/slides/slide19.xml><?xml version="1.0" encoding="utf-8"?>
+<p:sld xmlns:a="http://schemas.openxmlformats.org/drawingml/2006/main" xmlns:r="http://schemas.openxmlformats.org/officeDocument/2006/relationships" xmlns:p="http://schemas.openxmlformats.org/presentationml/2006/main">
+  <p:cSld>
+    <p:spTree>
+      <p:nvGrpSpPr>
+        <p:cNvPr id="1" name=""/>
+        <p:cNvGrpSpPr/>
+        <p:nvPr/>
+      </p:nvGrpSpPr>
+      <p:grpSpPr>
+        <a:xfrm>
+          <a:off x="0" y="0"/>
+          <a:ext cx="0" cy="0"/>
+          <a:chOff x="0" y="0"/>
+          <a:chExt cx="0" cy="0"/>
+        </a:xfrm>
+      </p:grpSpPr>
+      <p:sp>
+        <p:nvSpPr>
+          <p:cNvPr id="5" name="Title 1"/>
+          <p:cNvSpPr txBox="1">
+            <a:spLocks/>
+          </p:cNvSpPr>
+          <p:nvPr/>
+        </p:nvSpPr>
+        <p:spPr>
+          <a:xfrm>
+            <a:off x="977900" y="1165225"/>
+            <a:ext cx="10375900" cy="5091884"/>
+          </a:xfrm>
+          <a:prstGeom prst="rect">
+            <a:avLst/>
+          </a:prstGeom>
+        </p:spPr>
+        <p:txBody>
+          <a:bodyPr vert="horz" lIns="91440" tIns="45720" rIns="91440" bIns="45720" rtlCol="0" anchor="ctr">
+            <a:normAutofit/>
+          </a:bodyPr>
+          <a:lstStyle>
+            <a:lvl1pPr algn="l" defTabSz="914400" rtl="0" eaLnBrk="1" latinLnBrk="0" hangingPunct="1">
+              <a:lnSpc>
+                <a:spcPct val="90000"/>
+              </a:lnSpc>
+              <a:spcBef>
+                <a:spcPct val="0"/>
+              </a:spcBef>
+              <a:buNone/>
+              <a:defRPr sz="4400" kern="1200">
+                <a:solidFill>
+                  <a:schemeClr val="tx1"/>
+                </a:solidFill>
+                <a:latin typeface="+mj-lt"/>
+                <a:ea typeface="+mj-ea"/>
+                <a:cs typeface="+mj-cs"/>
+              </a:defRPr>
+            </a:lvl1pPr>
+          </a:lstStyle>
+          <a:p>
+            <a:pPr>
+              <a:lnSpc>
+                <a:spcPct val="124000"/>
+              </a:lnSpc>
+              <a:spcBef>
+                <a:spcPts val="600"/>
+              </a:spcBef>
+            </a:pPr>
+            <a:endParaRPr lang="en-GB" sz="2000" dirty="0" smtClean="0">
+              <a:latin typeface="+mn-lt"/>
+            </a:endParaRPr>
+          </a:p>
+        </p:txBody>
+      </p:sp>
+      <p:sp>
+        <p:nvSpPr>
+          <p:cNvPr id="6" name="Title 1"/>
+          <p:cNvSpPr txBox="1">
+            <a:spLocks/>
+          </p:cNvSpPr>
+          <p:nvPr/>
+        </p:nvSpPr>
+        <p:spPr>
+          <a:xfrm>
+            <a:off x="0" y="1"/>
+            <a:ext cx="12192000" cy="1094376"/>
+          </a:xfrm>
+          <a:prstGeom prst="rect">
+            <a:avLst/>
+          </a:prstGeom>
+          <a:solidFill>
+            <a:schemeClr val="accent6"/>
+          </a:solidFill>
+        </p:spPr>
+        <p:txBody>
+          <a:bodyPr vert="horz" lIns="91440" tIns="45720" rIns="91440" bIns="45720" rtlCol="0" anchor="ctr">
+            <a:normAutofit/>
+          </a:bodyPr>
+          <a:lstStyle>
+            <a:lvl1pPr algn="l" defTabSz="914400" rtl="0" eaLnBrk="1" latinLnBrk="0" hangingPunct="1">
+              <a:lnSpc>
+                <a:spcPct val="90000"/>
+              </a:lnSpc>
+              <a:spcBef>
+                <a:spcPct val="0"/>
+              </a:spcBef>
+              <a:buNone/>
+              <a:defRPr sz="4400" kern="1200">
+                <a:solidFill>
+                  <a:schemeClr val="tx1"/>
+                </a:solidFill>
+                <a:latin typeface="+mj-lt"/>
+                <a:ea typeface="+mj-ea"/>
+                <a:cs typeface="+mj-cs"/>
+              </a:defRPr>
+            </a:lvl1pPr>
+          </a:lstStyle>
+          <a:p>
+            <a:pPr algn="ctr"/>
+            <a:r>
+              <a:rPr lang="en-GB" sz="4000" b="1" dirty="0" smtClean="0"/>
+              <a:t>PMSLT: Summary inputs</a:t>
+            </a:r>
+            <a:endParaRPr lang="en-GB" sz="4000" b="1" dirty="0"/>
+          </a:p>
+        </p:txBody>
+      </p:sp>
+      <p:pic>
+        <p:nvPicPr>
+          <p:cNvPr id="7" name="Picture 6"/>
+          <p:cNvPicPr>
+            <a:picLocks noChangeAspect="1"/>
+          </p:cNvPicPr>
+          <p:nvPr/>
+        </p:nvPicPr>
+        <p:blipFill>
+          <a:blip r:embed="rId3"/>
+          <a:stretch>
+            <a:fillRect/>
+          </a:stretch>
+        </p:blipFill>
+        <p:spPr>
+          <a:xfrm>
+            <a:off x="1724297" y="1273070"/>
+            <a:ext cx="7814137" cy="4722769"/>
+          </a:xfrm>
+          <a:prstGeom prst="rect">
+            <a:avLst/>
+          </a:prstGeom>
+        </p:spPr>
+      </p:pic>
+    </p:spTree>
+    <p:extLst>
+      <p:ext uri="{BB962C8B-B14F-4D97-AF65-F5344CB8AC3E}">
+        <p14:creationId xmlns:p14="http://schemas.microsoft.com/office/powerpoint/2010/main" val="3882697059"/>
+      </p:ext>
+    </p:extLst>
+  </p:cSld>
+  <p:clrMapOvr>
+    <a:masterClrMapping/>
+  </p:clrMapOvr>
+  <p:timing>
+    <p:tnLst>
+      <p:par>
+        <p:cTn id="1" dur="indefinite" restart="never" nodeType="tmRoot"/>
+      </p:par>
+    </p:tnLst>
+  </p:timing>
+</p:sld>
+</file>
+
+<file path=ppt/slides/slide2.xml><?xml version="1.0" encoding="utf-8"?>
+<p:sld xmlns:a="http://schemas.openxmlformats.org/drawingml/2006/main" xmlns:r="http://schemas.openxmlformats.org/officeDocument/2006/relationships" xmlns:p="http://schemas.openxmlformats.org/presentationml/2006/main">
+  <p:cSld>
+    <p:spTree>
+      <p:nvGrpSpPr>
+        <p:cNvPr id="1" name=""/>
+        <p:cNvGrpSpPr/>
+        <p:nvPr/>
+      </p:nvGrpSpPr>
+      <p:grpSpPr>
+        <a:xfrm>
+          <a:off x="0" y="0"/>
+          <a:ext cx="0" cy="0"/>
+          <a:chOff x="0" y="0"/>
+          <a:chExt cx="0" cy="0"/>
+        </a:xfrm>
+      </p:grpSpPr>
+      <p:sp>
+        <p:nvSpPr>
+          <p:cNvPr id="4" name="Title 1"/>
+          <p:cNvSpPr>
+            <a:spLocks noGrp="1"/>
+          </p:cNvSpPr>
+          <p:nvPr>
+            <p:ph type="title"/>
+          </p:nvPr>
+        </p:nvSpPr>
+        <p:spPr>
+          <a:xfrm>
+            <a:off x="0" y="1"/>
+            <a:ext cx="12192000" cy="1094376"/>
+          </a:xfrm>
+          <a:solidFill>
+            <a:schemeClr val="accent6"/>
+          </a:solidFill>
+        </p:spPr>
+        <p:txBody>
+          <a:bodyPr>
+            <a:normAutofit/>
+          </a:bodyPr>
+          <a:lstStyle/>
+          <a:p>
+            <a:pPr algn="ctr"/>
+            <a:r>
+              <a:rPr lang="en-GB" sz="4000" b="1" dirty="0" smtClean="0"/>
+              <a:t>Proportional multi-state life table model</a:t>
+            </a:r>
+            <a:endParaRPr lang="en-GB" sz="4000" b="1" dirty="0"/>
+          </a:p>
+        </p:txBody>
+      </p:sp>
+      <p:sp>
+        <p:nvSpPr>
+          <p:cNvPr id="5" name="Title 1"/>
+          <p:cNvSpPr txBox="1">
+            <a:spLocks/>
+          </p:cNvSpPr>
+          <p:nvPr/>
+        </p:nvSpPr>
+        <p:spPr>
+          <a:xfrm>
+            <a:off x="3137764" y="1960425"/>
+            <a:ext cx="8451669" cy="2912310"/>
+          </a:xfrm>
+          <a:prstGeom prst="rect">
+            <a:avLst/>
+          </a:prstGeom>
+        </p:spPr>
+        <p:txBody>
+          <a:bodyPr vert="horz" lIns="91440" tIns="45720" rIns="91440" bIns="45720" rtlCol="0" anchor="ctr">
+            <a:normAutofit/>
+          </a:bodyPr>
+          <a:lstStyle>
+            <a:lvl1pPr algn="l" defTabSz="914400" rtl="0" eaLnBrk="1" latinLnBrk="0" hangingPunct="1">
+              <a:lnSpc>
+                <a:spcPct val="90000"/>
+              </a:lnSpc>
+              <a:spcBef>
+                <a:spcPct val="0"/>
+              </a:spcBef>
+              <a:buNone/>
+              <a:defRPr sz="4400" kern="1200">
+                <a:solidFill>
+                  <a:schemeClr val="tx1"/>
+                </a:solidFill>
+                <a:latin typeface="+mj-lt"/>
+                <a:ea typeface="+mj-ea"/>
+                <a:cs typeface="+mj-cs"/>
+              </a:defRPr>
+            </a:lvl1pPr>
+          </a:lstStyle>
+          <a:p>
+            <a:pPr marL="571500" indent="-571500">
+              <a:lnSpc>
+                <a:spcPct val="100000"/>
+              </a:lnSpc>
+              <a:spcBef>
+                <a:spcPts val="0"/>
+              </a:spcBef>
+              <a:buFont typeface="Arial" panose="020B0604020202020204" pitchFamily="34" charset="0"/>
+              <a:buChar char="•"/>
+            </a:pPr>
+            <a:r>
+              <a:rPr lang="en-GB" sz="2400" dirty="0">
+                <a:latin typeface="+mn-lt"/>
+              </a:rPr>
+              <a:t>Q</a:t>
+            </a:r>
+            <a:r>
+              <a:rPr lang="en-GB" sz="2400" dirty="0" smtClean="0">
+                <a:latin typeface="+mn-lt"/>
+              </a:rPr>
+              <a:t>uantify the health impact of changes in exposure to health risk factors</a:t>
+            </a:r>
+          </a:p>
+          <a:p>
+            <a:pPr marL="571500" indent="-571500">
+              <a:lnSpc>
+                <a:spcPct val="100000"/>
+              </a:lnSpc>
+              <a:spcBef>
+                <a:spcPts val="0"/>
+              </a:spcBef>
+              <a:buFont typeface="Arial" panose="020B0604020202020204" pitchFamily="34" charset="0"/>
+              <a:buChar char="•"/>
+            </a:pPr>
+            <a:r>
+              <a:rPr lang="en-GB" sz="2400" dirty="0" smtClean="0">
+                <a:latin typeface="+mn-lt"/>
+              </a:rPr>
+              <a:t>Comparative risk assessment tool: what if?</a:t>
+            </a:r>
+          </a:p>
+          <a:p>
+            <a:pPr marL="571500" indent="-571500">
+              <a:lnSpc>
+                <a:spcPct val="100000"/>
+              </a:lnSpc>
+              <a:spcBef>
+                <a:spcPts val="0"/>
+              </a:spcBef>
+              <a:buFont typeface="Arial" panose="020B0604020202020204" pitchFamily="34" charset="0"/>
+              <a:buChar char="•"/>
+            </a:pPr>
+            <a:r>
+              <a:rPr lang="en-GB" sz="2400" dirty="0" smtClean="0">
+                <a:latin typeface="+mn-lt"/>
+              </a:rPr>
+              <a:t>Comparison of a policy scenario/intervention with baseline scenario</a:t>
+            </a:r>
+            <a:endParaRPr lang="en-GB" dirty="0" smtClean="0"/>
+          </a:p>
+        </p:txBody>
+      </p:sp>
+      <p:sp>
+        <p:nvSpPr>
+          <p:cNvPr id="2" name="TextBox 1"/>
+          <p:cNvSpPr txBox="1"/>
+          <p:nvPr/>
+        </p:nvSpPr>
+        <p:spPr>
+          <a:xfrm>
+            <a:off x="0" y="1677728"/>
+            <a:ext cx="12192000" cy="584775"/>
+          </a:xfrm>
+          <a:prstGeom prst="rect">
+            <a:avLst/>
+          </a:prstGeom>
+          <a:solidFill>
+            <a:schemeClr val="accent6">
+              <a:lumMod val="20000"/>
+              <a:lumOff val="80000"/>
+            </a:schemeClr>
+          </a:solidFill>
+          <a:ln>
+            <a:solidFill>
+              <a:schemeClr val="bg1"/>
+            </a:solidFill>
+          </a:ln>
+        </p:spPr>
+        <p:style>
+          <a:lnRef idx="2">
+            <a:schemeClr val="dk1"/>
+          </a:lnRef>
+          <a:fillRef idx="1">
+            <a:schemeClr val="lt1"/>
+          </a:fillRef>
+          <a:effectRef idx="0">
+            <a:schemeClr val="dk1"/>
+          </a:effectRef>
+          <a:fontRef idx="minor">
+            <a:schemeClr val="dk1"/>
+          </a:fontRef>
+        </p:style>
+        <p:txBody>
+          <a:bodyPr wrap="square" rtlCol="0">
+            <a:spAutoFit/>
+          </a:bodyPr>
+          <a:lstStyle/>
+          <a:p>
+            <a:pPr algn="ctr"/>
+            <a:r>
+              <a:rPr lang="en-GB" sz="3200" b="1" dirty="0" smtClean="0"/>
+              <a:t>Health simulation modelling tool</a:t>
+            </a:r>
+            <a:endParaRPr lang="en-GB" sz="3200" b="1" dirty="0"/>
+          </a:p>
+        </p:txBody>
+      </p:sp>
+      <p:sp>
+        <p:nvSpPr>
+          <p:cNvPr id="8" name="Left Brace 7"/>
+          <p:cNvSpPr/>
+          <p:nvPr/>
+        </p:nvSpPr>
+        <p:spPr>
+          <a:xfrm>
+            <a:off x="2817988" y="2442755"/>
+            <a:ext cx="418130" cy="1846628"/>
+          </a:xfrm>
+          <a:prstGeom prst="leftBrace">
+            <a:avLst/>
+          </a:prstGeom>
+          <a:ln w="38100">
+            <a:solidFill>
+              <a:schemeClr val="tx1"/>
+            </a:solidFill>
+          </a:ln>
+        </p:spPr>
+        <p:style>
+          <a:lnRef idx="1">
+            <a:schemeClr val="accent1"/>
+          </a:lnRef>
+          <a:fillRef idx="0">
+            <a:schemeClr val="accent1"/>
+          </a:fillRef>
+          <a:effectRef idx="0">
+            <a:schemeClr val="accent1"/>
+          </a:effectRef>
+          <a:fontRef idx="minor">
+            <a:schemeClr val="tx1"/>
+          </a:fontRef>
+        </p:style>
+        <p:txBody>
+          <a:bodyPr rtlCol="0" anchor="ctr"/>
+          <a:lstStyle/>
+          <a:p>
+            <a:pPr algn="ctr"/>
+            <a:endParaRPr lang="en-GB"/>
+          </a:p>
+        </p:txBody>
+      </p:sp>
+      <p:sp>
+        <p:nvSpPr>
+          <p:cNvPr id="9" name="Left Brace 8"/>
+          <p:cNvSpPr/>
+          <p:nvPr/>
+        </p:nvSpPr>
+        <p:spPr>
+          <a:xfrm>
+            <a:off x="2891941" y="4832547"/>
+            <a:ext cx="251015" cy="1449977"/>
+          </a:xfrm>
+          <a:prstGeom prst="leftBrace">
+            <a:avLst/>
+          </a:prstGeom>
+          <a:ln w="38100">
+            <a:solidFill>
+              <a:schemeClr val="tx1"/>
+            </a:solidFill>
+          </a:ln>
+        </p:spPr>
+        <p:style>
+          <a:lnRef idx="1">
+            <a:schemeClr val="accent1"/>
+          </a:lnRef>
+          <a:fillRef idx="0">
+            <a:schemeClr val="accent1"/>
+          </a:fillRef>
+          <a:effectRef idx="0">
+            <a:schemeClr val="accent1"/>
+          </a:effectRef>
+          <a:fontRef idx="minor">
+            <a:schemeClr val="tx1"/>
+          </a:fontRef>
+        </p:style>
+        <p:txBody>
+          <a:bodyPr rtlCol="0" anchor="ctr"/>
+          <a:lstStyle/>
+          <a:p>
+            <a:pPr algn="ctr"/>
+            <a:endParaRPr lang="en-GB"/>
+          </a:p>
+        </p:txBody>
+      </p:sp>
+      <p:sp>
+        <p:nvSpPr>
+          <p:cNvPr id="10" name="TextBox 9"/>
+          <p:cNvSpPr txBox="1"/>
+          <p:nvPr/>
+        </p:nvSpPr>
+        <p:spPr>
+          <a:xfrm>
+            <a:off x="483326" y="3104459"/>
+            <a:ext cx="2068285" cy="523220"/>
+          </a:xfrm>
+          <a:prstGeom prst="rect">
+            <a:avLst/>
+          </a:prstGeom>
+          <a:ln>
+            <a:solidFill>
+              <a:schemeClr val="bg1"/>
+            </a:solidFill>
+          </a:ln>
+        </p:spPr>
+        <p:style>
+          <a:lnRef idx="2">
+            <a:schemeClr val="dk1"/>
+          </a:lnRef>
+          <a:fillRef idx="1">
+            <a:schemeClr val="lt1"/>
+          </a:fillRef>
+          <a:effectRef idx="0">
+            <a:schemeClr val="dk1"/>
+          </a:effectRef>
+          <a:fontRef idx="minor">
+            <a:schemeClr val="dk1"/>
+          </a:fontRef>
+        </p:style>
+        <p:txBody>
+          <a:bodyPr wrap="square" rtlCol="0">
+            <a:spAutoFit/>
+          </a:bodyPr>
+          <a:lstStyle/>
+          <a:p>
+            <a:r>
+              <a:rPr lang="en-GB" sz="2800" dirty="0" smtClean="0"/>
+              <a:t>What for?</a:t>
+            </a:r>
+            <a:endParaRPr lang="en-GB" sz="2800" dirty="0"/>
+          </a:p>
+        </p:txBody>
+      </p:sp>
+      <p:sp>
+        <p:nvSpPr>
+          <p:cNvPr id="11" name="TextBox 10"/>
+          <p:cNvSpPr txBox="1"/>
+          <p:nvPr/>
+        </p:nvSpPr>
+        <p:spPr>
+          <a:xfrm>
+            <a:off x="483326" y="5295926"/>
+            <a:ext cx="2068285" cy="523220"/>
+          </a:xfrm>
+          <a:prstGeom prst="rect">
+            <a:avLst/>
+          </a:prstGeom>
+          <a:ln>
+            <a:solidFill>
+              <a:schemeClr val="bg1"/>
+            </a:solidFill>
+          </a:ln>
+        </p:spPr>
+        <p:style>
+          <a:lnRef idx="2">
+            <a:schemeClr val="dk1"/>
+          </a:lnRef>
+          <a:fillRef idx="1">
+            <a:schemeClr val="lt1"/>
+          </a:fillRef>
+          <a:effectRef idx="0">
+            <a:schemeClr val="dk1"/>
+          </a:effectRef>
+          <a:fontRef idx="minor">
+            <a:schemeClr val="dk1"/>
+          </a:fontRef>
+        </p:style>
+        <p:txBody>
+          <a:bodyPr wrap="square" rtlCol="0">
+            <a:spAutoFit/>
+          </a:bodyPr>
+          <a:lstStyle/>
+          <a:p>
+            <a:r>
+              <a:rPr lang="en-GB" sz="2800" dirty="0" smtClean="0"/>
+              <a:t>Applications</a:t>
+            </a:r>
+            <a:endParaRPr lang="en-GB" sz="2800" dirty="0"/>
+          </a:p>
+        </p:txBody>
+      </p:sp>
+      <p:sp>
+        <p:nvSpPr>
+          <p:cNvPr id="12" name="Title 1"/>
+          <p:cNvSpPr txBox="1">
+            <a:spLocks/>
+          </p:cNvSpPr>
+          <p:nvPr/>
+        </p:nvSpPr>
+        <p:spPr>
+          <a:xfrm>
+            <a:off x="3302844" y="5149765"/>
+            <a:ext cx="8401476" cy="1338763"/>
+          </a:xfrm>
+          <a:prstGeom prst="rect">
+            <a:avLst/>
+          </a:prstGeom>
+        </p:spPr>
+        <p:txBody>
+          <a:bodyPr vert="horz" lIns="91440" tIns="45720" rIns="91440" bIns="45720" rtlCol="0" anchor="ctr">
+            <a:normAutofit/>
+          </a:bodyPr>
+          <a:lstStyle>
+            <a:lvl1pPr algn="l" defTabSz="914400" rtl="0" eaLnBrk="1" latinLnBrk="0" hangingPunct="1">
+              <a:lnSpc>
+                <a:spcPct val="90000"/>
+              </a:lnSpc>
+              <a:spcBef>
+                <a:spcPct val="0"/>
+              </a:spcBef>
+              <a:buNone/>
+              <a:defRPr sz="4400" kern="1200">
+                <a:solidFill>
+                  <a:schemeClr val="tx1"/>
+                </a:solidFill>
+                <a:latin typeface="+mj-lt"/>
+                <a:ea typeface="+mj-ea"/>
+                <a:cs typeface="+mj-cs"/>
+              </a:defRPr>
+            </a:lvl1pPr>
+          </a:lstStyle>
+          <a:p>
+            <a:pPr>
+              <a:lnSpc>
+                <a:spcPct val="100000"/>
+              </a:lnSpc>
+              <a:spcBef>
+                <a:spcPts val="600"/>
+              </a:spcBef>
+              <a:spcAft>
+                <a:spcPts val="600"/>
+              </a:spcAft>
+            </a:pPr>
+            <a:endParaRPr lang="en-GB" dirty="0" smtClean="0"/>
+          </a:p>
+        </p:txBody>
+      </p:sp>
+      <p:sp>
+        <p:nvSpPr>
+          <p:cNvPr id="13" name="TextBox 12"/>
+          <p:cNvSpPr txBox="1"/>
+          <p:nvPr/>
+        </p:nvSpPr>
+        <p:spPr>
+          <a:xfrm>
+            <a:off x="3236116" y="4792800"/>
+            <a:ext cx="8254963" cy="1569660"/>
+          </a:xfrm>
+          <a:prstGeom prst="rect">
+            <a:avLst/>
+          </a:prstGeom>
+          <a:noFill/>
+        </p:spPr>
+        <p:txBody>
+          <a:bodyPr wrap="square" rtlCol="0">
+            <a:spAutoFit/>
+          </a:bodyPr>
+          <a:lstStyle/>
+          <a:p>
+            <a:pPr marL="285750" indent="-285750">
+              <a:buFont typeface="Arial" panose="020B0604020202020204" pitchFamily="34" charset="0"/>
+              <a:buChar char="•"/>
+            </a:pPr>
+            <a:r>
+              <a:rPr lang="en-GB" sz="2400" dirty="0" smtClean="0"/>
+              <a:t>Chronic disease modelling studies</a:t>
+            </a:r>
+          </a:p>
+          <a:p>
+            <a:pPr marL="285750" indent="-285750">
+              <a:buFont typeface="Arial" panose="020B0604020202020204" pitchFamily="34" charset="0"/>
+              <a:buChar char="•"/>
+            </a:pPr>
+            <a:r>
+              <a:rPr lang="en-GB" sz="2400" dirty="0" smtClean="0"/>
+              <a:t>Assessing Cost Effectiveness in </a:t>
+            </a:r>
+            <a:r>
+              <a:rPr lang="en-GB" sz="2400" dirty="0"/>
+              <a:t>P</a:t>
+            </a:r>
+            <a:r>
+              <a:rPr lang="en-GB" sz="2400" dirty="0" smtClean="0"/>
+              <a:t>revention (Australia)</a:t>
+            </a:r>
+          </a:p>
+          <a:p>
+            <a:pPr marL="285750" indent="-285750">
+              <a:buFont typeface="Arial" panose="020B0604020202020204" pitchFamily="34" charset="0"/>
+              <a:buChar char="•"/>
+            </a:pPr>
+            <a:r>
+              <a:rPr lang="en-GB" sz="2400" dirty="0"/>
+              <a:t>Burden of Disease Epidemiology, Equity &amp; Cost-Effectiveness Programme (BODE³</a:t>
+            </a:r>
+            <a:r>
+              <a:rPr lang="en-GB" sz="2400" dirty="0" smtClean="0"/>
+              <a:t>) (New Zealand)</a:t>
+            </a:r>
+            <a:endParaRPr lang="en-GB" sz="2400" dirty="0"/>
+          </a:p>
+        </p:txBody>
+      </p:sp>
+    </p:spTree>
+    <p:extLst>
+      <p:ext uri="{BB962C8B-B14F-4D97-AF65-F5344CB8AC3E}">
+        <p14:creationId xmlns:p14="http://schemas.microsoft.com/office/powerpoint/2010/main" val="3370617915"/>
+      </p:ext>
+    </p:extLst>
+  </p:cSld>
+  <p:clrMapOvr>
+    <a:masterClrMapping/>
+  </p:clrMapOvr>
+</p:sld>
+</file>
+
+<file path=ppt/slides/slide20.xml><?xml version="1.0" encoding="utf-8"?>
+<p:sld xmlns:a="http://schemas.openxmlformats.org/drawingml/2006/main" xmlns:r="http://schemas.openxmlformats.org/officeDocument/2006/relationships" xmlns:p="http://schemas.openxmlformats.org/presentationml/2006/main">
+  <p:cSld>
+    <p:spTree>
+      <p:nvGrpSpPr>
+        <p:cNvPr id="1" name=""/>
+        <p:cNvGrpSpPr/>
+        <p:nvPr/>
+      </p:nvGrpSpPr>
+      <p:grpSpPr>
+        <a:xfrm>
+          <a:off x="0" y="0"/>
+          <a:ext cx="0" cy="0"/>
+          <a:chOff x="0" y="0"/>
+          <a:chExt cx="0" cy="0"/>
+        </a:xfrm>
+      </p:grpSpPr>
+      <p:sp>
+        <p:nvSpPr>
+          <p:cNvPr id="5" name="Title 1"/>
+          <p:cNvSpPr txBox="1">
+            <a:spLocks/>
+          </p:cNvSpPr>
+          <p:nvPr/>
+        </p:nvSpPr>
+        <p:spPr>
+          <a:xfrm>
+            <a:off x="977900" y="1165225"/>
+            <a:ext cx="10375900" cy="5091884"/>
+          </a:xfrm>
+          <a:prstGeom prst="rect">
+            <a:avLst/>
+          </a:prstGeom>
+        </p:spPr>
+        <p:txBody>
+          <a:bodyPr vert="horz" lIns="91440" tIns="45720" rIns="91440" bIns="45720" rtlCol="0" anchor="ctr">
+            <a:normAutofit/>
+          </a:bodyPr>
+          <a:lstStyle>
+            <a:lvl1pPr algn="l" defTabSz="914400" rtl="0" eaLnBrk="1" latinLnBrk="0" hangingPunct="1">
+              <a:lnSpc>
+                <a:spcPct val="90000"/>
+              </a:lnSpc>
+              <a:spcBef>
+                <a:spcPct val="0"/>
+              </a:spcBef>
+              <a:buNone/>
+              <a:defRPr sz="4400" kern="1200">
+                <a:solidFill>
+                  <a:schemeClr val="tx1"/>
+                </a:solidFill>
+                <a:latin typeface="+mj-lt"/>
+                <a:ea typeface="+mj-ea"/>
+                <a:cs typeface="+mj-cs"/>
+              </a:defRPr>
+            </a:lvl1pPr>
+          </a:lstStyle>
+          <a:p>
+            <a:pPr>
+              <a:lnSpc>
+                <a:spcPct val="124000"/>
+              </a:lnSpc>
+              <a:spcBef>
+                <a:spcPts val="600"/>
+              </a:spcBef>
+            </a:pPr>
+            <a:r>
+              <a:rPr lang="en-GB" sz="2800" b="1" dirty="0" smtClean="0">
+                <a:latin typeface="+mn-lt"/>
+              </a:rPr>
+              <a:t>Model assumptions: </a:t>
+            </a:r>
+          </a:p>
+          <a:p>
+            <a:pPr marL="342900" indent="-342900">
+              <a:lnSpc>
+                <a:spcPct val="124000"/>
+              </a:lnSpc>
+              <a:spcBef>
+                <a:spcPts val="600"/>
+              </a:spcBef>
+              <a:buFont typeface="Arial" panose="020B0604020202020204" pitchFamily="34" charset="0"/>
+              <a:buChar char="•"/>
+            </a:pPr>
+            <a:r>
+              <a:rPr lang="en-GB" sz="2000" dirty="0" smtClean="0">
+                <a:latin typeface="+mn-lt"/>
+              </a:rPr>
+              <a:t>The incidence of a disease should be independent from all causes of death, except its own disease specific mortality</a:t>
+            </a:r>
+            <a:endParaRPr lang="en-GB" sz="2000" b="1" dirty="0">
+              <a:latin typeface="+mn-lt"/>
+            </a:endParaRPr>
+          </a:p>
+          <a:p>
+            <a:pPr marL="342900" indent="-342900">
+              <a:lnSpc>
+                <a:spcPct val="124000"/>
+              </a:lnSpc>
+              <a:spcBef>
+                <a:spcPts val="600"/>
+              </a:spcBef>
+              <a:buFont typeface="Arial" panose="020B0604020202020204" pitchFamily="34" charset="0"/>
+              <a:buChar char="•"/>
+            </a:pPr>
+            <a:r>
+              <a:rPr lang="en-GB" sz="2000" dirty="0" smtClean="0">
+                <a:latin typeface="+mn-lt"/>
+              </a:rPr>
+              <a:t>Disease incidences are independent</a:t>
+            </a:r>
+            <a:endParaRPr lang="en-GB" sz="2000" dirty="0">
+              <a:latin typeface="+mn-lt"/>
+            </a:endParaRPr>
+          </a:p>
+          <a:p>
+            <a:pPr marL="342900" indent="-342900">
+              <a:lnSpc>
+                <a:spcPct val="124000"/>
+              </a:lnSpc>
+              <a:spcBef>
+                <a:spcPts val="600"/>
+              </a:spcBef>
+              <a:buFont typeface="Arial" panose="020B0604020202020204" pitchFamily="34" charset="0"/>
+              <a:buChar char="•"/>
+            </a:pPr>
+            <a:r>
+              <a:rPr lang="en-GB" sz="2000" dirty="0" smtClean="0">
+                <a:latin typeface="+mn-lt"/>
+              </a:rPr>
+              <a:t>All causes of death are independent</a:t>
+            </a:r>
+          </a:p>
+          <a:p>
+            <a:pPr marL="342900" indent="-342900">
+              <a:lnSpc>
+                <a:spcPct val="124000"/>
+              </a:lnSpc>
+              <a:spcBef>
+                <a:spcPts val="600"/>
+              </a:spcBef>
+              <a:buFont typeface="Arial" panose="020B0604020202020204" pitchFamily="34" charset="0"/>
+              <a:buChar char="•"/>
+            </a:pPr>
+            <a:r>
+              <a:rPr lang="en-GB" sz="2000" dirty="0" smtClean="0">
+                <a:latin typeface="+mn-lt"/>
+              </a:rPr>
+              <a:t>Markov type model: </a:t>
+            </a:r>
+            <a:r>
+              <a:rPr lang="en-GB" sz="2000" dirty="0" err="1" smtClean="0">
+                <a:latin typeface="+mn-lt"/>
+              </a:rPr>
+              <a:t>markovian</a:t>
+            </a:r>
+            <a:r>
+              <a:rPr lang="en-GB" sz="2000" dirty="0" smtClean="0">
+                <a:latin typeface="+mn-lt"/>
+              </a:rPr>
+              <a:t> assumption, current state occupancy is not related to occupancy in an earlier state. </a:t>
+            </a:r>
+          </a:p>
+        </p:txBody>
+      </p:sp>
+      <p:sp>
+        <p:nvSpPr>
+          <p:cNvPr id="6" name="Title 1"/>
+          <p:cNvSpPr txBox="1">
+            <a:spLocks/>
+          </p:cNvSpPr>
+          <p:nvPr/>
+        </p:nvSpPr>
+        <p:spPr>
+          <a:xfrm>
+            <a:off x="0" y="1"/>
+            <a:ext cx="12192000" cy="1094376"/>
+          </a:xfrm>
+          <a:prstGeom prst="rect">
+            <a:avLst/>
+          </a:prstGeom>
+          <a:solidFill>
+            <a:schemeClr val="accent6"/>
+          </a:solidFill>
+        </p:spPr>
+        <p:txBody>
+          <a:bodyPr vert="horz" lIns="91440" tIns="45720" rIns="91440" bIns="45720" rtlCol="0" anchor="ctr">
+            <a:normAutofit/>
+          </a:bodyPr>
+          <a:lstStyle>
+            <a:lvl1pPr algn="l" defTabSz="914400" rtl="0" eaLnBrk="1" latinLnBrk="0" hangingPunct="1">
+              <a:lnSpc>
+                <a:spcPct val="90000"/>
+              </a:lnSpc>
+              <a:spcBef>
+                <a:spcPct val="0"/>
+              </a:spcBef>
+              <a:buNone/>
+              <a:defRPr sz="4400" kern="1200">
+                <a:solidFill>
+                  <a:schemeClr val="tx1"/>
+                </a:solidFill>
+                <a:latin typeface="+mj-lt"/>
+                <a:ea typeface="+mj-ea"/>
+                <a:cs typeface="+mj-cs"/>
+              </a:defRPr>
+            </a:lvl1pPr>
+          </a:lstStyle>
+          <a:p>
+            <a:pPr algn="ctr"/>
+            <a:r>
+              <a:rPr lang="en-GB" sz="4000" b="1" dirty="0" smtClean="0"/>
+              <a:t>Proportional multi-state life table model</a:t>
+            </a:r>
+            <a:endParaRPr lang="en-GB" sz="4000" b="1" dirty="0"/>
+          </a:p>
+        </p:txBody>
+      </p:sp>
+    </p:spTree>
+    <p:extLst>
+      <p:ext uri="{BB962C8B-B14F-4D97-AF65-F5344CB8AC3E}">
+        <p14:creationId xmlns:p14="http://schemas.microsoft.com/office/powerpoint/2010/main" val="3476200565"/>
+      </p:ext>
+    </p:extLst>
+  </p:cSld>
+  <p:clrMapOvr>
+    <a:masterClrMapping/>
+  </p:clrMapOvr>
+  <p:timing>
+    <p:tnLst>
+      <p:par>
+        <p:cTn id="1" dur="indefinite" restart="never" nodeType="tmRoot"/>
+      </p:par>
+    </p:tnLst>
+  </p:timing>
+</p:sld>
+</file>
+
+<file path=ppt/slides/slide21.xml><?xml version="1.0" encoding="utf-8"?>
 <p:sld xmlns:a="http://schemas.openxmlformats.org/drawingml/2006/main" xmlns:r="http://schemas.openxmlformats.org/officeDocument/2006/relationships" xmlns:p="http://schemas.openxmlformats.org/presentationml/2006/main">
   <p:cSld>
     <p:spTree>
@@ -19946,8 +21113,8 @@
         </p:nvSpPr>
         <p:spPr>
           <a:xfrm>
-            <a:off x="531223" y="2142310"/>
-            <a:ext cx="10424160" cy="4416594"/>
+            <a:off x="583475" y="2375591"/>
+            <a:ext cx="10424160" cy="1569660"/>
           </a:xfrm>
           <a:prstGeom prst="rect">
             <a:avLst/>
@@ -19960,113 +21127,50 @@
           </a:bodyPr>
           <a:lstStyle/>
           <a:p>
-            <a:endParaRPr lang="en-GB" sz="2800" dirty="0"/>
-          </a:p>
-          <a:p>
-            <a:pPr marL="342900" indent="-342900">
-              <a:buFont typeface="+mj-lt"/>
-              <a:buAutoNum type="arabicPeriod"/>
+            <a:pPr marL="285750" indent="-285750">
+              <a:buFont typeface="Arial" panose="020B0604020202020204" pitchFamily="34" charset="0"/>
+              <a:buChar char="•"/>
             </a:pPr>
             <a:r>
-              <a:rPr lang="en-GB" dirty="0" smtClean="0"/>
-              <a:t>Realistic model (or sufficiently)</a:t>
+              <a:rPr lang="en-GB" sz="2400" dirty="0" smtClean="0"/>
+              <a:t>Data</a:t>
             </a:r>
-          </a:p>
-          <a:p>
-            <a:pPr marL="342900" indent="-342900">
-              <a:buFont typeface="+mj-lt"/>
-              <a:buAutoNum type="arabicPeriod"/>
+            <a:r>
+              <a:rPr lang="en-GB" sz="2400" dirty="0"/>
+              <a:t> </a:t>
+            </a:r>
+            <a:r>
+              <a:rPr lang="en-GB" sz="2400" dirty="0" smtClean="0"/>
+              <a:t>inputs for disease life table: requires processing with </a:t>
+            </a:r>
+            <a:r>
+              <a:rPr lang="en-GB" sz="2400" dirty="0" err="1" smtClean="0"/>
+              <a:t>Dismod</a:t>
+            </a:r>
+            <a:r>
+              <a:rPr lang="en-GB" sz="2400" dirty="0" smtClean="0"/>
+              <a:t> II (or think of alternatives)</a:t>
+            </a:r>
+          </a:p>
+          <a:p>
+            <a:pPr marL="285750" indent="-285750">
+              <a:buFont typeface="Arial" panose="020B0604020202020204" pitchFamily="34" charset="0"/>
+              <a:buChar char="•"/>
             </a:pPr>
             <a:r>
-              <a:rPr lang="en-GB" dirty="0" smtClean="0"/>
-              <a:t>Accommodate to commonly available data (or accept/have clear mechanisms for IHME GBD + DIMOD II)</a:t>
+              <a:rPr lang="en-GB" sz="2400" dirty="0" smtClean="0"/>
+              <a:t>Data intensity? </a:t>
             </a:r>
           </a:p>
           <a:p>
-            <a:pPr marL="342900" indent="-342900">
-              <a:buFont typeface="+mj-lt"/>
-              <a:buAutoNum type="arabicPeriod"/>
+            <a:pPr marL="285750" indent="-285750">
+              <a:buFont typeface="Arial" panose="020B0604020202020204" pitchFamily="34" charset="0"/>
+              <a:buChar char="•"/>
             </a:pPr>
             <a:r>
-              <a:rPr lang="en-GB" dirty="0" smtClean="0"/>
-              <a:t>User friendly</a:t>
+              <a:rPr lang="en-GB" sz="2400" dirty="0" smtClean="0"/>
+              <a:t>More realistic more data needs (e.g. trends)</a:t>
             </a:r>
-          </a:p>
-          <a:p>
-            <a:pPr marL="342900" indent="-342900">
-              <a:buFont typeface="+mj-lt"/>
-              <a:buAutoNum type="arabicPeriod"/>
-            </a:pPr>
-            <a:r>
-              <a:rPr lang="en-GB" dirty="0" smtClean="0"/>
-              <a:t>Validation: internal (data quality checks, processes)/external (ability to replicate the results of studies that were not used to build the model, realistic?)</a:t>
-            </a:r>
-          </a:p>
-          <a:p>
-            <a:pPr marL="342900" indent="-342900">
-              <a:buFont typeface="+mj-lt"/>
-              <a:buAutoNum type="arabicPeriod"/>
-            </a:pPr>
-            <a:r>
-              <a:rPr lang="en-GB" dirty="0" smtClean="0"/>
-              <a:t>Time for slow risk reduction/disease trends (e.g. PREVENT model LAG)</a:t>
-            </a:r>
-          </a:p>
-          <a:p>
-            <a:pPr marL="342900" indent="-342900">
-              <a:buFont typeface="+mj-lt"/>
-              <a:buAutoNum type="arabicPeriod"/>
-            </a:pPr>
-            <a:r>
-              <a:rPr lang="en-GB" dirty="0" smtClean="0"/>
-              <a:t>Multiple interventions on multiple risk factors (PREVENT, we do as well, multiplicative PIF)</a:t>
-            </a:r>
-          </a:p>
-          <a:p>
-            <a:pPr marL="342900" indent="-342900">
-              <a:buFont typeface="+mj-lt"/>
-              <a:buAutoNum type="arabicPeriod"/>
-            </a:pPr>
-            <a:r>
-              <a:rPr lang="en-GB" dirty="0" smtClean="0"/>
-              <a:t>Population growth: we only model the present population, there is no entrant (migration) population into the model. It gets complicated, is the health profile of migrants the same as the modelled population?</a:t>
-            </a:r>
-          </a:p>
-          <a:p>
-            <a:pPr marL="342900" indent="-342900">
-              <a:spcBef>
-                <a:spcPts val="600"/>
-              </a:spcBef>
-              <a:buFont typeface="+mj-lt"/>
-              <a:buAutoNum type="arabicPeriod"/>
-            </a:pPr>
-            <a:r>
-              <a:rPr lang="en-GB" dirty="0"/>
-              <a:t>It is possible to include past trends in the transition hazards incidence, remission and case fatality in the calculation (DISMOD II, care should be taken if also include in the PMSLT). </a:t>
-            </a:r>
-          </a:p>
-          <a:p>
-            <a:pPr marL="342900" indent="-342900">
-              <a:spcBef>
-                <a:spcPts val="600"/>
-              </a:spcBef>
-              <a:buFont typeface="+mj-lt"/>
-              <a:buAutoNum type="arabicPeriod"/>
-            </a:pPr>
-            <a:r>
-              <a:rPr lang="en-GB" dirty="0"/>
-              <a:t>Uncertainty can be included in DISMOD II. </a:t>
-            </a:r>
-          </a:p>
-          <a:p>
-            <a:pPr marL="342900" indent="-342900">
-              <a:lnSpc>
-                <a:spcPct val="150000"/>
-              </a:lnSpc>
-              <a:buFont typeface="+mj-lt"/>
-              <a:buAutoNum type="arabicPeriod"/>
-            </a:pPr>
-            <a:endParaRPr lang="en-GB" dirty="0" smtClean="0"/>
           </a:p>
         </p:txBody>
       </p:sp>
@@ -20119,265 +21223,21 @@
             <a:pPr algn="ctr"/>
             <a:r>
               <a:rPr lang="en-GB" sz="3200" b="1" dirty="0" smtClean="0"/>
-              <a:t>Challenges/Discussion</a:t>
+              <a:t>Challenges</a:t>
             </a:r>
             <a:endParaRPr lang="en-GB" sz="3200" b="1" dirty="0"/>
-          </a:p>
-        </p:txBody>
-      </p:sp>
-    </p:spTree>
-    <p:extLst>
-      <p:ext uri="{BB962C8B-B14F-4D97-AF65-F5344CB8AC3E}">
-        <p14:creationId xmlns:p14="http://schemas.microsoft.com/office/powerpoint/2010/main" val="2854674129"/>
-      </p:ext>
-    </p:extLst>
-  </p:cSld>
-  <p:clrMapOvr>
-    <a:masterClrMapping/>
-  </p:clrMapOvr>
-</p:sld>
-</file>
-
-<file path=ppt/slides/slide18.xml><?xml version="1.0" encoding="utf-8"?>
-<p:sld xmlns:a="http://schemas.openxmlformats.org/drawingml/2006/main" xmlns:r="http://schemas.openxmlformats.org/officeDocument/2006/relationships" xmlns:p="http://schemas.openxmlformats.org/presentationml/2006/main">
-  <p:cSld>
-    <p:spTree>
-      <p:nvGrpSpPr>
-        <p:cNvPr id="1" name=""/>
-        <p:cNvGrpSpPr/>
-        <p:nvPr/>
-      </p:nvGrpSpPr>
-      <p:grpSpPr>
-        <a:xfrm>
-          <a:off x="0" y="0"/>
-          <a:ext cx="0" cy="0"/>
-          <a:chOff x="0" y="0"/>
-          <a:chExt cx="0" cy="0"/>
-        </a:xfrm>
-      </p:grpSpPr>
-      <p:sp>
-        <p:nvSpPr>
-          <p:cNvPr id="2" name="Title 1"/>
-          <p:cNvSpPr>
-            <a:spLocks noGrp="1"/>
-          </p:cNvSpPr>
-          <p:nvPr>
-            <p:ph type="title"/>
-          </p:nvPr>
-        </p:nvSpPr>
-        <p:spPr/>
-        <p:txBody>
-          <a:bodyPr/>
-          <a:lstStyle/>
-          <a:p>
-            <a:r>
-              <a:rPr lang="en-GB" dirty="0" smtClean="0"/>
-              <a:t>R Packages	</a:t>
-            </a:r>
-            <a:endParaRPr lang="en-GB" dirty="0"/>
           </a:p>
         </p:txBody>
       </p:sp>
       <p:sp>
         <p:nvSpPr>
-          <p:cNvPr id="3" name="Content Placeholder 2"/>
-          <p:cNvSpPr>
-            <a:spLocks noGrp="1"/>
-          </p:cNvSpPr>
-          <p:nvPr>
-            <p:ph idx="1"/>
-          </p:nvPr>
-        </p:nvSpPr>
-        <p:spPr>
-          <a:xfrm>
-            <a:off x="838200" y="1577431"/>
-            <a:ext cx="10515600" cy="4351338"/>
-          </a:xfrm>
-        </p:spPr>
-        <p:txBody>
-          <a:bodyPr/>
-          <a:lstStyle/>
-          <a:p>
-            <a:endParaRPr lang="en-GB" dirty="0"/>
-          </a:p>
-        </p:txBody>
-      </p:sp>
-    </p:spTree>
-    <p:extLst>
-      <p:ext uri="{BB962C8B-B14F-4D97-AF65-F5344CB8AC3E}">
-        <p14:creationId xmlns:p14="http://schemas.microsoft.com/office/powerpoint/2010/main" val="4021692271"/>
-      </p:ext>
-    </p:extLst>
-  </p:cSld>
-  <p:clrMapOvr>
-    <a:masterClrMapping/>
-  </p:clrMapOvr>
-</p:sld>
-</file>
-
-<file path=ppt/slides/slide2.xml><?xml version="1.0" encoding="utf-8"?>
-<p:sld xmlns:a="http://schemas.openxmlformats.org/drawingml/2006/main" xmlns:r="http://schemas.openxmlformats.org/officeDocument/2006/relationships" xmlns:p="http://schemas.openxmlformats.org/presentationml/2006/main">
-  <p:cSld>
-    <p:spTree>
-      <p:nvGrpSpPr>
-        <p:cNvPr id="1" name=""/>
-        <p:cNvGrpSpPr/>
-        <p:nvPr/>
-      </p:nvGrpSpPr>
-      <p:grpSpPr>
-        <a:xfrm>
-          <a:off x="0" y="0"/>
-          <a:ext cx="0" cy="0"/>
-          <a:chOff x="0" y="0"/>
-          <a:chExt cx="0" cy="0"/>
-        </a:xfrm>
-      </p:grpSpPr>
-      <p:sp>
-        <p:nvSpPr>
-          <p:cNvPr id="4" name="Title 1"/>
-          <p:cNvSpPr>
-            <a:spLocks noGrp="1"/>
-          </p:cNvSpPr>
-          <p:nvPr>
-            <p:ph type="title"/>
-          </p:nvPr>
-        </p:nvSpPr>
-        <p:spPr>
-          <a:xfrm>
-            <a:off x="0" y="1"/>
-            <a:ext cx="12192000" cy="1094376"/>
-          </a:xfrm>
-          <a:solidFill>
-            <a:schemeClr val="accent6"/>
-          </a:solidFill>
-        </p:spPr>
-        <p:txBody>
-          <a:bodyPr>
-            <a:normAutofit/>
-          </a:bodyPr>
-          <a:lstStyle/>
-          <a:p>
-            <a:pPr algn="ctr"/>
-            <a:r>
-              <a:rPr lang="en-GB" sz="4000" b="1" dirty="0" smtClean="0"/>
-              <a:t>Proportional multi-state life table model</a:t>
-            </a:r>
-            <a:endParaRPr lang="en-GB" sz="4000" b="1" dirty="0"/>
-          </a:p>
-        </p:txBody>
-      </p:sp>
-      <p:sp>
-        <p:nvSpPr>
-          <p:cNvPr id="5" name="Title 1"/>
-          <p:cNvSpPr txBox="1">
-            <a:spLocks/>
-          </p:cNvSpPr>
-          <p:nvPr/>
-        </p:nvSpPr>
-        <p:spPr>
-          <a:xfrm>
-            <a:off x="3137764" y="1960425"/>
-            <a:ext cx="8451669" cy="2912310"/>
-          </a:xfrm>
-          <a:prstGeom prst="rect">
-            <a:avLst/>
-          </a:prstGeom>
-        </p:spPr>
-        <p:txBody>
-          <a:bodyPr vert="horz" lIns="91440" tIns="45720" rIns="91440" bIns="45720" rtlCol="0" anchor="ctr">
-            <a:normAutofit/>
-          </a:bodyPr>
-          <a:lstStyle>
-            <a:lvl1pPr algn="l" defTabSz="914400" rtl="0" eaLnBrk="1" latinLnBrk="0" hangingPunct="1">
-              <a:lnSpc>
-                <a:spcPct val="90000"/>
-              </a:lnSpc>
-              <a:spcBef>
-                <a:spcPct val="0"/>
-              </a:spcBef>
-              <a:buNone/>
-              <a:defRPr sz="4400" kern="1200">
-                <a:solidFill>
-                  <a:schemeClr val="tx1"/>
-                </a:solidFill>
-                <a:latin typeface="+mj-lt"/>
-                <a:ea typeface="+mj-ea"/>
-                <a:cs typeface="+mj-cs"/>
-              </a:defRPr>
-            </a:lvl1pPr>
-          </a:lstStyle>
-          <a:p>
-            <a:pPr marL="571500" indent="-571500">
-              <a:lnSpc>
-                <a:spcPct val="100000"/>
-              </a:lnSpc>
-              <a:spcBef>
-                <a:spcPts val="0"/>
-              </a:spcBef>
-              <a:buFont typeface="Arial" panose="020B0604020202020204" pitchFamily="34" charset="0"/>
-              <a:buChar char="•"/>
-            </a:pPr>
-            <a:r>
-              <a:rPr lang="en-GB" sz="2400" dirty="0">
-                <a:latin typeface="+mn-lt"/>
-              </a:rPr>
-              <a:t>Q</a:t>
-            </a:r>
-            <a:r>
-              <a:rPr lang="en-GB" sz="2400" dirty="0" smtClean="0">
-                <a:latin typeface="+mn-lt"/>
-              </a:rPr>
-              <a:t>uantify the health impact of changes in exposure to health risk factors</a:t>
-            </a:r>
-          </a:p>
-          <a:p>
-            <a:pPr marL="571500" indent="-571500">
-              <a:lnSpc>
-                <a:spcPct val="100000"/>
-              </a:lnSpc>
-              <a:spcBef>
-                <a:spcPts val="0"/>
-              </a:spcBef>
-              <a:buFont typeface="Arial" panose="020B0604020202020204" pitchFamily="34" charset="0"/>
-              <a:buChar char="•"/>
-            </a:pPr>
-            <a:r>
-              <a:rPr lang="en-GB" sz="2400" dirty="0" smtClean="0">
-                <a:latin typeface="+mn-lt"/>
-              </a:rPr>
-              <a:t>Comparative risk assessment tool: what if?</a:t>
-            </a:r>
-          </a:p>
-          <a:p>
-            <a:pPr marL="571500" indent="-571500">
-              <a:lnSpc>
-                <a:spcPct val="100000"/>
-              </a:lnSpc>
-              <a:spcBef>
-                <a:spcPts val="0"/>
-              </a:spcBef>
-              <a:buFont typeface="Arial" panose="020B0604020202020204" pitchFamily="34" charset="0"/>
-              <a:buChar char="•"/>
-            </a:pPr>
-            <a:r>
-              <a:rPr lang="en-GB" sz="2400" dirty="0" smtClean="0">
-                <a:latin typeface="+mn-lt"/>
-              </a:rPr>
-              <a:t>Comparison of a policy scenario/intervention with baseline scenario</a:t>
-            </a:r>
-            <a:endParaRPr lang="en-GB" dirty="0" smtClean="0"/>
-          </a:p>
-        </p:txBody>
-      </p:sp>
-      <p:sp>
-        <p:nvSpPr>
-          <p:cNvPr id="2" name="TextBox 1"/>
+          <p:cNvPr id="7" name="TextBox 6"/>
           <p:cNvSpPr txBox="1"/>
           <p:nvPr/>
         </p:nvSpPr>
         <p:spPr>
           <a:xfrm>
-            <a:off x="0" y="1677728"/>
+            <a:off x="0" y="4058339"/>
             <a:ext cx="12192000" cy="584775"/>
           </a:xfrm>
           <a:prstGeom prst="rect">
@@ -20418,7 +21278,7 @@
             <a:pPr algn="ctr"/>
             <a:r>
               <a:rPr lang="en-GB" sz="3200" b="1" dirty="0" smtClean="0"/>
-              <a:t>Health simulation modelling tool</a:t>
+              <a:t>Discussion</a:t>
             </a:r>
             <a:endParaRPr lang="en-GB" sz="3200" b="1" dirty="0"/>
           </a:p>
@@ -20426,252 +21286,14 @@
       </p:sp>
       <p:sp>
         <p:nvSpPr>
-          <p:cNvPr id="8" name="Left Brace 7"/>
-          <p:cNvSpPr/>
-          <p:nvPr/>
-        </p:nvSpPr>
-        <p:spPr>
-          <a:xfrm>
-            <a:off x="2817988" y="2442755"/>
-            <a:ext cx="418130" cy="1846628"/>
-          </a:xfrm>
-          <a:prstGeom prst="leftBrace">
-            <a:avLst/>
-          </a:prstGeom>
-          <a:ln w="38100">
-            <a:solidFill>
-              <a:schemeClr val="tx1"/>
-            </a:solidFill>
-          </a:ln>
-        </p:spPr>
-        <p:style>
-          <a:lnRef idx="1">
-            <a:schemeClr val="accent1"/>
-          </a:lnRef>
-          <a:fillRef idx="0">
-            <a:schemeClr val="accent1"/>
-          </a:fillRef>
-          <a:effectRef idx="0">
-            <a:schemeClr val="accent1"/>
-          </a:effectRef>
-          <a:fontRef idx="minor">
-            <a:schemeClr val="tx1"/>
-          </a:fontRef>
-        </p:style>
-        <p:txBody>
-          <a:bodyPr rtlCol="0" anchor="ctr"/>
-          <a:lstStyle/>
-          <a:p>
-            <a:pPr algn="ctr"/>
-            <a:endParaRPr lang="en-GB"/>
-          </a:p>
-        </p:txBody>
-      </p:sp>
-      <p:sp>
-        <p:nvSpPr>
-          <p:cNvPr id="9" name="Left Brace 8"/>
-          <p:cNvSpPr/>
-          <p:nvPr/>
-        </p:nvSpPr>
-        <p:spPr>
-          <a:xfrm>
-            <a:off x="2891941" y="4832547"/>
-            <a:ext cx="251015" cy="1449977"/>
-          </a:xfrm>
-          <a:prstGeom prst="leftBrace">
-            <a:avLst/>
-          </a:prstGeom>
-          <a:ln w="38100">
-            <a:solidFill>
-              <a:schemeClr val="tx1"/>
-            </a:solidFill>
-          </a:ln>
-        </p:spPr>
-        <p:style>
-          <a:lnRef idx="1">
-            <a:schemeClr val="accent1"/>
-          </a:lnRef>
-          <a:fillRef idx="0">
-            <a:schemeClr val="accent1"/>
-          </a:fillRef>
-          <a:effectRef idx="0">
-            <a:schemeClr val="accent1"/>
-          </a:effectRef>
-          <a:fontRef idx="minor">
-            <a:schemeClr val="tx1"/>
-          </a:fontRef>
-        </p:style>
-        <p:txBody>
-          <a:bodyPr rtlCol="0" anchor="ctr"/>
-          <a:lstStyle/>
-          <a:p>
-            <a:pPr algn="ctr"/>
-            <a:endParaRPr lang="en-GB"/>
-          </a:p>
-        </p:txBody>
-      </p:sp>
-      <p:sp>
-        <p:nvSpPr>
-          <p:cNvPr id="10" name="TextBox 9"/>
+          <p:cNvPr id="8" name="TextBox 7"/>
           <p:cNvSpPr txBox="1"/>
           <p:nvPr/>
         </p:nvSpPr>
         <p:spPr>
           <a:xfrm>
-            <a:off x="483326" y="3104459"/>
-            <a:ext cx="2068285" cy="523220"/>
-          </a:xfrm>
-          <a:prstGeom prst="rect">
-            <a:avLst/>
-          </a:prstGeom>
-          <a:ln>
-            <a:solidFill>
-              <a:schemeClr val="bg1"/>
-            </a:solidFill>
-          </a:ln>
-        </p:spPr>
-        <p:style>
-          <a:lnRef idx="2">
-            <a:schemeClr val="dk1"/>
-          </a:lnRef>
-          <a:fillRef idx="1">
-            <a:schemeClr val="lt1"/>
-          </a:fillRef>
-          <a:effectRef idx="0">
-            <a:schemeClr val="dk1"/>
-          </a:effectRef>
-          <a:fontRef idx="minor">
-            <a:schemeClr val="dk1"/>
-          </a:fontRef>
-        </p:style>
-        <p:txBody>
-          <a:bodyPr wrap="square" rtlCol="0">
-            <a:spAutoFit/>
-          </a:bodyPr>
-          <a:lstStyle/>
-          <a:p>
-            <a:r>
-              <a:rPr lang="en-GB" sz="2800" dirty="0" smtClean="0"/>
-              <a:t>What for?</a:t>
-            </a:r>
-            <a:endParaRPr lang="en-GB" sz="2800" dirty="0"/>
-          </a:p>
-        </p:txBody>
-      </p:sp>
-      <p:sp>
-        <p:nvSpPr>
-          <p:cNvPr id="11" name="TextBox 10"/>
-          <p:cNvSpPr txBox="1"/>
-          <p:nvPr/>
-        </p:nvSpPr>
-        <p:spPr>
-          <a:xfrm>
-            <a:off x="483326" y="5295926"/>
-            <a:ext cx="2068285" cy="523220"/>
-          </a:xfrm>
-          <a:prstGeom prst="rect">
-            <a:avLst/>
-          </a:prstGeom>
-          <a:ln>
-            <a:solidFill>
-              <a:schemeClr val="bg1"/>
-            </a:solidFill>
-          </a:ln>
-        </p:spPr>
-        <p:style>
-          <a:lnRef idx="2">
-            <a:schemeClr val="dk1"/>
-          </a:lnRef>
-          <a:fillRef idx="1">
-            <a:schemeClr val="lt1"/>
-          </a:fillRef>
-          <a:effectRef idx="0">
-            <a:schemeClr val="dk1"/>
-          </a:effectRef>
-          <a:fontRef idx="minor">
-            <a:schemeClr val="dk1"/>
-          </a:fontRef>
-        </p:style>
-        <p:txBody>
-          <a:bodyPr wrap="square" rtlCol="0">
-            <a:spAutoFit/>
-          </a:bodyPr>
-          <a:lstStyle/>
-          <a:p>
-            <a:r>
-              <a:rPr lang="en-GB" sz="2800" dirty="0" smtClean="0"/>
-              <a:t>Applications</a:t>
-            </a:r>
-            <a:endParaRPr lang="en-GB" sz="2800" dirty="0"/>
-          </a:p>
-        </p:txBody>
-      </p:sp>
-      <p:sp>
-        <p:nvSpPr>
-          <p:cNvPr id="12" name="Title 1"/>
-          <p:cNvSpPr txBox="1">
-            <a:spLocks/>
-          </p:cNvSpPr>
-          <p:nvPr/>
-        </p:nvSpPr>
-        <p:spPr>
-          <a:xfrm>
-            <a:off x="3302844" y="5149765"/>
-            <a:ext cx="8401476" cy="1338763"/>
-          </a:xfrm>
-          <a:prstGeom prst="rect">
-            <a:avLst/>
-          </a:prstGeom>
-        </p:spPr>
-        <p:txBody>
-          <a:bodyPr vert="horz" lIns="91440" tIns="45720" rIns="91440" bIns="45720" rtlCol="0" anchor="ctr">
-            <a:normAutofit/>
-          </a:bodyPr>
-          <a:lstStyle>
-            <a:lvl1pPr algn="l" defTabSz="914400" rtl="0" eaLnBrk="1" latinLnBrk="0" hangingPunct="1">
-              <a:lnSpc>
-                <a:spcPct val="90000"/>
-              </a:lnSpc>
-              <a:spcBef>
-                <a:spcPct val="0"/>
-              </a:spcBef>
-              <a:buNone/>
-              <a:defRPr sz="4400" kern="1200">
-                <a:solidFill>
-                  <a:schemeClr val="tx1"/>
-                </a:solidFill>
-                <a:latin typeface="+mj-lt"/>
-                <a:ea typeface="+mj-ea"/>
-                <a:cs typeface="+mj-cs"/>
-              </a:defRPr>
-            </a:lvl1pPr>
-          </a:lstStyle>
-          <a:p>
-            <a:pPr>
-              <a:lnSpc>
-                <a:spcPct val="100000"/>
-              </a:lnSpc>
-              <a:spcBef>
-                <a:spcPts val="600"/>
-              </a:spcBef>
-              <a:spcAft>
-                <a:spcPts val="600"/>
-              </a:spcAft>
-            </a:pPr>
-            <a:endParaRPr lang="en-GB" dirty="0" smtClean="0"/>
-          </a:p>
-        </p:txBody>
-      </p:sp>
-      <p:sp>
-        <p:nvSpPr>
-          <p:cNvPr id="13" name="TextBox 12"/>
-          <p:cNvSpPr txBox="1"/>
-          <p:nvPr/>
-        </p:nvSpPr>
-        <p:spPr>
-          <a:xfrm>
-            <a:off x="3236116" y="4792800"/>
-            <a:ext cx="8254963" cy="1569660"/>
+            <a:off x="583475" y="4817757"/>
+            <a:ext cx="10424160" cy="1697068"/>
           </a:xfrm>
           <a:prstGeom prst="rect">
             <a:avLst/>
@@ -20685,79 +21307,53 @@
           <a:lstStyle/>
           <a:p>
             <a:pPr marL="285750" indent="-285750">
+              <a:lnSpc>
+                <a:spcPct val="150000"/>
+              </a:lnSpc>
               <a:buFont typeface="Arial" panose="020B0604020202020204" pitchFamily="34" charset="0"/>
               <a:buChar char="•"/>
             </a:pPr>
             <a:r>
               <a:rPr lang="en-GB" sz="2400" dirty="0" smtClean="0"/>
-              <a:t>Chronic disease modelling studies</a:t>
+              <a:t>GBD data at the national level for most case studies. Use rates adjustments based on mortality rates. </a:t>
             </a:r>
           </a:p>
           <a:p>
             <a:pPr marL="285750" indent="-285750">
+              <a:lnSpc>
+                <a:spcPct val="150000"/>
+              </a:lnSpc>
               <a:buFont typeface="Arial" panose="020B0604020202020204" pitchFamily="34" charset="0"/>
               <a:buChar char="•"/>
             </a:pPr>
             <a:r>
-              <a:rPr lang="en-GB" sz="2400" dirty="0" smtClean="0"/>
-              <a:t>Assessing </a:t>
+              <a:rPr lang="en-GB" sz="2400" dirty="0" err="1" smtClean="0"/>
+              <a:t>Dismod</a:t>
             </a:r>
             <a:r>
               <a:rPr lang="en-GB" sz="2400" dirty="0" smtClean="0"/>
-              <a:t>Cost </a:t>
+              <a:t> II, what can we do about it? </a:t>
             </a:r>
-            <a:r>
-              <a:rPr lang="en-GB" sz="2400" dirty="0" smtClean="0"/>
-              <a:t>E</a:t>
-            </a:r>
-            <a:r>
-              <a:rPr lang="en-GB" sz="2400" dirty="0" smtClean="0"/>
-              <a:t>ffectiveness </a:t>
-            </a:r>
-            <a:r>
-              <a:rPr lang="en-GB" sz="2400" dirty="0" smtClean="0"/>
-              <a:t>in </a:t>
-            </a:r>
-            <a:r>
-              <a:rPr lang="en-GB" sz="2400" dirty="0"/>
-              <a:t>P</a:t>
-            </a:r>
-            <a:r>
-              <a:rPr lang="en-GB" sz="2400" dirty="0" smtClean="0"/>
-              <a:t>revention </a:t>
-            </a:r>
-            <a:r>
-              <a:rPr lang="en-GB" sz="2400" dirty="0" smtClean="0"/>
-              <a:t>(Australia)</a:t>
-            </a:r>
-          </a:p>
-          <a:p>
-            <a:pPr marL="285750" indent="-285750">
-              <a:buFont typeface="Arial" panose="020B0604020202020204" pitchFamily="34" charset="0"/>
-              <a:buChar char="•"/>
-            </a:pPr>
-            <a:r>
-              <a:rPr lang="en-GB" sz="2400" dirty="0"/>
-              <a:t>Burden of Disease Epidemiology, Equity &amp; Cost-Effectiveness Programme (BODE³</a:t>
-            </a:r>
-            <a:r>
-              <a:rPr lang="en-GB" sz="2400" dirty="0" smtClean="0"/>
-              <a:t>) (New Zealand)</a:t>
-            </a:r>
-            <a:endParaRPr lang="en-GB" sz="2400" dirty="0"/>
           </a:p>
         </p:txBody>
       </p:sp>
     </p:spTree>
     <p:extLst>
       <p:ext uri="{BB962C8B-B14F-4D97-AF65-F5344CB8AC3E}">
-        <p14:creationId xmlns:p14="http://schemas.microsoft.com/office/powerpoint/2010/main" val="3370617915"/>
+        <p14:creationId xmlns:p14="http://schemas.microsoft.com/office/powerpoint/2010/main" val="2854674129"/>
       </p:ext>
     </p:extLst>
   </p:cSld>
   <p:clrMapOvr>
     <a:masterClrMapping/>
   </p:clrMapOvr>
+  <p:timing>
+    <p:tnLst>
+      <p:par>
+        <p:cTn id="1" dur="indefinite" restart="never" nodeType="tmRoot"/>
+      </p:par>
+    </p:tnLst>
+  </p:timing>
 </p:sld>
 </file>
 
@@ -21028,11 +21624,7 @@
             </a:pPr>
             <a:r>
               <a:rPr lang="en-GB" sz="2400" dirty="0" smtClean="0"/>
-              <a:t>Disease mortality </a:t>
-            </a:r>
-            <a:r>
-              <a:rPr lang="en-GB" sz="2400" dirty="0" smtClean="0"/>
-              <a:t>and incidence</a:t>
+              <a:t>Disease mortality and incidence</a:t>
             </a:r>
           </a:p>
           <a:p>
@@ -21058,13 +21650,8 @@
             </a:pPr>
             <a:r>
               <a:rPr lang="en-GB" sz="2400" dirty="0" smtClean="0"/>
-              <a:t>Health adjusted life </a:t>
+              <a:t>Health adjusted life expectancy</a:t>
             </a:r>
-            <a:r>
-              <a:rPr lang="en-GB" sz="2400" dirty="0" smtClean="0"/>
-              <a:t>expectancy</a:t>
-            </a:r>
-            <a:endParaRPr lang="en-GB" sz="2400" dirty="0" smtClean="0"/>
           </a:p>
         </p:txBody>
       </p:sp>
@@ -21513,7 +22100,7 @@
             <a:pPr algn="ctr"/>
             <a:r>
               <a:rPr lang="en-GB" sz="3200" b="1" dirty="0" smtClean="0"/>
-              <a:t>ITHIMR</a:t>
+              <a:t>Contribution to ITHIMR</a:t>
             </a:r>
             <a:endParaRPr lang="en-GB" sz="3200" b="1" dirty="0"/>
           </a:p>
@@ -21553,6 +22140,36 @@
           </a:p>
         </p:txBody>
       </p:sp>
+      <p:pic>
+        <p:nvPicPr>
+          <p:cNvPr id="2" name="Picture 1"/>
+          <p:cNvPicPr>
+            <a:picLocks noChangeAspect="1"/>
+          </p:cNvPicPr>
+          <p:nvPr/>
+        </p:nvPicPr>
+        <p:blipFill>
+          <a:blip r:embed="rId3">
+            <a:extLst>
+              <a:ext uri="{28A0092B-C50C-407E-A947-70E740481C1C}">
+                <a14:useLocalDpi xmlns:a14="http://schemas.microsoft.com/office/drawing/2010/main" val="0"/>
+              </a:ext>
+            </a:extLst>
+          </a:blip>
+          <a:stretch>
+            <a:fillRect/>
+          </a:stretch>
+        </p:blipFill>
+        <p:spPr>
+          <a:xfrm>
+            <a:off x="2547258" y="2547257"/>
+            <a:ext cx="6791596" cy="3695045"/>
+          </a:xfrm>
+          <a:prstGeom prst="rect">
+            <a:avLst/>
+          </a:prstGeom>
+        </p:spPr>
+      </p:pic>
     </p:spTree>
     <p:extLst>
       <p:ext uri="{BB962C8B-B14F-4D97-AF65-F5344CB8AC3E}">
@@ -21563,10 +22180,665 @@
   <p:clrMapOvr>
     <a:masterClrMapping/>
   </p:clrMapOvr>
+  <p:timing>
+    <p:tnLst>
+      <p:par>
+        <p:cTn id="1" dur="indefinite" restart="never" nodeType="tmRoot"/>
+      </p:par>
+    </p:tnLst>
+  </p:timing>
 </p:sld>
 </file>
 
 <file path=ppt/slides/slide6.xml><?xml version="1.0" encoding="utf-8"?>
+<p:sld xmlns:a="http://schemas.openxmlformats.org/drawingml/2006/main" xmlns:r="http://schemas.openxmlformats.org/officeDocument/2006/relationships" xmlns:p="http://schemas.openxmlformats.org/presentationml/2006/main">
+  <p:cSld>
+    <p:spTree>
+      <p:nvGrpSpPr>
+        <p:cNvPr id="1" name=""/>
+        <p:cNvGrpSpPr/>
+        <p:nvPr/>
+      </p:nvGrpSpPr>
+      <p:grpSpPr>
+        <a:xfrm>
+          <a:off x="0" y="0"/>
+          <a:ext cx="0" cy="0"/>
+          <a:chOff x="0" y="0"/>
+          <a:chExt cx="0" cy="0"/>
+        </a:xfrm>
+      </p:grpSpPr>
+      <p:sp>
+        <p:nvSpPr>
+          <p:cNvPr id="12" name="Title 1"/>
+          <p:cNvSpPr txBox="1">
+            <a:spLocks/>
+          </p:cNvSpPr>
+          <p:nvPr/>
+        </p:nvSpPr>
+        <p:spPr>
+          <a:xfrm>
+            <a:off x="3302844" y="5149765"/>
+            <a:ext cx="8401476" cy="1338763"/>
+          </a:xfrm>
+          <a:prstGeom prst="rect">
+            <a:avLst/>
+          </a:prstGeom>
+        </p:spPr>
+        <p:txBody>
+          <a:bodyPr vert="horz" lIns="91440" tIns="45720" rIns="91440" bIns="45720" rtlCol="0" anchor="ctr">
+            <a:normAutofit/>
+          </a:bodyPr>
+          <a:lstStyle>
+            <a:lvl1pPr algn="l" defTabSz="914400" rtl="0" eaLnBrk="1" latinLnBrk="0" hangingPunct="1">
+              <a:lnSpc>
+                <a:spcPct val="90000"/>
+              </a:lnSpc>
+              <a:spcBef>
+                <a:spcPct val="0"/>
+              </a:spcBef>
+              <a:buNone/>
+              <a:defRPr sz="4400" kern="1200">
+                <a:solidFill>
+                  <a:schemeClr val="tx1"/>
+                </a:solidFill>
+                <a:latin typeface="+mj-lt"/>
+                <a:ea typeface="+mj-ea"/>
+                <a:cs typeface="+mj-cs"/>
+              </a:defRPr>
+            </a:lvl1pPr>
+          </a:lstStyle>
+          <a:p>
+            <a:pPr>
+              <a:lnSpc>
+                <a:spcPct val="100000"/>
+              </a:lnSpc>
+              <a:spcBef>
+                <a:spcPts val="600"/>
+              </a:spcBef>
+              <a:spcAft>
+                <a:spcPts val="600"/>
+              </a:spcAft>
+            </a:pPr>
+            <a:endParaRPr lang="en-GB" dirty="0" smtClean="0"/>
+          </a:p>
+        </p:txBody>
+      </p:sp>
+      <p:sp>
+        <p:nvSpPr>
+          <p:cNvPr id="14" name="TextBox 13"/>
+          <p:cNvSpPr txBox="1"/>
+          <p:nvPr/>
+        </p:nvSpPr>
+        <p:spPr>
+          <a:xfrm>
+            <a:off x="0" y="1677728"/>
+            <a:ext cx="12192000" cy="584775"/>
+          </a:xfrm>
+          <a:prstGeom prst="rect">
+            <a:avLst/>
+          </a:prstGeom>
+          <a:solidFill>
+            <a:schemeClr val="accent6">
+              <a:lumMod val="20000"/>
+              <a:lumOff val="80000"/>
+            </a:schemeClr>
+          </a:solidFill>
+          <a:ln>
+            <a:solidFill>
+              <a:schemeClr val="bg1"/>
+            </a:solidFill>
+          </a:ln>
+        </p:spPr>
+        <p:style>
+          <a:lnRef idx="2">
+            <a:schemeClr val="dk1"/>
+          </a:lnRef>
+          <a:fillRef idx="1">
+            <a:schemeClr val="lt1"/>
+          </a:fillRef>
+          <a:effectRef idx="0">
+            <a:schemeClr val="dk1"/>
+          </a:effectRef>
+          <a:fontRef idx="minor">
+            <a:schemeClr val="dk1"/>
+          </a:fontRef>
+        </p:style>
+        <p:txBody>
+          <a:bodyPr wrap="square" rtlCol="0">
+            <a:spAutoFit/>
+          </a:bodyPr>
+          <a:lstStyle/>
+          <a:p>
+            <a:pPr algn="ctr"/>
+            <a:r>
+              <a:rPr lang="en-GB" sz="3200" b="1" dirty="0" smtClean="0"/>
+              <a:t>Main differences with ITHIM</a:t>
+            </a:r>
+            <a:endParaRPr lang="en-GB" sz="3200" b="1" dirty="0"/>
+          </a:p>
+        </p:txBody>
+      </p:sp>
+      <p:sp>
+        <p:nvSpPr>
+          <p:cNvPr id="16" name="Title 1"/>
+          <p:cNvSpPr>
+            <a:spLocks noGrp="1"/>
+          </p:cNvSpPr>
+          <p:nvPr>
+            <p:ph type="title"/>
+          </p:nvPr>
+        </p:nvSpPr>
+        <p:spPr>
+          <a:xfrm>
+            <a:off x="0" y="1"/>
+            <a:ext cx="12192000" cy="1094376"/>
+          </a:xfrm>
+          <a:solidFill>
+            <a:schemeClr val="accent6"/>
+          </a:solidFill>
+        </p:spPr>
+        <p:txBody>
+          <a:bodyPr>
+            <a:normAutofit/>
+          </a:bodyPr>
+          <a:lstStyle/>
+          <a:p>
+            <a:pPr algn="ctr"/>
+            <a:r>
+              <a:rPr lang="en-GB" sz="4000" b="1" dirty="0" smtClean="0"/>
+              <a:t>Proportional multi-state life table model</a:t>
+            </a:r>
+            <a:endParaRPr lang="en-GB" sz="4000" b="1" dirty="0"/>
+          </a:p>
+        </p:txBody>
+      </p:sp>
+      <p:sp>
+        <p:nvSpPr>
+          <p:cNvPr id="3" name="TextBox 2"/>
+          <p:cNvSpPr txBox="1"/>
+          <p:nvPr/>
+        </p:nvSpPr>
+        <p:spPr>
+          <a:xfrm>
+            <a:off x="739063" y="3099675"/>
+            <a:ext cx="1989199" cy="400110"/>
+          </a:xfrm>
+          <a:prstGeom prst="rect">
+            <a:avLst/>
+          </a:prstGeom>
+          <a:noFill/>
+        </p:spPr>
+        <p:txBody>
+          <a:bodyPr wrap="none" rtlCol="0">
+            <a:spAutoFit/>
+          </a:bodyPr>
+          <a:lstStyle/>
+          <a:p>
+            <a:r>
+              <a:rPr lang="en-GB" sz="2000" b="1" dirty="0" smtClean="0"/>
+              <a:t>Time component</a:t>
+            </a:r>
+            <a:endParaRPr lang="en-GB" sz="2000" b="1" dirty="0"/>
+          </a:p>
+        </p:txBody>
+      </p:sp>
+      <p:sp>
+        <p:nvSpPr>
+          <p:cNvPr id="4" name="Right Arrow 3"/>
+          <p:cNvSpPr/>
+          <p:nvPr/>
+        </p:nvSpPr>
+        <p:spPr>
+          <a:xfrm>
+            <a:off x="2954919" y="3124549"/>
+            <a:ext cx="978408" cy="400110"/>
+          </a:xfrm>
+          <a:prstGeom prst="rightArrow">
+            <a:avLst/>
+          </a:prstGeom>
+          <a:solidFill>
+            <a:schemeClr val="tx1"/>
+          </a:solidFill>
+          <a:ln>
+            <a:solidFill>
+              <a:schemeClr val="tx1"/>
+            </a:solidFill>
+          </a:ln>
+        </p:spPr>
+        <p:style>
+          <a:lnRef idx="2">
+            <a:schemeClr val="accent1">
+              <a:shade val="50000"/>
+            </a:schemeClr>
+          </a:lnRef>
+          <a:fillRef idx="1">
+            <a:schemeClr val="accent1"/>
+          </a:fillRef>
+          <a:effectRef idx="0">
+            <a:schemeClr val="accent1"/>
+          </a:effectRef>
+          <a:fontRef idx="minor">
+            <a:schemeClr val="lt1"/>
+          </a:fontRef>
+        </p:style>
+        <p:txBody>
+          <a:bodyPr rtlCol="0" anchor="ctr"/>
+          <a:lstStyle/>
+          <a:p>
+            <a:pPr algn="ctr"/>
+            <a:endParaRPr lang="en-GB"/>
+          </a:p>
+        </p:txBody>
+      </p:sp>
+      <p:sp>
+        <p:nvSpPr>
+          <p:cNvPr id="8" name="TextBox 7"/>
+          <p:cNvSpPr txBox="1"/>
+          <p:nvPr/>
+        </p:nvSpPr>
+        <p:spPr>
+          <a:xfrm>
+            <a:off x="3933327" y="3099675"/>
+            <a:ext cx="3163110" cy="400110"/>
+          </a:xfrm>
+          <a:prstGeom prst="rect">
+            <a:avLst/>
+          </a:prstGeom>
+          <a:noFill/>
+        </p:spPr>
+        <p:txBody>
+          <a:bodyPr wrap="none" rtlCol="0">
+            <a:spAutoFit/>
+          </a:bodyPr>
+          <a:lstStyle/>
+          <a:p>
+            <a:r>
+              <a:rPr lang="en-GB" sz="2000" b="1" dirty="0" smtClean="0"/>
+              <a:t>Cohorts modelled over time</a:t>
+            </a:r>
+            <a:endParaRPr lang="en-GB" sz="2000" b="1" dirty="0"/>
+          </a:p>
+        </p:txBody>
+      </p:sp>
+      <p:sp>
+        <p:nvSpPr>
+          <p:cNvPr id="5" name="Left Brace 4"/>
+          <p:cNvSpPr/>
+          <p:nvPr/>
+        </p:nvSpPr>
+        <p:spPr>
+          <a:xfrm>
+            <a:off x="7188601" y="2445752"/>
+            <a:ext cx="420931" cy="1754848"/>
+          </a:xfrm>
+          <a:prstGeom prst="leftBrace">
+            <a:avLst/>
+          </a:prstGeom>
+          <a:ln>
+            <a:solidFill>
+              <a:schemeClr val="tx1"/>
+            </a:solidFill>
+          </a:ln>
+        </p:spPr>
+        <p:style>
+          <a:lnRef idx="1">
+            <a:schemeClr val="accent1"/>
+          </a:lnRef>
+          <a:fillRef idx="0">
+            <a:schemeClr val="accent1"/>
+          </a:fillRef>
+          <a:effectRef idx="0">
+            <a:schemeClr val="accent1"/>
+          </a:effectRef>
+          <a:fontRef idx="minor">
+            <a:schemeClr val="tx1"/>
+          </a:fontRef>
+        </p:style>
+        <p:txBody>
+          <a:bodyPr rtlCol="0" anchor="ctr"/>
+          <a:lstStyle/>
+          <a:p>
+            <a:pPr algn="ctr"/>
+            <a:endParaRPr lang="en-GB"/>
+          </a:p>
+        </p:txBody>
+      </p:sp>
+      <p:sp>
+        <p:nvSpPr>
+          <p:cNvPr id="6" name="TextBox 5"/>
+          <p:cNvSpPr txBox="1"/>
+          <p:nvPr/>
+        </p:nvSpPr>
+        <p:spPr>
+          <a:xfrm>
+            <a:off x="7609532" y="2410280"/>
+            <a:ext cx="4160532" cy="2031325"/>
+          </a:xfrm>
+          <a:prstGeom prst="rect">
+            <a:avLst/>
+          </a:prstGeom>
+          <a:noFill/>
+        </p:spPr>
+        <p:txBody>
+          <a:bodyPr wrap="square" rtlCol="0">
+            <a:spAutoFit/>
+          </a:bodyPr>
+          <a:lstStyle/>
+          <a:p>
+            <a:pPr marL="285750" indent="-285750">
+              <a:buFont typeface="Arial" panose="020B0604020202020204" pitchFamily="34" charset="0"/>
+              <a:buChar char="•"/>
+            </a:pPr>
+            <a:r>
+              <a:rPr lang="en-GB" dirty="0" smtClean="0"/>
+              <a:t>Include diseases’ trends (incidence/case fatality)</a:t>
+            </a:r>
+          </a:p>
+          <a:p>
+            <a:pPr marL="285750" indent="-285750">
+              <a:buFont typeface="Arial" panose="020B0604020202020204" pitchFamily="34" charset="0"/>
+              <a:buChar char="•"/>
+            </a:pPr>
+            <a:r>
+              <a:rPr lang="en-GB" dirty="0" smtClean="0"/>
+              <a:t>Time lags exposure to incidence/case fatality</a:t>
+            </a:r>
+          </a:p>
+          <a:p>
+            <a:r>
+              <a:rPr lang="en-GB" dirty="0" smtClean="0"/>
+              <a:t>(via the PIF)</a:t>
+            </a:r>
+          </a:p>
+          <a:p>
+            <a:pPr marL="285750" indent="-285750">
+              <a:buFont typeface="Arial" panose="020B0604020202020204" pitchFamily="34" charset="0"/>
+              <a:buChar char="•"/>
+            </a:pPr>
+            <a:r>
+              <a:rPr lang="en-GB" dirty="0" smtClean="0"/>
+              <a:t>Population growth </a:t>
+            </a:r>
+          </a:p>
+          <a:p>
+            <a:endParaRPr lang="en-GB" dirty="0"/>
+          </a:p>
+        </p:txBody>
+      </p:sp>
+      <p:sp>
+        <p:nvSpPr>
+          <p:cNvPr id="11" name="TextBox 10"/>
+          <p:cNvSpPr txBox="1"/>
+          <p:nvPr/>
+        </p:nvSpPr>
+        <p:spPr>
+          <a:xfrm>
+            <a:off x="734864" y="4112567"/>
+            <a:ext cx="1876476" cy="400110"/>
+          </a:xfrm>
+          <a:prstGeom prst="rect">
+            <a:avLst/>
+          </a:prstGeom>
+          <a:noFill/>
+        </p:spPr>
+        <p:txBody>
+          <a:bodyPr wrap="none" rtlCol="0">
+            <a:spAutoFit/>
+          </a:bodyPr>
+          <a:lstStyle/>
+          <a:p>
+            <a:r>
+              <a:rPr lang="en-GB" sz="2000" b="1" dirty="0" smtClean="0"/>
+              <a:t>Year of life/YLLs</a:t>
+            </a:r>
+            <a:endParaRPr lang="en-GB" sz="2000" b="1" dirty="0"/>
+          </a:p>
+        </p:txBody>
+      </p:sp>
+      <p:sp>
+        <p:nvSpPr>
+          <p:cNvPr id="13" name="Right Arrow 12"/>
+          <p:cNvSpPr/>
+          <p:nvPr/>
+        </p:nvSpPr>
+        <p:spPr>
+          <a:xfrm>
+            <a:off x="2986367" y="4112567"/>
+            <a:ext cx="978408" cy="400110"/>
+          </a:xfrm>
+          <a:prstGeom prst="rightArrow">
+            <a:avLst/>
+          </a:prstGeom>
+          <a:solidFill>
+            <a:schemeClr val="tx1"/>
+          </a:solidFill>
+          <a:ln>
+            <a:solidFill>
+              <a:schemeClr val="tx1"/>
+            </a:solidFill>
+          </a:ln>
+        </p:spPr>
+        <p:style>
+          <a:lnRef idx="2">
+            <a:schemeClr val="accent1">
+              <a:shade val="50000"/>
+            </a:schemeClr>
+          </a:lnRef>
+          <a:fillRef idx="1">
+            <a:schemeClr val="accent1"/>
+          </a:fillRef>
+          <a:effectRef idx="0">
+            <a:schemeClr val="accent1"/>
+          </a:effectRef>
+          <a:fontRef idx="minor">
+            <a:schemeClr val="lt1"/>
+          </a:fontRef>
+        </p:style>
+        <p:txBody>
+          <a:bodyPr rtlCol="0" anchor="ctr"/>
+          <a:lstStyle/>
+          <a:p>
+            <a:pPr algn="ctr"/>
+            <a:endParaRPr lang="en-GB"/>
+          </a:p>
+        </p:txBody>
+      </p:sp>
+      <p:sp>
+        <p:nvSpPr>
+          <p:cNvPr id="15" name="TextBox 14"/>
+          <p:cNvSpPr txBox="1"/>
+          <p:nvPr/>
+        </p:nvSpPr>
+        <p:spPr>
+          <a:xfrm>
+            <a:off x="3984700" y="4016102"/>
+            <a:ext cx="3345990" cy="707886"/>
+          </a:xfrm>
+          <a:prstGeom prst="rect">
+            <a:avLst/>
+          </a:prstGeom>
+          <a:noFill/>
+        </p:spPr>
+        <p:txBody>
+          <a:bodyPr wrap="square" rtlCol="0">
+            <a:spAutoFit/>
+          </a:bodyPr>
+          <a:lstStyle/>
+          <a:p>
+            <a:r>
+              <a:rPr lang="en-GB" sz="2000" b="1" dirty="0" smtClean="0"/>
+              <a:t>Based on observed mortality rates</a:t>
+            </a:r>
+            <a:endParaRPr lang="en-GB" sz="2000" b="1" dirty="0"/>
+          </a:p>
+        </p:txBody>
+      </p:sp>
+      <p:sp>
+        <p:nvSpPr>
+          <p:cNvPr id="18" name="TextBox 17"/>
+          <p:cNvSpPr txBox="1"/>
+          <p:nvPr/>
+        </p:nvSpPr>
+        <p:spPr>
+          <a:xfrm>
+            <a:off x="6951998" y="3901582"/>
+            <a:ext cx="473206" cy="646331"/>
+          </a:xfrm>
+          <a:prstGeom prst="rect">
+            <a:avLst/>
+          </a:prstGeom>
+          <a:noFill/>
+        </p:spPr>
+        <p:txBody>
+          <a:bodyPr wrap="none" rtlCol="0">
+            <a:spAutoFit/>
+          </a:bodyPr>
+          <a:lstStyle/>
+          <a:p>
+            <a:pPr marL="285750" indent="-285750">
+              <a:buFont typeface="Arial" panose="020B0604020202020204" pitchFamily="34" charset="0"/>
+              <a:buChar char="•"/>
+            </a:pPr>
+            <a:endParaRPr lang="en-GB" dirty="0" smtClean="0"/>
+          </a:p>
+          <a:p>
+            <a:pPr marL="285750" indent="-285750">
+              <a:buFont typeface="Arial" panose="020B0604020202020204" pitchFamily="34" charset="0"/>
+              <a:buChar char="•"/>
+            </a:pPr>
+            <a:endParaRPr lang="en-GB" dirty="0"/>
+          </a:p>
+        </p:txBody>
+      </p:sp>
+      <p:sp>
+        <p:nvSpPr>
+          <p:cNvPr id="19" name="TextBox 18"/>
+          <p:cNvSpPr txBox="1"/>
+          <p:nvPr/>
+        </p:nvSpPr>
+        <p:spPr>
+          <a:xfrm>
+            <a:off x="734864" y="5213701"/>
+            <a:ext cx="2271428" cy="1015663"/>
+          </a:xfrm>
+          <a:prstGeom prst="rect">
+            <a:avLst/>
+          </a:prstGeom>
+          <a:noFill/>
+        </p:spPr>
+        <p:txBody>
+          <a:bodyPr wrap="square" rtlCol="0">
+            <a:spAutoFit/>
+          </a:bodyPr>
+          <a:lstStyle/>
+          <a:p>
+            <a:r>
+              <a:rPr lang="en-GB" sz="2000" b="1" dirty="0" smtClean="0"/>
+              <a:t>Impact of disability on increased life expectancy</a:t>
+            </a:r>
+            <a:endParaRPr lang="en-GB" sz="2000" b="1" dirty="0"/>
+          </a:p>
+        </p:txBody>
+      </p:sp>
+      <p:sp>
+        <p:nvSpPr>
+          <p:cNvPr id="20" name="Right Arrow 19"/>
+          <p:cNvSpPr/>
+          <p:nvPr/>
+        </p:nvSpPr>
+        <p:spPr>
+          <a:xfrm>
+            <a:off x="3006292" y="5431028"/>
+            <a:ext cx="978408" cy="400110"/>
+          </a:xfrm>
+          <a:prstGeom prst="rightArrow">
+            <a:avLst/>
+          </a:prstGeom>
+          <a:solidFill>
+            <a:schemeClr val="tx1"/>
+          </a:solidFill>
+          <a:ln>
+            <a:solidFill>
+              <a:schemeClr val="tx1"/>
+            </a:solidFill>
+          </a:ln>
+        </p:spPr>
+        <p:style>
+          <a:lnRef idx="2">
+            <a:schemeClr val="accent1">
+              <a:shade val="50000"/>
+            </a:schemeClr>
+          </a:lnRef>
+          <a:fillRef idx="1">
+            <a:schemeClr val="accent1"/>
+          </a:fillRef>
+          <a:effectRef idx="0">
+            <a:schemeClr val="accent1"/>
+          </a:effectRef>
+          <a:fontRef idx="minor">
+            <a:schemeClr val="lt1"/>
+          </a:fontRef>
+        </p:style>
+        <p:txBody>
+          <a:bodyPr rtlCol="0" anchor="ctr"/>
+          <a:lstStyle/>
+          <a:p>
+            <a:pPr algn="ctr"/>
+            <a:endParaRPr lang="en-GB"/>
+          </a:p>
+        </p:txBody>
+      </p:sp>
+      <p:sp>
+        <p:nvSpPr>
+          <p:cNvPr id="21" name="TextBox 20"/>
+          <p:cNvSpPr txBox="1"/>
+          <p:nvPr/>
+        </p:nvSpPr>
+        <p:spPr>
+          <a:xfrm>
+            <a:off x="3984700" y="5240305"/>
+            <a:ext cx="3345990" cy="707886"/>
+          </a:xfrm>
+          <a:prstGeom prst="rect">
+            <a:avLst/>
+          </a:prstGeom>
+          <a:noFill/>
+        </p:spPr>
+        <p:txBody>
+          <a:bodyPr wrap="square" rtlCol="0">
+            <a:spAutoFit/>
+          </a:bodyPr>
+          <a:lstStyle/>
+          <a:p>
+            <a:r>
+              <a:rPr lang="en-GB" sz="2000" b="1" dirty="0" smtClean="0"/>
+              <a:t>Burden of disease shift to later years</a:t>
+            </a:r>
+            <a:endParaRPr lang="en-GB" sz="2000" b="1" dirty="0"/>
+          </a:p>
+        </p:txBody>
+      </p:sp>
+    </p:spTree>
+    <p:extLst>
+      <p:ext uri="{BB962C8B-B14F-4D97-AF65-F5344CB8AC3E}">
+        <p14:creationId xmlns:p14="http://schemas.microsoft.com/office/powerpoint/2010/main" val="1944470606"/>
+      </p:ext>
+    </p:extLst>
+  </p:cSld>
+  <p:clrMapOvr>
+    <a:masterClrMapping/>
+  </p:clrMapOvr>
+  <p:timing>
+    <p:tnLst>
+      <p:par>
+        <p:cTn id="1" dur="indefinite" restart="never" nodeType="tmRoot"/>
+      </p:par>
+    </p:tnLst>
+  </p:timing>
+</p:sld>
+</file>
+
+<file path=ppt/slides/slide7.xml><?xml version="1.0" encoding="utf-8"?>
 <p:sld xmlns:a="http://schemas.openxmlformats.org/drawingml/2006/main" xmlns:r="http://schemas.openxmlformats.org/officeDocument/2006/relationships" xmlns:p="http://schemas.openxmlformats.org/presentationml/2006/main">
   <p:cSld>
     <p:spTree>
@@ -21629,7 +22901,7 @@
           <a:p>
             <a:pPr algn="ctr"/>
             <a:r>
-              <a:rPr lang="en-GB" sz="4000" b="1" smtClean="0"/>
+              <a:rPr lang="en-GB" sz="4000" b="1" dirty="0" smtClean="0"/>
               <a:t>Proportional multi-state life table model</a:t>
             </a:r>
             <a:endParaRPr lang="en-GB" sz="4000" b="1" dirty="0"/>
@@ -22827,435 +24099,13 @@
   <p:clrMapOvr>
     <a:masterClrMapping/>
   </p:clrMapOvr>
-</p:sld>
-</file>
-
-<file path=ppt/slides/slide7.xml><?xml version="1.0" encoding="utf-8"?>
-<p:sld xmlns:a="http://schemas.openxmlformats.org/drawingml/2006/main" xmlns:r="http://schemas.openxmlformats.org/officeDocument/2006/relationships" xmlns:p="http://schemas.openxmlformats.org/presentationml/2006/main">
-  <p:cSld>
-    <p:spTree>
-      <p:nvGrpSpPr>
-        <p:cNvPr id="1" name=""/>
-        <p:cNvGrpSpPr/>
-        <p:nvPr/>
-      </p:nvGrpSpPr>
-      <p:grpSpPr>
-        <a:xfrm>
-          <a:off x="0" y="0"/>
-          <a:ext cx="0" cy="0"/>
-          <a:chOff x="0" y="0"/>
-          <a:chExt cx="0" cy="0"/>
-        </a:xfrm>
-      </p:grpSpPr>
-      <p:sp>
-        <p:nvSpPr>
-          <p:cNvPr id="6" name="TextBox 5"/>
-          <p:cNvSpPr txBox="1"/>
-          <p:nvPr/>
-        </p:nvSpPr>
-        <p:spPr>
-          <a:xfrm>
-            <a:off x="1204452" y="1699866"/>
-            <a:ext cx="1559658" cy="369332"/>
-          </a:xfrm>
-          <a:prstGeom prst="rect">
-            <a:avLst/>
-          </a:prstGeom>
-        </p:spPr>
-        <p:style>
-          <a:lnRef idx="2">
-            <a:schemeClr val="dk1"/>
-          </a:lnRef>
-          <a:fillRef idx="1">
-            <a:schemeClr val="lt1"/>
-          </a:fillRef>
-          <a:effectRef idx="0">
-            <a:schemeClr val="dk1"/>
-          </a:effectRef>
-          <a:fontRef idx="minor">
-            <a:schemeClr val="dk1"/>
-          </a:fontRef>
-        </p:style>
-        <p:txBody>
-          <a:bodyPr wrap="none" rtlCol="0">
-            <a:spAutoFit/>
-          </a:bodyPr>
-          <a:lstStyle/>
-          <a:p>
-            <a:r>
-              <a:rPr lang="en-GB" dirty="0" smtClean="0"/>
-              <a:t>Life years lived</a:t>
-            </a:r>
-          </a:p>
-        </p:txBody>
-      </p:sp>
-      <p:sp>
-        <p:nvSpPr>
-          <p:cNvPr id="23" name="TextBox 22"/>
-          <p:cNvSpPr txBox="1"/>
-          <p:nvPr/>
-        </p:nvSpPr>
-        <p:spPr>
-          <a:xfrm>
-            <a:off x="407313" y="1272627"/>
-            <a:ext cx="430887" cy="5409053"/>
-          </a:xfrm>
-          <a:prstGeom prst="rect">
-            <a:avLst/>
-          </a:prstGeom>
-          <a:ln>
-            <a:solidFill>
-              <a:schemeClr val="tx1"/>
-            </a:solidFill>
-          </a:ln>
-        </p:spPr>
-        <p:style>
-          <a:lnRef idx="2">
-            <a:schemeClr val="accent1"/>
-          </a:lnRef>
-          <a:fillRef idx="1">
-            <a:schemeClr val="lt1"/>
-          </a:fillRef>
-          <a:effectRef idx="0">
-            <a:schemeClr val="accent1"/>
-          </a:effectRef>
-          <a:fontRef idx="minor">
-            <a:schemeClr val="dk1"/>
-          </a:fontRef>
-        </p:style>
-        <p:txBody>
-          <a:bodyPr vert="vert270" wrap="square" rtlCol="0">
-            <a:spAutoFit/>
-          </a:bodyPr>
-          <a:lstStyle/>
-          <a:p>
-            <a:pPr algn="ctr"/>
-            <a:r>
-              <a:rPr lang="en-GB" sz="1600" dirty="0" smtClean="0"/>
-              <a:t>Age and sex</a:t>
-            </a:r>
-            <a:endParaRPr lang="en-GB" sz="1600" dirty="0"/>
-          </a:p>
-        </p:txBody>
-      </p:sp>
-      <p:sp>
-        <p:nvSpPr>
-          <p:cNvPr id="32" name="Title 1"/>
-          <p:cNvSpPr txBox="1">
-            <a:spLocks/>
-          </p:cNvSpPr>
-          <p:nvPr/>
-        </p:nvSpPr>
-        <p:spPr>
-          <a:xfrm>
-            <a:off x="0" y="1"/>
-            <a:ext cx="12192000" cy="1094376"/>
-          </a:xfrm>
-          <a:prstGeom prst="rect">
-            <a:avLst/>
-          </a:prstGeom>
-          <a:solidFill>
-            <a:schemeClr val="accent6"/>
-          </a:solidFill>
-        </p:spPr>
-        <p:txBody>
-          <a:bodyPr vert="horz" lIns="91440" tIns="45720" rIns="91440" bIns="45720" rtlCol="0" anchor="ctr">
-            <a:normAutofit/>
-          </a:bodyPr>
-          <a:lstStyle>
-            <a:lvl1pPr algn="l" defTabSz="914400" rtl="0" eaLnBrk="1" latinLnBrk="0" hangingPunct="1">
-              <a:lnSpc>
-                <a:spcPct val="90000"/>
-              </a:lnSpc>
-              <a:spcBef>
-                <a:spcPct val="0"/>
-              </a:spcBef>
-              <a:buNone/>
-              <a:defRPr sz="4400" kern="1200">
-                <a:solidFill>
-                  <a:schemeClr val="tx1"/>
-                </a:solidFill>
-                <a:latin typeface="+mj-lt"/>
-                <a:ea typeface="+mj-ea"/>
-                <a:cs typeface="+mj-cs"/>
-              </a:defRPr>
-            </a:lvl1pPr>
-          </a:lstStyle>
-          <a:p>
-            <a:pPr algn="ctr"/>
-            <a:r>
-              <a:rPr lang="en-GB" sz="4000" b="1" smtClean="0"/>
-              <a:t>Proportional multi-state life table model</a:t>
-            </a:r>
-            <a:endParaRPr lang="en-GB" sz="4000" b="1" dirty="0"/>
-          </a:p>
-        </p:txBody>
-      </p:sp>
-      <p:sp>
-        <p:nvSpPr>
-          <p:cNvPr id="33" name="TextBox 32"/>
-          <p:cNvSpPr txBox="1"/>
-          <p:nvPr/>
-        </p:nvSpPr>
-        <p:spPr>
-          <a:xfrm>
-            <a:off x="1204452" y="1245500"/>
-            <a:ext cx="10377947" cy="338554"/>
-          </a:xfrm>
-          <a:prstGeom prst="rect">
-            <a:avLst/>
-          </a:prstGeom>
-          <a:solidFill>
-            <a:schemeClr val="bg2"/>
-          </a:solidFill>
-          <a:ln w="28575">
-            <a:solidFill>
-              <a:schemeClr val="tx1"/>
-            </a:solidFill>
-          </a:ln>
-        </p:spPr>
-        <p:style>
-          <a:lnRef idx="2">
-            <a:schemeClr val="accent1"/>
-          </a:lnRef>
-          <a:fillRef idx="1">
-            <a:schemeClr val="lt1"/>
-          </a:fillRef>
-          <a:effectRef idx="0">
-            <a:schemeClr val="accent1"/>
-          </a:effectRef>
-          <a:fontRef idx="minor">
-            <a:schemeClr val="dk1"/>
-          </a:fontRef>
-        </p:style>
-        <p:txBody>
-          <a:bodyPr wrap="square" rtlCol="0">
-            <a:spAutoFit/>
-          </a:bodyPr>
-          <a:lstStyle/>
-          <a:p>
-            <a:pPr algn="ctr"/>
-            <a:r>
-              <a:rPr lang="en-GB" sz="1600" b="1" dirty="0"/>
-              <a:t>L</a:t>
-            </a:r>
-            <a:r>
-              <a:rPr lang="en-GB" sz="1600" b="1" dirty="0" smtClean="0"/>
-              <a:t>ife table</a:t>
-            </a:r>
-            <a:endParaRPr lang="en-GB" sz="1600" b="1" dirty="0"/>
-          </a:p>
-        </p:txBody>
-      </p:sp>
-      <p:sp>
-        <p:nvSpPr>
-          <p:cNvPr id="34" name="TextBox 33"/>
-          <p:cNvSpPr txBox="1"/>
-          <p:nvPr/>
-        </p:nvSpPr>
-        <p:spPr>
-          <a:xfrm>
-            <a:off x="1204452" y="1241849"/>
-            <a:ext cx="426445" cy="338400"/>
-          </a:xfrm>
-          <a:prstGeom prst="rect">
-            <a:avLst/>
-          </a:prstGeom>
-          <a:noFill/>
-          <a:ln>
-            <a:solidFill>
-              <a:schemeClr val="tx1"/>
-            </a:solidFill>
-          </a:ln>
-        </p:spPr>
-        <p:txBody>
-          <a:bodyPr wrap="square" rtlCol="0">
-            <a:spAutoFit/>
-          </a:bodyPr>
-          <a:lstStyle/>
-          <a:p>
-            <a:r>
-              <a:rPr lang="en-GB" b="1" dirty="0" smtClean="0"/>
-              <a:t>3</a:t>
-            </a:r>
-            <a:endParaRPr lang="en-GB" b="1" dirty="0"/>
-          </a:p>
-        </p:txBody>
-      </p:sp>
-      <p:sp>
-        <p:nvSpPr>
-          <p:cNvPr id="35" name="TextBox 34"/>
-          <p:cNvSpPr txBox="1"/>
-          <p:nvPr/>
-        </p:nvSpPr>
-        <p:spPr>
-          <a:xfrm>
-            <a:off x="4770095" y="1694732"/>
-            <a:ext cx="1623330" cy="369332"/>
-          </a:xfrm>
-          <a:prstGeom prst="rect">
-            <a:avLst/>
-          </a:prstGeom>
-        </p:spPr>
-        <p:style>
-          <a:lnRef idx="2">
-            <a:schemeClr val="dk1"/>
-          </a:lnRef>
-          <a:fillRef idx="1">
-            <a:schemeClr val="lt1"/>
-          </a:fillRef>
-          <a:effectRef idx="0">
-            <a:schemeClr val="dk1"/>
-          </a:effectRef>
-          <a:fontRef idx="minor">
-            <a:schemeClr val="dk1"/>
-          </a:fontRef>
-        </p:style>
-        <p:txBody>
-          <a:bodyPr wrap="none" rtlCol="0">
-            <a:spAutoFit/>
-          </a:bodyPr>
-          <a:lstStyle/>
-          <a:p>
-            <a:r>
-              <a:rPr lang="en-GB" dirty="0" smtClean="0"/>
-              <a:t>Life expectancy</a:t>
-            </a:r>
-          </a:p>
-        </p:txBody>
-      </p:sp>
-      <p:cxnSp>
-        <p:nvCxnSpPr>
-          <p:cNvPr id="37" name="Straight Arrow Connector 36"/>
-          <p:cNvCxnSpPr/>
-          <p:nvPr/>
-        </p:nvCxnSpPr>
-        <p:spPr>
-          <a:xfrm>
-            <a:off x="2770460" y="1884532"/>
-            <a:ext cx="1999635" cy="0"/>
-          </a:xfrm>
-          <a:prstGeom prst="straightConnector1">
-            <a:avLst/>
-          </a:prstGeom>
-          <a:ln>
-            <a:solidFill>
-              <a:schemeClr val="tx1"/>
-            </a:solidFill>
-            <a:tailEnd type="triangle"/>
-          </a:ln>
-        </p:spPr>
-        <p:style>
-          <a:lnRef idx="1">
-            <a:schemeClr val="accent1"/>
-          </a:lnRef>
-          <a:fillRef idx="0">
-            <a:schemeClr val="accent1"/>
-          </a:fillRef>
-          <a:effectRef idx="0">
-            <a:schemeClr val="accent1"/>
-          </a:effectRef>
-          <a:fontRef idx="minor">
-            <a:schemeClr val="tx1"/>
-          </a:fontRef>
-        </p:style>
-      </p:cxnSp>
-      <p:sp>
-        <p:nvSpPr>
-          <p:cNvPr id="3" name="TextBox 2"/>
-          <p:cNvSpPr txBox="1"/>
-          <p:nvPr/>
-        </p:nvSpPr>
-        <p:spPr>
-          <a:xfrm>
-            <a:off x="1204452" y="2257120"/>
-            <a:ext cx="8830492" cy="1754326"/>
-          </a:xfrm>
-          <a:prstGeom prst="rect">
-            <a:avLst/>
-          </a:prstGeom>
-          <a:noFill/>
-        </p:spPr>
-        <p:txBody>
-          <a:bodyPr wrap="square" rtlCol="0">
-            <a:spAutoFit/>
-          </a:bodyPr>
-          <a:lstStyle/>
-          <a:p>
-            <a:pPr marL="285750" indent="-285750">
-              <a:buFont typeface="Arial" panose="020B0604020202020204" pitchFamily="34" charset="0"/>
-              <a:buChar char="•"/>
-            </a:pPr>
-            <a:r>
-              <a:rPr lang="en-GB" dirty="0" smtClean="0"/>
-              <a:t>Used by national statistics to calculate life expectancy at birth (or given age)</a:t>
-            </a:r>
-          </a:p>
-          <a:p>
-            <a:pPr marL="285750" indent="-285750">
-              <a:buFont typeface="Arial" panose="020B0604020202020204" pitchFamily="34" charset="0"/>
-              <a:buChar char="•"/>
-            </a:pPr>
-            <a:r>
-              <a:rPr lang="en-GB" b="1" dirty="0" smtClean="0"/>
-              <a:t>Period life expectancy (period life table): </a:t>
-            </a:r>
-            <a:r>
-              <a:rPr lang="en-GB" dirty="0" smtClean="0"/>
-              <a:t>the average number of additional years that a person can be expected to live if he/she experiences the age and sex observed age-specific mortality rates.</a:t>
-            </a:r>
-          </a:p>
-          <a:p>
-            <a:pPr marL="285750" indent="-285750">
-              <a:buFont typeface="Arial" panose="020B0604020202020204" pitchFamily="34" charset="0"/>
-              <a:buChar char="•"/>
-            </a:pPr>
-            <a:r>
-              <a:rPr lang="en-GB" b="1" dirty="0" smtClean="0"/>
-              <a:t>Cohort life expectancy (Cohort life table): </a:t>
-            </a:r>
-            <a:r>
-              <a:rPr lang="en-GB" dirty="0" smtClean="0"/>
-              <a:t>adds projections for deaths in future years for a cohort</a:t>
-            </a:r>
-            <a:endParaRPr lang="en-GB" dirty="0"/>
-          </a:p>
-        </p:txBody>
-      </p:sp>
-      <p:pic>
-        <p:nvPicPr>
-          <p:cNvPr id="4" name="Picture 3"/>
-          <p:cNvPicPr>
-            <a:picLocks noChangeAspect="1"/>
-          </p:cNvPicPr>
-          <p:nvPr/>
-        </p:nvPicPr>
-        <p:blipFill>
-          <a:blip r:embed="rId3"/>
-          <a:stretch>
-            <a:fillRect/>
-          </a:stretch>
-        </p:blipFill>
-        <p:spPr>
-          <a:xfrm>
-            <a:off x="2298689" y="4011446"/>
-            <a:ext cx="7594621" cy="2462298"/>
-          </a:xfrm>
-          <a:prstGeom prst="rect">
-            <a:avLst/>
-          </a:prstGeom>
-        </p:spPr>
-      </p:pic>
-    </p:spTree>
-    <p:extLst>
-      <p:ext uri="{BB962C8B-B14F-4D97-AF65-F5344CB8AC3E}">
-        <p14:creationId xmlns:p14="http://schemas.microsoft.com/office/powerpoint/2010/main" val="1460578636"/>
-      </p:ext>
-    </p:extLst>
-  </p:cSld>
-  <p:clrMapOvr>
-    <a:masterClrMapping/>
-  </p:clrMapOvr>
+  <p:timing>
+    <p:tnLst>
+      <p:par>
+        <p:cTn id="1" dur="indefinite" restart="never" nodeType="tmRoot"/>
+      </p:par>
+    </p:tnLst>
+  </p:timing>
 </p:sld>
 </file>
 
